--- a/docs/presentation_slides/RoboWarsPresentation_AlexCraig.pptx
+++ b/docs/presentation_slides/RoboWarsPresentation_AlexCraig.pptx
@@ -5,10 +5,10 @@
     <p:sldMasterId id="2147483648" r:id="rId1"/>
   </p:sldMasterIdLst>
   <p:notesMasterIdLst>
-    <p:notesMasterId r:id="rId17"/>
+    <p:notesMasterId r:id="rId20"/>
   </p:notesMasterIdLst>
   <p:handoutMasterIdLst>
-    <p:handoutMasterId r:id="rId18"/>
+    <p:handoutMasterId r:id="rId21"/>
   </p:handoutMasterIdLst>
   <p:sldIdLst>
     <p:sldId id="256" r:id="rId2"/>
@@ -21,11 +21,14 @@
     <p:sldId id="267" r:id="rId9"/>
     <p:sldId id="268" r:id="rId10"/>
     <p:sldId id="269" r:id="rId11"/>
-    <p:sldId id="265" r:id="rId12"/>
-    <p:sldId id="272" r:id="rId13"/>
-    <p:sldId id="273" r:id="rId14"/>
-    <p:sldId id="274" r:id="rId15"/>
-    <p:sldId id="263" r:id="rId16"/>
+    <p:sldId id="275" r:id="rId12"/>
+    <p:sldId id="276" r:id="rId13"/>
+    <p:sldId id="277" r:id="rId14"/>
+    <p:sldId id="265" r:id="rId15"/>
+    <p:sldId id="272" r:id="rId16"/>
+    <p:sldId id="273" r:id="rId17"/>
+    <p:sldId id="274" r:id="rId18"/>
+    <p:sldId id="263" r:id="rId19"/>
   </p:sldIdLst>
   <p:sldSz cx="9144000" cy="6858000" type="screen4x3"/>
   <p:notesSz cx="6858000" cy="9144000"/>
@@ -360,6 +363,11 @@
         </p:txBody>
       </p:sp>
     </p:spTree>
+    <p:extLst>
+      <p:ext uri="{BB962C8B-B14F-4D97-AF65-F5344CB8AC3E}">
+        <p14:creationId xmlns:p14="http://schemas.microsoft.com/office/powerpoint/2010/main" val="1061033073"/>
+      </p:ext>
+    </p:extLst>
   </p:cSld>
   <p:clrMap bg1="lt1" tx1="dk1" bg2="lt2" tx2="dk2" accent1="accent1" accent2="accent2" accent3="accent3" accent4="accent4" accent5="accent5" accent6="accent6" hlink="hlink" folHlink="folHlink"/>
 </p:handoutMaster>
@@ -669,6 +677,11 @@
         </p:txBody>
       </p:sp>
     </p:spTree>
+    <p:extLst>
+      <p:ext uri="{BB962C8B-B14F-4D97-AF65-F5344CB8AC3E}">
+        <p14:creationId xmlns:p14="http://schemas.microsoft.com/office/powerpoint/2010/main" val="2485581312"/>
+      </p:ext>
+    </p:extLst>
   </p:cSld>
   <p:clrMap bg1="lt1" tx1="dk1" bg2="lt2" tx2="dk2" accent1="accent1" accent2="accent2" accent3="accent3" accent4="accent4" accent5="accent5" accent6="accent6" hlink="hlink" folHlink="folHlink"/>
   <p:notesStyle>
@@ -3804,12 +3817,12 @@
       </p:grpSpPr>
       <p:sp>
         <p:nvSpPr>
-          <p:cNvPr id="4" name="Slide Number Placeholder 3"/>
+          <p:cNvPr id="2" name="Title 1"/>
           <p:cNvSpPr>
             <a:spLocks noGrp="1"/>
           </p:cNvSpPr>
           <p:nvPr>
-            <p:ph type="sldNum" sz="quarter" idx="10"/>
+            <p:ph type="title"/>
           </p:nvPr>
         </p:nvSpPr>
         <p:spPr/>
@@ -3817,8 +3830,62 @@
           <a:bodyPr/>
           <a:lstStyle/>
           <a:p>
-            <a:fld id="{284CB430-D7DB-450E-8FF5-AD4ED9D28849}" type="slidenum">
-              <a:rPr lang="en-US"/>
+            <a:r>
+              <a:rPr lang="en-US" dirty="0" smtClean="0"/>
+              <a:t>Android – Why Android?</a:t>
+            </a:r>
+            <a:endParaRPr lang="en-US" dirty="0"/>
+          </a:p>
+        </p:txBody>
+      </p:sp>
+      <p:sp>
+        <p:nvSpPr>
+          <p:cNvPr id="3" name="Content Placeholder 2"/>
+          <p:cNvSpPr>
+            <a:spLocks noGrp="1"/>
+          </p:cNvSpPr>
+          <p:nvPr>
+            <p:ph idx="1"/>
+          </p:nvPr>
+        </p:nvSpPr>
+        <p:spPr/>
+        <p:txBody>
+          <a:bodyPr/>
+          <a:lstStyle/>
+          <a:p>
+            <a:r>
+              <a:rPr lang="en-US" dirty="0" smtClean="0"/>
+              <a:t>Android is Open Source; anyone with sufficient knowledge is able to download the source code and propose new content, modifications, updates or patches.</a:t>
+            </a:r>
+          </a:p>
+          <a:p>
+            <a:endParaRPr lang="en-US" dirty="0" smtClean="0"/>
+          </a:p>
+          <a:p>
+            <a:r>
+              <a:rPr lang="en-US" dirty="0" smtClean="0"/>
+              <a:t>Market Share – Android rose from 4% (Q2 2009) to 27% (Q2 2010). Android held 34% market share in the US (last year), placing it above Apple and RIM. [6]</a:t>
+            </a:r>
+          </a:p>
+        </p:txBody>
+      </p:sp>
+      <p:sp>
+        <p:nvSpPr>
+          <p:cNvPr id="4" name="Slide Number Placeholder 3"/>
+          <p:cNvSpPr>
+            <a:spLocks noGrp="1"/>
+          </p:cNvSpPr>
+          <p:nvPr>
+            <p:ph type="sldNum" sz="quarter" idx="10"/>
+          </p:nvPr>
+        </p:nvSpPr>
+        <p:spPr/>
+        <p:txBody>
+          <a:bodyPr/>
+          <a:lstStyle/>
+          <a:p>
+            <a:fld id="{FAAA69A5-C75C-4017-9902-6D5483EF4E9B}" type="slidenum">
+              <a:rPr lang="en-US" smtClean="0"/>
               <a:pPr/>
               <a:t>11</a:t>
             </a:fld>
@@ -3826,62 +3893,12 @@
           </a:p>
         </p:txBody>
       </p:sp>
-      <p:sp>
-        <p:nvSpPr>
-          <p:cNvPr id="4100" name="Rectangle 4"/>
-          <p:cNvSpPr>
-            <a:spLocks noGrp="1" noChangeArrowheads="1"/>
-          </p:cNvSpPr>
-          <p:nvPr>
-            <p:ph type="title"/>
-          </p:nvPr>
-        </p:nvSpPr>
-        <p:spPr/>
-        <p:txBody>
-          <a:bodyPr/>
-          <a:lstStyle/>
-          <a:p>
-            <a:r>
-              <a:rPr lang="en-US" dirty="0" smtClean="0"/>
-              <a:t>Potential Applications</a:t>
-            </a:r>
-            <a:endParaRPr lang="en-US" dirty="0"/>
-          </a:p>
-        </p:txBody>
-      </p:sp>
-      <p:sp>
-        <p:nvSpPr>
-          <p:cNvPr id="4101" name="Rectangle 5"/>
-          <p:cNvSpPr>
-            <a:spLocks noGrp="1" noChangeArrowheads="1"/>
-          </p:cNvSpPr>
-          <p:nvPr>
-            <p:ph type="body" idx="1"/>
-          </p:nvPr>
-        </p:nvSpPr>
-        <p:spPr/>
-        <p:txBody>
-          <a:bodyPr/>
-          <a:lstStyle/>
-          <a:p>
-            <a:r>
-              <a:rPr lang="en-US" dirty="0" smtClean="0"/>
-              <a:t>Although video games are used as the virtual worlds in our prototype, this is not a hard limitation.</a:t>
-            </a:r>
-          </a:p>
-          <a:p>
-            <a:endParaRPr lang="en-US" dirty="0"/>
-          </a:p>
-          <a:p>
-            <a:r>
-              <a:rPr lang="en-US" dirty="0" smtClean="0"/>
-              <a:t>Virtual world state could be entirely simulated as in the prototype case, or the virtual world could be used to collaborate sensor information from external sources.</a:t>
-            </a:r>
-            <a:endParaRPr lang="en-US" dirty="0"/>
-          </a:p>
-        </p:txBody>
-      </p:sp>
     </p:spTree>
+    <p:extLst>
+      <p:ext uri="{BB962C8B-B14F-4D97-AF65-F5344CB8AC3E}">
+        <p14:creationId xmlns:p14="http://schemas.microsoft.com/office/powerpoint/2010/main" val="2075175118"/>
+      </p:ext>
+    </p:extLst>
   </p:cSld>
   <p:clrMapOvr>
     <a:masterClrMapping/>
@@ -3908,12 +3925,12 @@
       </p:grpSpPr>
       <p:sp>
         <p:nvSpPr>
-          <p:cNvPr id="4" name="Slide Number Placeholder 3"/>
+          <p:cNvPr id="2" name="Title 1"/>
           <p:cNvSpPr>
             <a:spLocks noGrp="1"/>
           </p:cNvSpPr>
           <p:nvPr>
-            <p:ph type="sldNum" sz="quarter" idx="10"/>
+            <p:ph type="title"/>
           </p:nvPr>
         </p:nvSpPr>
         <p:spPr/>
@@ -3921,8 +3938,68 @@
           <a:bodyPr/>
           <a:lstStyle/>
           <a:p>
-            <a:fld id="{284CB430-D7DB-450E-8FF5-AD4ED9D28849}" type="slidenum">
-              <a:rPr lang="en-US"/>
+            <a:r>
+              <a:rPr lang="en-US" dirty="0" smtClean="0"/>
+              <a:t>Android – Progress</a:t>
+            </a:r>
+            <a:endParaRPr lang="en-US" dirty="0"/>
+          </a:p>
+        </p:txBody>
+      </p:sp>
+      <p:sp>
+        <p:nvSpPr>
+          <p:cNvPr id="3" name="Content Placeholder 2"/>
+          <p:cNvSpPr>
+            <a:spLocks noGrp="1"/>
+          </p:cNvSpPr>
+          <p:nvPr>
+            <p:ph idx="1"/>
+          </p:nvPr>
+        </p:nvSpPr>
+        <p:spPr/>
+        <p:txBody>
+          <a:bodyPr/>
+          <a:lstStyle/>
+          <a:p>
+            <a:r>
+              <a:rPr lang="en-US" dirty="0" smtClean="0"/>
+              <a:t>Currently, the mobile client is able to chat on the main server, initialize a game, and move its paired robot.</a:t>
+            </a:r>
+          </a:p>
+          <a:p>
+            <a:endParaRPr lang="en-US" dirty="0"/>
+          </a:p>
+          <a:p>
+            <a:r>
+              <a:rPr lang="en-US" dirty="0" smtClean="0"/>
+              <a:t>Future work includes streaming video to the mobile client and rendering the augmented reality over the streaming video in real-time.</a:t>
+            </a:r>
+          </a:p>
+          <a:p>
+            <a:endParaRPr lang="en-US" dirty="0"/>
+          </a:p>
+          <a:p>
+            <a:endParaRPr lang="en-US" dirty="0" smtClean="0"/>
+          </a:p>
+        </p:txBody>
+      </p:sp>
+      <p:sp>
+        <p:nvSpPr>
+          <p:cNvPr id="4" name="Slide Number Placeholder 3"/>
+          <p:cNvSpPr>
+            <a:spLocks noGrp="1"/>
+          </p:cNvSpPr>
+          <p:nvPr>
+            <p:ph type="sldNum" sz="quarter" idx="10"/>
+          </p:nvPr>
+        </p:nvSpPr>
+        <p:spPr/>
+        <p:txBody>
+          <a:bodyPr/>
+          <a:lstStyle/>
+          <a:p>
+            <a:fld id="{FAAA69A5-C75C-4017-9902-6D5483EF4E9B}" type="slidenum">
+              <a:rPr lang="en-US" smtClean="0"/>
               <a:pPr/>
               <a:t>12</a:t>
             </a:fld>
@@ -3930,76 +4007,12 @@
           </a:p>
         </p:txBody>
       </p:sp>
-      <p:sp>
-        <p:nvSpPr>
-          <p:cNvPr id="4100" name="Rectangle 4"/>
-          <p:cNvSpPr>
-            <a:spLocks noGrp="1" noChangeArrowheads="1"/>
-          </p:cNvSpPr>
-          <p:nvPr>
-            <p:ph type="title"/>
-          </p:nvPr>
-        </p:nvSpPr>
-        <p:spPr/>
-        <p:txBody>
-          <a:bodyPr/>
-          <a:lstStyle/>
-          <a:p>
-            <a:r>
-              <a:rPr lang="en-US" dirty="0" smtClean="0"/>
-              <a:t>Potential Application</a:t>
-            </a:r>
-            <a:br>
-              <a:rPr lang="en-US" dirty="0" smtClean="0"/>
-            </a:br>
-            <a:r>
-              <a:rPr lang="en-US" b="1" dirty="0" smtClean="0"/>
-              <a:t>Elderly / Disabled Assistance</a:t>
-            </a:r>
-            <a:endParaRPr lang="en-US" b="1" dirty="0"/>
-          </a:p>
-        </p:txBody>
-      </p:sp>
-      <p:sp>
-        <p:nvSpPr>
-          <p:cNvPr id="4101" name="Rectangle 5"/>
-          <p:cNvSpPr>
-            <a:spLocks noGrp="1" noChangeArrowheads="1"/>
-          </p:cNvSpPr>
-          <p:nvPr>
-            <p:ph type="body" idx="1"/>
-          </p:nvPr>
-        </p:nvSpPr>
-        <p:spPr>
-          <a:xfrm>
-            <a:off x="1981200" y="2209800"/>
-            <a:ext cx="6858000" cy="4419600"/>
-          </a:xfrm>
-        </p:spPr>
-        <p:txBody>
-          <a:bodyPr/>
-          <a:lstStyle/>
-          <a:p>
-            <a:r>
-              <a:rPr lang="en-US" dirty="0"/>
-              <a:t>A</a:t>
-            </a:r>
-            <a:r>
-              <a:rPr lang="en-US" dirty="0" smtClean="0"/>
-              <a:t> virtual world could be used to collaborate with other sensors and appliances in a home environment. For example, stored information might include appliance settings, thermostat settings, the status of lights in various rooms, grocery stocks… etc.</a:t>
-            </a:r>
-            <a:endParaRPr lang="en-US" dirty="0"/>
-          </a:p>
-          <a:p>
-            <a:r>
-              <a:rPr lang="en-US" dirty="0" smtClean="0"/>
-              <a:t>A remotely controlled robotic drone could be used by the elderly or disabled to perform simple tasks around the home such as fetching items or interacting with appliances.</a:t>
-            </a:r>
-            <a:endParaRPr lang="en-US" dirty="0"/>
-          </a:p>
-        </p:txBody>
-      </p:sp>
     </p:spTree>
+    <p:extLst>
+      <p:ext uri="{BB962C8B-B14F-4D97-AF65-F5344CB8AC3E}">
+        <p14:creationId xmlns:p14="http://schemas.microsoft.com/office/powerpoint/2010/main" val="1419636827"/>
+      </p:ext>
+    </p:extLst>
   </p:cSld>
   <p:clrMapOvr>
     <a:masterClrMapping/>
@@ -4026,12 +4039,12 @@
       </p:grpSpPr>
       <p:sp>
         <p:nvSpPr>
-          <p:cNvPr id="4" name="Slide Number Placeholder 3"/>
+          <p:cNvPr id="2" name="Title 1"/>
           <p:cNvSpPr>
             <a:spLocks noGrp="1"/>
           </p:cNvSpPr>
           <p:nvPr>
-            <p:ph type="sldNum" sz="quarter" idx="10"/>
+            <p:ph type="title"/>
           </p:nvPr>
         </p:nvSpPr>
         <p:spPr/>
@@ -4039,8 +4052,67 @@
           <a:bodyPr/>
           <a:lstStyle/>
           <a:p>
-            <a:fld id="{284CB430-D7DB-450E-8FF5-AD4ED9D28849}" type="slidenum">
-              <a:rPr lang="en-US"/>
+            <a:r>
+              <a:rPr lang="en-US" dirty="0" smtClean="0"/>
+              <a:t>Android</a:t>
+            </a:r>
+            <a:endParaRPr lang="en-US" dirty="0"/>
+          </a:p>
+        </p:txBody>
+      </p:sp>
+      <p:sp>
+        <p:nvSpPr>
+          <p:cNvPr id="3" name="Content Placeholder 2"/>
+          <p:cNvSpPr>
+            <a:spLocks noGrp="1"/>
+          </p:cNvSpPr>
+          <p:nvPr>
+            <p:ph idx="1"/>
+          </p:nvPr>
+        </p:nvSpPr>
+        <p:spPr/>
+        <p:txBody>
+          <a:bodyPr/>
+          <a:lstStyle/>
+          <a:p>
+            <a:endParaRPr lang="en-US" dirty="0" smtClean="0"/>
+          </a:p>
+          <a:p>
+            <a:endParaRPr lang="en-US" dirty="0"/>
+          </a:p>
+          <a:p>
+            <a:pPr marL="0" indent="0">
+              <a:buNone/>
+            </a:pPr>
+            <a:r>
+              <a:rPr lang="en-US" dirty="0" smtClean="0"/>
+              <a:t>    </a:t>
+            </a:r>
+            <a:r>
+              <a:rPr lang="en-US" sz="5400" b="1" dirty="0" smtClean="0"/>
+              <a:t>DEMONSTRATION</a:t>
+            </a:r>
+            <a:endParaRPr lang="en-US" sz="5400" dirty="0"/>
+          </a:p>
+        </p:txBody>
+      </p:sp>
+      <p:sp>
+        <p:nvSpPr>
+          <p:cNvPr id="4" name="Slide Number Placeholder 3"/>
+          <p:cNvSpPr>
+            <a:spLocks noGrp="1"/>
+          </p:cNvSpPr>
+          <p:nvPr>
+            <p:ph type="sldNum" sz="quarter" idx="10"/>
+          </p:nvPr>
+        </p:nvSpPr>
+        <p:spPr/>
+        <p:txBody>
+          <a:bodyPr/>
+          <a:lstStyle/>
+          <a:p>
+            <a:fld id="{FAAA69A5-C75C-4017-9902-6D5483EF4E9B}" type="slidenum">
+              <a:rPr lang="en-US" smtClean="0"/>
               <a:pPr/>
               <a:t>13</a:t>
             </a:fld>
@@ -4048,78 +4120,12 @@
           </a:p>
         </p:txBody>
       </p:sp>
-      <p:sp>
-        <p:nvSpPr>
-          <p:cNvPr id="4100" name="Rectangle 4"/>
-          <p:cNvSpPr>
-            <a:spLocks noGrp="1" noChangeArrowheads="1"/>
-          </p:cNvSpPr>
-          <p:nvPr>
-            <p:ph type="title"/>
-          </p:nvPr>
-        </p:nvSpPr>
-        <p:spPr/>
-        <p:txBody>
-          <a:bodyPr/>
-          <a:lstStyle/>
-          <a:p>
-            <a:r>
-              <a:rPr lang="en-US" dirty="0" smtClean="0"/>
-              <a:t>Potential Application</a:t>
-            </a:r>
-            <a:br>
-              <a:rPr lang="en-US" dirty="0" smtClean="0"/>
-            </a:br>
-            <a:r>
-              <a:rPr lang="en-US" b="1" dirty="0" smtClean="0"/>
-              <a:t>Search and Rescue</a:t>
-            </a:r>
-            <a:endParaRPr lang="en-US" b="1" dirty="0"/>
-          </a:p>
-        </p:txBody>
-      </p:sp>
-      <p:sp>
-        <p:nvSpPr>
-          <p:cNvPr id="4101" name="Rectangle 5"/>
-          <p:cNvSpPr>
-            <a:spLocks noGrp="1" noChangeArrowheads="1"/>
-          </p:cNvSpPr>
-          <p:nvPr>
-            <p:ph type="body" idx="1"/>
-          </p:nvPr>
-        </p:nvSpPr>
-        <p:spPr>
-          <a:xfrm>
-            <a:off x="1981200" y="2057400"/>
-            <a:ext cx="6858000" cy="4419600"/>
-          </a:xfrm>
-        </p:spPr>
-        <p:txBody>
-          <a:bodyPr/>
-          <a:lstStyle/>
-          <a:p>
-            <a:r>
-              <a:rPr lang="en-US" dirty="0" smtClean="0"/>
-              <a:t>Robotic drones are a means of performing search and rescue operations in areas which may be hazardous or inaccessible to human personnel.</a:t>
-            </a:r>
-            <a:endParaRPr lang="en-US" dirty="0"/>
-          </a:p>
-          <a:p>
-            <a:r>
-              <a:rPr lang="en-US" dirty="0" smtClean="0"/>
-              <a:t>A virtual world could be used to collaborate sensor information (such as heartbeat sensors, thermal imaging, radar/sonar… etc.), as well as to coordinate the movements of the drones themselves.</a:t>
-            </a:r>
-          </a:p>
-          <a:p>
-            <a:r>
-              <a:rPr lang="en-US" dirty="0" smtClean="0"/>
-              <a:t>A small number of personnel could potentially manage a large number of rescue drones.</a:t>
-            </a:r>
-            <a:endParaRPr lang="en-US" dirty="0"/>
-          </a:p>
-        </p:txBody>
-      </p:sp>
     </p:spTree>
+    <p:extLst>
+      <p:ext uri="{BB962C8B-B14F-4D97-AF65-F5344CB8AC3E}">
+        <p14:creationId xmlns:p14="http://schemas.microsoft.com/office/powerpoint/2010/main" val="1616090600"/>
+      </p:ext>
+    </p:extLst>
   </p:cSld>
   <p:clrMapOvr>
     <a:masterClrMapping/>
@@ -4185,16 +4191,9 @@
           <a:p>
             <a:r>
               <a:rPr lang="en-US" dirty="0" smtClean="0"/>
-              <a:t>Potential Application</a:t>
-            </a:r>
-            <a:br>
-              <a:rPr lang="en-US" dirty="0" smtClean="0"/>
-            </a:br>
-            <a:r>
-              <a:rPr lang="en-US" b="1" dirty="0" smtClean="0"/>
-              <a:t>Security and Surveillance</a:t>
-            </a:r>
-            <a:endParaRPr lang="en-US" b="1" dirty="0"/>
+              <a:t>Potential Applications</a:t>
+            </a:r>
+            <a:endParaRPr lang="en-US" dirty="0"/>
           </a:p>
         </p:txBody>
       </p:sp>
@@ -4208,31 +4207,23 @@
             <p:ph type="body" idx="1"/>
           </p:nvPr>
         </p:nvSpPr>
-        <p:spPr>
-          <a:xfrm>
-            <a:off x="1981200" y="2057400"/>
-            <a:ext cx="6858000" cy="4419600"/>
-          </a:xfrm>
-        </p:spPr>
+        <p:spPr/>
         <p:txBody>
           <a:bodyPr/>
           <a:lstStyle/>
           <a:p>
             <a:r>
               <a:rPr lang="en-US" dirty="0" smtClean="0"/>
-              <a:t>Robotic drones could be used to augment an existing security system by using a virtual world to collaborate with existing alarm and camera systems.</a:t>
-            </a:r>
+              <a:t>Although video games are used as the virtual worlds in our prototype, this is not a hard limitation.</a:t>
+            </a:r>
+          </a:p>
+          <a:p>
+            <a:endParaRPr lang="en-US" dirty="0"/>
           </a:p>
           <a:p>
             <a:r>
               <a:rPr lang="en-US" dirty="0" smtClean="0"/>
-              <a:t>For example, drones could automatically move toward the site of an alarm until a human operator assumes control.</a:t>
-            </a:r>
-          </a:p>
-          <a:p>
-            <a:r>
-              <a:rPr lang="en-US" dirty="0" smtClean="0"/>
-              <a:t>A mobile client ensures that security personnel can operate the drones regardless of their current position when an alarm is triggered.</a:t>
+              <a:t>Virtual world state could be entirely simulated as in the prototype case, or the virtual world could be used to collaborate sensor information from external sources.</a:t>
             </a:r>
             <a:endParaRPr lang="en-US" dirty="0"/>
           </a:p>
@@ -4304,6 +4295,363 @@
           <a:p>
             <a:r>
               <a:rPr lang="en-US" dirty="0" smtClean="0"/>
+              <a:t>Potential Application</a:t>
+            </a:r>
+            <a:br>
+              <a:rPr lang="en-US" dirty="0" smtClean="0"/>
+            </a:br>
+            <a:r>
+              <a:rPr lang="en-US" b="1" dirty="0" smtClean="0"/>
+              <a:t>Elderly / Disabled Assistance</a:t>
+            </a:r>
+            <a:endParaRPr lang="en-US" b="1" dirty="0"/>
+          </a:p>
+        </p:txBody>
+      </p:sp>
+      <p:sp>
+        <p:nvSpPr>
+          <p:cNvPr id="4101" name="Rectangle 5"/>
+          <p:cNvSpPr>
+            <a:spLocks noGrp="1" noChangeArrowheads="1"/>
+          </p:cNvSpPr>
+          <p:nvPr>
+            <p:ph type="body" idx="1"/>
+          </p:nvPr>
+        </p:nvSpPr>
+        <p:spPr>
+          <a:xfrm>
+            <a:off x="1981200" y="2209800"/>
+            <a:ext cx="6858000" cy="4419600"/>
+          </a:xfrm>
+        </p:spPr>
+        <p:txBody>
+          <a:bodyPr/>
+          <a:lstStyle/>
+          <a:p>
+            <a:r>
+              <a:rPr lang="en-US" dirty="0"/>
+              <a:t>A</a:t>
+            </a:r>
+            <a:r>
+              <a:rPr lang="en-US" dirty="0" smtClean="0"/>
+              <a:t> virtual world could be used to collaborate with other sensors and appliances in a home environment. For example, stored information might include appliance settings, thermostat settings, the status of lights in various rooms, grocery stocks… etc.</a:t>
+            </a:r>
+            <a:endParaRPr lang="en-US" dirty="0"/>
+          </a:p>
+          <a:p>
+            <a:r>
+              <a:rPr lang="en-US" dirty="0" smtClean="0"/>
+              <a:t>A remotely controlled robotic drone could be used by the elderly or disabled to perform simple tasks around the home such as fetching items or interacting with appliances.</a:t>
+            </a:r>
+            <a:endParaRPr lang="en-US" dirty="0"/>
+          </a:p>
+        </p:txBody>
+      </p:sp>
+    </p:spTree>
+  </p:cSld>
+  <p:clrMapOvr>
+    <a:masterClrMapping/>
+  </p:clrMapOvr>
+</p:sld>
+</file>
+
+<file path=ppt/slides/slide16.xml><?xml version="1.0" encoding="utf-8"?>
+<p:sld xmlns:a="http://schemas.openxmlformats.org/drawingml/2006/main" xmlns:r="http://schemas.openxmlformats.org/officeDocument/2006/relationships" xmlns:p="http://schemas.openxmlformats.org/presentationml/2006/main">
+  <p:cSld>
+    <p:spTree>
+      <p:nvGrpSpPr>
+        <p:cNvPr id="1" name=""/>
+        <p:cNvGrpSpPr/>
+        <p:nvPr/>
+      </p:nvGrpSpPr>
+      <p:grpSpPr>
+        <a:xfrm>
+          <a:off x="0" y="0"/>
+          <a:ext cx="0" cy="0"/>
+          <a:chOff x="0" y="0"/>
+          <a:chExt cx="0" cy="0"/>
+        </a:xfrm>
+      </p:grpSpPr>
+      <p:sp>
+        <p:nvSpPr>
+          <p:cNvPr id="4" name="Slide Number Placeholder 3"/>
+          <p:cNvSpPr>
+            <a:spLocks noGrp="1"/>
+          </p:cNvSpPr>
+          <p:nvPr>
+            <p:ph type="sldNum" sz="quarter" idx="10"/>
+          </p:nvPr>
+        </p:nvSpPr>
+        <p:spPr/>
+        <p:txBody>
+          <a:bodyPr/>
+          <a:lstStyle/>
+          <a:p>
+            <a:fld id="{284CB430-D7DB-450E-8FF5-AD4ED9D28849}" type="slidenum">
+              <a:rPr lang="en-US"/>
+              <a:pPr/>
+              <a:t>16</a:t>
+            </a:fld>
+            <a:endParaRPr lang="en-US"/>
+          </a:p>
+        </p:txBody>
+      </p:sp>
+      <p:sp>
+        <p:nvSpPr>
+          <p:cNvPr id="4100" name="Rectangle 4"/>
+          <p:cNvSpPr>
+            <a:spLocks noGrp="1" noChangeArrowheads="1"/>
+          </p:cNvSpPr>
+          <p:nvPr>
+            <p:ph type="title"/>
+          </p:nvPr>
+        </p:nvSpPr>
+        <p:spPr/>
+        <p:txBody>
+          <a:bodyPr/>
+          <a:lstStyle/>
+          <a:p>
+            <a:r>
+              <a:rPr lang="en-US" dirty="0" smtClean="0"/>
+              <a:t>Potential Application</a:t>
+            </a:r>
+            <a:br>
+              <a:rPr lang="en-US" dirty="0" smtClean="0"/>
+            </a:br>
+            <a:r>
+              <a:rPr lang="en-US" b="1" dirty="0" smtClean="0"/>
+              <a:t>Search and Rescue</a:t>
+            </a:r>
+            <a:endParaRPr lang="en-US" b="1" dirty="0"/>
+          </a:p>
+        </p:txBody>
+      </p:sp>
+      <p:sp>
+        <p:nvSpPr>
+          <p:cNvPr id="4101" name="Rectangle 5"/>
+          <p:cNvSpPr>
+            <a:spLocks noGrp="1" noChangeArrowheads="1"/>
+          </p:cNvSpPr>
+          <p:nvPr>
+            <p:ph type="body" idx="1"/>
+          </p:nvPr>
+        </p:nvSpPr>
+        <p:spPr>
+          <a:xfrm>
+            <a:off x="1981200" y="2057400"/>
+            <a:ext cx="6858000" cy="4419600"/>
+          </a:xfrm>
+        </p:spPr>
+        <p:txBody>
+          <a:bodyPr/>
+          <a:lstStyle/>
+          <a:p>
+            <a:r>
+              <a:rPr lang="en-US" dirty="0" smtClean="0"/>
+              <a:t>Robotic drones are a means of performing search and rescue operations in areas which may be hazardous or inaccessible to human personnel.</a:t>
+            </a:r>
+            <a:endParaRPr lang="en-US" dirty="0"/>
+          </a:p>
+          <a:p>
+            <a:r>
+              <a:rPr lang="en-US" dirty="0" smtClean="0"/>
+              <a:t>A virtual world could be used to collaborate sensor information (such as heartbeat sensors, thermal imaging, radar/sonar… etc.), as well as to coordinate the movements of the drones themselves.</a:t>
+            </a:r>
+          </a:p>
+          <a:p>
+            <a:r>
+              <a:rPr lang="en-US" dirty="0" smtClean="0"/>
+              <a:t>A small number of personnel could potentially manage a large number of rescue drones.</a:t>
+            </a:r>
+            <a:endParaRPr lang="en-US" dirty="0"/>
+          </a:p>
+        </p:txBody>
+      </p:sp>
+    </p:spTree>
+  </p:cSld>
+  <p:clrMapOvr>
+    <a:masterClrMapping/>
+  </p:clrMapOvr>
+</p:sld>
+</file>
+
+<file path=ppt/slides/slide17.xml><?xml version="1.0" encoding="utf-8"?>
+<p:sld xmlns:a="http://schemas.openxmlformats.org/drawingml/2006/main" xmlns:r="http://schemas.openxmlformats.org/officeDocument/2006/relationships" xmlns:p="http://schemas.openxmlformats.org/presentationml/2006/main">
+  <p:cSld>
+    <p:spTree>
+      <p:nvGrpSpPr>
+        <p:cNvPr id="1" name=""/>
+        <p:cNvGrpSpPr/>
+        <p:nvPr/>
+      </p:nvGrpSpPr>
+      <p:grpSpPr>
+        <a:xfrm>
+          <a:off x="0" y="0"/>
+          <a:ext cx="0" cy="0"/>
+          <a:chOff x="0" y="0"/>
+          <a:chExt cx="0" cy="0"/>
+        </a:xfrm>
+      </p:grpSpPr>
+      <p:sp>
+        <p:nvSpPr>
+          <p:cNvPr id="4" name="Slide Number Placeholder 3"/>
+          <p:cNvSpPr>
+            <a:spLocks noGrp="1"/>
+          </p:cNvSpPr>
+          <p:nvPr>
+            <p:ph type="sldNum" sz="quarter" idx="10"/>
+          </p:nvPr>
+        </p:nvSpPr>
+        <p:spPr/>
+        <p:txBody>
+          <a:bodyPr/>
+          <a:lstStyle/>
+          <a:p>
+            <a:fld id="{284CB430-D7DB-450E-8FF5-AD4ED9D28849}" type="slidenum">
+              <a:rPr lang="en-US"/>
+              <a:pPr/>
+              <a:t>17</a:t>
+            </a:fld>
+            <a:endParaRPr lang="en-US"/>
+          </a:p>
+        </p:txBody>
+      </p:sp>
+      <p:sp>
+        <p:nvSpPr>
+          <p:cNvPr id="4100" name="Rectangle 4"/>
+          <p:cNvSpPr>
+            <a:spLocks noGrp="1" noChangeArrowheads="1"/>
+          </p:cNvSpPr>
+          <p:nvPr>
+            <p:ph type="title"/>
+          </p:nvPr>
+        </p:nvSpPr>
+        <p:spPr/>
+        <p:txBody>
+          <a:bodyPr/>
+          <a:lstStyle/>
+          <a:p>
+            <a:r>
+              <a:rPr lang="en-US" dirty="0" smtClean="0"/>
+              <a:t>Potential Application</a:t>
+            </a:r>
+            <a:br>
+              <a:rPr lang="en-US" dirty="0" smtClean="0"/>
+            </a:br>
+            <a:r>
+              <a:rPr lang="en-US" b="1" dirty="0" smtClean="0"/>
+              <a:t>Security and Surveillance</a:t>
+            </a:r>
+            <a:endParaRPr lang="en-US" b="1" dirty="0"/>
+          </a:p>
+        </p:txBody>
+      </p:sp>
+      <p:sp>
+        <p:nvSpPr>
+          <p:cNvPr id="4101" name="Rectangle 5"/>
+          <p:cNvSpPr>
+            <a:spLocks noGrp="1" noChangeArrowheads="1"/>
+          </p:cNvSpPr>
+          <p:nvPr>
+            <p:ph type="body" idx="1"/>
+          </p:nvPr>
+        </p:nvSpPr>
+        <p:spPr>
+          <a:xfrm>
+            <a:off x="1981200" y="2057400"/>
+            <a:ext cx="6858000" cy="4419600"/>
+          </a:xfrm>
+        </p:spPr>
+        <p:txBody>
+          <a:bodyPr/>
+          <a:lstStyle/>
+          <a:p>
+            <a:r>
+              <a:rPr lang="en-US" dirty="0" smtClean="0"/>
+              <a:t>Robotic drones could be used to augment an existing security system by using a virtual world to collaborate with existing alarm and camera systems.</a:t>
+            </a:r>
+          </a:p>
+          <a:p>
+            <a:r>
+              <a:rPr lang="en-US" dirty="0" smtClean="0"/>
+              <a:t>For example, drones could automatically move toward the site of an alarm until a human operator assumes control.</a:t>
+            </a:r>
+          </a:p>
+          <a:p>
+            <a:r>
+              <a:rPr lang="en-US" dirty="0" smtClean="0"/>
+              <a:t>A mobile client ensures that security personnel can operate the drones regardless of their current position when an alarm is triggered.</a:t>
+            </a:r>
+            <a:endParaRPr lang="en-US" dirty="0"/>
+          </a:p>
+        </p:txBody>
+      </p:sp>
+    </p:spTree>
+  </p:cSld>
+  <p:clrMapOvr>
+    <a:masterClrMapping/>
+  </p:clrMapOvr>
+</p:sld>
+</file>
+
+<file path=ppt/slides/slide18.xml><?xml version="1.0" encoding="utf-8"?>
+<p:sld xmlns:a="http://schemas.openxmlformats.org/drawingml/2006/main" xmlns:r="http://schemas.openxmlformats.org/officeDocument/2006/relationships" xmlns:p="http://schemas.openxmlformats.org/presentationml/2006/main">
+  <p:cSld>
+    <p:spTree>
+      <p:nvGrpSpPr>
+        <p:cNvPr id="1" name=""/>
+        <p:cNvGrpSpPr/>
+        <p:nvPr/>
+      </p:nvGrpSpPr>
+      <p:grpSpPr>
+        <a:xfrm>
+          <a:off x="0" y="0"/>
+          <a:ext cx="0" cy="0"/>
+          <a:chOff x="0" y="0"/>
+          <a:chExt cx="0" cy="0"/>
+        </a:xfrm>
+      </p:grpSpPr>
+      <p:sp>
+        <p:nvSpPr>
+          <p:cNvPr id="4" name="Slide Number Placeholder 3"/>
+          <p:cNvSpPr>
+            <a:spLocks noGrp="1"/>
+          </p:cNvSpPr>
+          <p:nvPr>
+            <p:ph type="sldNum" sz="quarter" idx="10"/>
+          </p:nvPr>
+        </p:nvSpPr>
+        <p:spPr/>
+        <p:txBody>
+          <a:bodyPr/>
+          <a:lstStyle/>
+          <a:p>
+            <a:fld id="{284CB430-D7DB-450E-8FF5-AD4ED9D28849}" type="slidenum">
+              <a:rPr lang="en-US"/>
+              <a:pPr/>
+              <a:t>18</a:t>
+            </a:fld>
+            <a:endParaRPr lang="en-US"/>
+          </a:p>
+        </p:txBody>
+      </p:sp>
+      <p:sp>
+        <p:nvSpPr>
+          <p:cNvPr id="4100" name="Rectangle 4"/>
+          <p:cNvSpPr>
+            <a:spLocks noGrp="1" noChangeArrowheads="1"/>
+          </p:cNvSpPr>
+          <p:nvPr>
+            <p:ph type="title"/>
+          </p:nvPr>
+        </p:nvSpPr>
+        <p:spPr/>
+        <p:txBody>
+          <a:bodyPr/>
+          <a:lstStyle/>
+          <a:p>
+            <a:r>
+              <a:rPr lang="en-US" dirty="0" smtClean="0"/>
               <a:t>References</a:t>
             </a:r>
             <a:endParaRPr lang="en-US" dirty="0"/>
@@ -4385,8 +4733,40 @@
               <a:rPr lang="en-US" sz="1400" dirty="0" smtClean="0">
                 <a:hlinkClick r:id="rId6"/>
               </a:rPr>
-              <a:t>http://www.logitech.com/en-us/webcam-communications/webcams/devices/6333</a:t>
-            </a:r>
+              <a:t>http://</a:t>
+            </a:r>
+            <a:r>
+              <a:rPr lang="en-US" sz="1400" dirty="0" smtClean="0">
+                <a:hlinkClick r:id="rId6"/>
+              </a:rPr>
+              <a:t>www.logitech.com/en-us/webcam-communications/webcams/devices/6333</a:t>
+            </a:r>
+            <a:endParaRPr lang="en-US" sz="1400" dirty="0" smtClean="0"/>
+          </a:p>
+          <a:p>
+            <a:r>
+              <a:rPr lang="en-US" sz="1400" dirty="0" smtClean="0"/>
+              <a:t>[</a:t>
+            </a:r>
+            <a:r>
+              <a:rPr lang="en-US" sz="1400" dirty="0"/>
+              <a:t>6] </a:t>
+            </a:r>
+            <a:r>
+              <a:rPr lang="en-US" sz="1400" dirty="0">
+                <a:hlinkClick r:id="rId7"/>
+              </a:rPr>
+              <a:t>http://</a:t>
+            </a:r>
+            <a:r>
+              <a:rPr lang="en-US" sz="1400" dirty="0" smtClean="0">
+                <a:hlinkClick r:id="rId7"/>
+              </a:rPr>
+              <a:t>www.canalys.com/pr/2010/r2010081.html</a:t>
+            </a:r>
+            <a:endParaRPr lang="en-US" sz="1400" dirty="0" smtClean="0"/>
+          </a:p>
+          <a:p>
             <a:endParaRPr lang="en-US" sz="1400" dirty="0" smtClean="0"/>
           </a:p>
           <a:p>
@@ -4837,8 +5217,38 @@
               <a:rPr lang="en-US" sz="2300" dirty="0" smtClean="0">
                 <a:latin typeface="+mn-lt"/>
               </a:rPr>
-              <a:t>System Architecture</a:t>
-            </a:r>
+              <a:t>System </a:t>
+            </a:r>
+            <a:r>
+              <a:rPr lang="en-US" sz="2300" dirty="0" smtClean="0">
+                <a:latin typeface="+mn-lt"/>
+              </a:rPr>
+              <a:t>Architecture</a:t>
+            </a:r>
+          </a:p>
+          <a:p>
+            <a:pPr marL="342900" indent="-342900" eaLnBrk="1" hangingPunct="1">
+              <a:lnSpc>
+                <a:spcPct val="120000"/>
+              </a:lnSpc>
+              <a:spcBef>
+                <a:spcPct val="20000"/>
+              </a:spcBef>
+              <a:buClr>
+                <a:srgbClr val="F10040"/>
+              </a:buClr>
+              <a:buFont typeface="Wingdings" pitchFamily="2" charset="2"/>
+              <a:buChar char="§"/>
+            </a:pPr>
+            <a:r>
+              <a:rPr lang="en-US" sz="2300" dirty="0" smtClean="0">
+                <a:latin typeface="+mn-lt"/>
+              </a:rPr>
+              <a:t>Android</a:t>
+            </a:r>
+            <a:endParaRPr lang="en-US" sz="2300" dirty="0" smtClean="0">
+              <a:latin typeface="+mn-lt"/>
+            </a:endParaRPr>
           </a:p>
           <a:p>
             <a:pPr marL="342900" indent="-342900" eaLnBrk="1" hangingPunct="1">

--- a/docs/presentation_slides/RoboWarsPresentation_AlexCraig.pptx
+++ b/docs/presentation_slides/RoboWarsPresentation_AlexCraig.pptx
@@ -5,10 +5,10 @@
     <p:sldMasterId id="2147483648" r:id="rId1"/>
   </p:sldMasterIdLst>
   <p:notesMasterIdLst>
-    <p:notesMasterId r:id="rId17"/>
+    <p:notesMasterId r:id="rId18"/>
   </p:notesMasterIdLst>
   <p:handoutMasterIdLst>
-    <p:handoutMasterId r:id="rId18"/>
+    <p:handoutMasterId r:id="rId19"/>
   </p:handoutMasterIdLst>
   <p:sldIdLst>
     <p:sldId id="256" r:id="rId2"/>
@@ -22,10 +22,11 @@
     <p:sldId id="268" r:id="rId10"/>
     <p:sldId id="269" r:id="rId11"/>
     <p:sldId id="265" r:id="rId12"/>
-    <p:sldId id="272" r:id="rId13"/>
-    <p:sldId id="273" r:id="rId14"/>
-    <p:sldId id="274" r:id="rId15"/>
-    <p:sldId id="263" r:id="rId16"/>
+    <p:sldId id="275" r:id="rId13"/>
+    <p:sldId id="272" r:id="rId14"/>
+    <p:sldId id="273" r:id="rId15"/>
+    <p:sldId id="274" r:id="rId16"/>
+    <p:sldId id="263" r:id="rId17"/>
   </p:sldIdLst>
   <p:sldSz cx="9144000" cy="6858000" type="screen4x3"/>
   <p:notesSz cx="6858000" cy="9144000"/>
@@ -1057,6 +1058,9 @@
   <p:clrMapOvr>
     <a:masterClrMapping/>
   </p:clrMapOvr>
+  <p:transition>
+    <p:fade/>
+  </p:transition>
 </p:sldLayout>
 </file>
 
@@ -1185,6 +1189,9 @@
   <p:clrMapOvr>
     <a:masterClrMapping/>
   </p:clrMapOvr>
+  <p:transition>
+    <p:fade/>
+  </p:transition>
 </p:sldLayout>
 </file>
 
@@ -1323,6 +1330,9 @@
   <p:clrMapOvr>
     <a:masterClrMapping/>
   </p:clrMapOvr>
+  <p:transition>
+    <p:fade/>
+  </p:transition>
 </p:sldLayout>
 </file>
 
@@ -1451,6 +1461,9 @@
   <p:clrMapOvr>
     <a:masterClrMapping/>
   </p:clrMapOvr>
+  <p:transition>
+    <p:fade/>
+  </p:transition>
 </p:sldLayout>
 </file>
 
@@ -1601,6 +1614,9 @@
   <p:clrMapOvr>
     <a:masterClrMapping/>
   </p:clrMapOvr>
+  <p:transition>
+    <p:fade/>
+  </p:transition>
 </p:sldLayout>
 </file>
 
@@ -1847,6 +1863,9 @@
   <p:clrMapOvr>
     <a:masterClrMapping/>
   </p:clrMapOvr>
+  <p:transition>
+    <p:fade/>
+  </p:transition>
 </p:sldLayout>
 </file>
 
@@ -2232,6 +2251,9 @@
   <p:clrMapOvr>
     <a:masterClrMapping/>
   </p:clrMapOvr>
+  <p:transition>
+    <p:fade/>
+  </p:transition>
 </p:sldLayout>
 </file>
 
@@ -2308,6 +2330,9 @@
   <p:clrMapOvr>
     <a:masterClrMapping/>
   </p:clrMapOvr>
+  <p:transition>
+    <p:fade/>
+  </p:transition>
 </p:sldLayout>
 </file>
 
@@ -2361,6 +2386,9 @@
   <p:clrMapOvr>
     <a:masterClrMapping/>
   </p:clrMapOvr>
+  <p:transition>
+    <p:fade/>
+  </p:transition>
 </p:sldLayout>
 </file>
 
@@ -2596,6 +2624,9 @@
   <p:clrMapOvr>
     <a:masterClrMapping/>
   </p:clrMapOvr>
+  <p:transition>
+    <p:fade/>
+  </p:transition>
 </p:sldLayout>
 </file>
 
@@ -2807,6 +2838,9 @@
   <p:clrMapOvr>
     <a:masterClrMapping/>
   </p:clrMapOvr>
+  <p:transition>
+    <p:fade/>
+  </p:transition>
 </p:sldLayout>
 </file>
 
@@ -3146,6 +3180,9 @@
     <p:sldLayoutId id="2147483658" r:id="rId10"/>
     <p:sldLayoutId id="2147483659" r:id="rId11"/>
   </p:sldLayoutIdLst>
+  <p:transition>
+    <p:fade/>
+  </p:transition>
   <p:hf hdr="0" ftr="0" dt="0"/>
   <p:txStyles>
     <p:titleStyle>
@@ -3625,7 +3662,7 @@
           <a:lstStyle/>
           <a:p>
             <a:r>
-              <a:rPr lang="en-US" dirty="0" smtClean="0"/>
+              <a:rPr lang="en-US" b="1" dirty="0" smtClean="0"/>
               <a:t>Presented: </a:t>
             </a:r>
             <a:r>
@@ -3644,7 +3681,7 @@
           </a:p>
           <a:p>
             <a:r>
-              <a:rPr lang="en-US" dirty="0" smtClean="0"/>
+              <a:rPr lang="en-US" b="1" dirty="0" smtClean="0"/>
               <a:t>Development Team:</a:t>
             </a:r>
           </a:p>
@@ -3686,6 +3723,16 @@
   <p:clrMapOvr>
     <a:masterClrMapping/>
   </p:clrMapOvr>
+  <p:transition>
+    <p:fade/>
+  </p:transition>
+  <p:timing>
+    <p:tnLst>
+      <p:par>
+        <p:cTn id="1" dur="indefinite" restart="never" nodeType="tmRoot"/>
+      </p:par>
+    </p:tnLst>
+  </p:timing>
 </p:sld>
 </file>
 
@@ -3782,6 +3829,16 @@
   <p:clrMapOvr>
     <a:masterClrMapping/>
   </p:clrMapOvr>
+  <p:transition>
+    <p:fade/>
+  </p:transition>
+  <p:timing>
+    <p:tnLst>
+      <p:par>
+        <p:cTn id="1" dur="indefinite" restart="never" nodeType="tmRoot"/>
+      </p:par>
+    </p:tnLst>
+  </p:timing>
 </p:sld>
 </file>
 
@@ -3886,6 +3943,16 @@
   <p:clrMapOvr>
     <a:masterClrMapping/>
   </p:clrMapOvr>
+  <p:transition>
+    <p:fade/>
+  </p:transition>
+  <p:timing>
+    <p:tnLst>
+      <p:par>
+        <p:cTn id="1" dur="indefinite" restart="never" nodeType="tmRoot"/>
+      </p:par>
+    </p:tnLst>
+  </p:timing>
 </p:sld>
 </file>
 
@@ -3947,53 +4014,40 @@
           <a:p>
             <a:r>
               <a:rPr lang="en-US" dirty="0" smtClean="0"/>
-              <a:t>Potential Application</a:t>
+              <a:t>Potential Applications</a:t>
+            </a:r>
+            <a:endParaRPr lang="en-US" dirty="0"/>
+          </a:p>
+        </p:txBody>
+      </p:sp>
+      <p:sp>
+        <p:nvSpPr>
+          <p:cNvPr id="4101" name="Rectangle 5"/>
+          <p:cNvSpPr>
+            <a:spLocks noGrp="1" noChangeArrowheads="1"/>
+          </p:cNvSpPr>
+          <p:nvPr>
+            <p:ph type="body" idx="1"/>
+          </p:nvPr>
+        </p:nvSpPr>
+        <p:spPr/>
+        <p:txBody>
+          <a:bodyPr/>
+          <a:lstStyle/>
+          <a:p>
+            <a:r>
+              <a:rPr lang="en-US" dirty="0" smtClean="0"/>
+              <a:t>In our implementation no information regarding the state of the virtual world is transmitted to the robots, as it is not required for our system.</a:t>
             </a:r>
             <a:br>
               <a:rPr lang="en-US" dirty="0" smtClean="0"/>
             </a:br>
-            <a:r>
-              <a:rPr lang="en-US" b="1" dirty="0" smtClean="0"/>
-              <a:t>Elderly / Disabled Assistance</a:t>
-            </a:r>
-            <a:endParaRPr lang="en-US" b="1" dirty="0"/>
-          </a:p>
-        </p:txBody>
-      </p:sp>
-      <p:sp>
-        <p:nvSpPr>
-          <p:cNvPr id="4101" name="Rectangle 5"/>
-          <p:cNvSpPr>
-            <a:spLocks noGrp="1" noChangeArrowheads="1"/>
-          </p:cNvSpPr>
-          <p:nvPr>
-            <p:ph type="body" idx="1"/>
-          </p:nvPr>
-        </p:nvSpPr>
-        <p:spPr>
-          <a:xfrm>
-            <a:off x="1981200" y="2209800"/>
-            <a:ext cx="6858000" cy="4419600"/>
-          </a:xfrm>
-        </p:spPr>
-        <p:txBody>
-          <a:bodyPr/>
-          <a:lstStyle/>
-          <a:p>
-            <a:r>
-              <a:rPr lang="en-US" dirty="0"/>
-              <a:t>A</a:t>
-            </a:r>
+            <a:endParaRPr lang="en-US" dirty="0" smtClean="0"/>
+          </a:p>
+          <a:p>
             <a:r>
               <a:rPr lang="en-US" dirty="0" smtClean="0"/>
-              <a:t> virtual world could be used to collaborate with other sensors and appliances in a home environment. For example, stored information might include appliance settings, thermostat settings, the status of lights in various rooms, grocery stocks… etc.</a:t>
-            </a:r>
-            <a:endParaRPr lang="en-US" dirty="0"/>
-          </a:p>
-          <a:p>
-            <a:r>
-              <a:rPr lang="en-US" dirty="0" smtClean="0"/>
-              <a:t>A remotely controlled robotic drone could be used by the elderly or disabled to perform simple tasks around the home such as fetching items or interacting with appliances.</a:t>
+              <a:t>More complex applications may call for remote robots to operate autonomously based on virtual world state when a human operator is not in control.</a:t>
             </a:r>
             <a:endParaRPr lang="en-US" dirty="0"/>
           </a:p>
@@ -4004,6 +4058,16 @@
   <p:clrMapOvr>
     <a:masterClrMapping/>
   </p:clrMapOvr>
+  <p:transition>
+    <p:fade/>
+  </p:transition>
+  <p:timing>
+    <p:tnLst>
+      <p:par>
+        <p:cTn id="1" dur="indefinite" restart="never" nodeType="tmRoot"/>
+      </p:par>
+    </p:tnLst>
+  </p:timing>
 </p:sld>
 </file>
 
@@ -4072,7 +4136,7 @@
             </a:br>
             <a:r>
               <a:rPr lang="en-US" b="1" dirty="0" smtClean="0"/>
-              <a:t>Search and Rescue</a:t>
+              <a:t>Elderly / Disabled Assistance</a:t>
             </a:r>
             <a:endParaRPr lang="en-US" b="1" dirty="0"/>
           </a:p>
@@ -4090,7 +4154,7 @@
         </p:nvSpPr>
         <p:spPr>
           <a:xfrm>
-            <a:off x="1981200" y="2057400"/>
+            <a:off x="1981200" y="2209800"/>
             <a:ext cx="6858000" cy="4419600"/>
           </a:xfrm>
         </p:spPr>
@@ -4099,21 +4163,19 @@
           <a:lstStyle/>
           <a:p>
             <a:r>
+              <a:rPr lang="en-US" dirty="0"/>
+              <a:t>A</a:t>
+            </a:r>
+            <a:r>
               <a:rPr lang="en-US" dirty="0" smtClean="0"/>
-              <a:t>Robotic drones are a means of performing search and rescue operations in areas which may be hazardous or inaccessible to human personnel.</a:t>
+              <a:t> virtual world could be used to collaborate with other sensors and appliances in a home environment. For example, stored information might include appliance settings, thermostat settings, the status of lights in various rooms, grocery stocks… etc.</a:t>
             </a:r>
             <a:endParaRPr lang="en-US" dirty="0"/>
           </a:p>
           <a:p>
             <a:r>
               <a:rPr lang="en-US" dirty="0" smtClean="0"/>
-              <a:t>A virtual world could be used to collaborate sensor information (such as heartbeat sensors, thermal imaging, radar/sonar… etc.), as well as to coordinate the movements of the drones themselves.</a:t>
-            </a:r>
-          </a:p>
-          <a:p>
-            <a:r>
-              <a:rPr lang="en-US" dirty="0" smtClean="0"/>
-              <a:t>A small number of personnel could potentially manage a large number of rescue drones.</a:t>
+              <a:t>A remotely controlled robotic drone could be used by the elderly or disabled to perform simple tasks around the home such as fetching items or interacting with appliances.</a:t>
             </a:r>
             <a:endParaRPr lang="en-US" dirty="0"/>
           </a:p>
@@ -4124,6 +4186,16 @@
   <p:clrMapOvr>
     <a:masterClrMapping/>
   </p:clrMapOvr>
+  <p:transition>
+    <p:fade/>
+  </p:transition>
+  <p:timing>
+    <p:tnLst>
+      <p:par>
+        <p:cTn id="1" dur="indefinite" restart="never" nodeType="tmRoot"/>
+      </p:par>
+    </p:tnLst>
+  </p:timing>
 </p:sld>
 </file>
 
@@ -4192,7 +4264,7 @@
             </a:br>
             <a:r>
               <a:rPr lang="en-US" b="1" dirty="0" smtClean="0"/>
-              <a:t>Security and Surveillance</a:t>
+              <a:t>Search and Rescue</a:t>
             </a:r>
             <a:endParaRPr lang="en-US" b="1" dirty="0"/>
           </a:p>
@@ -4220,19 +4292,20 @@
           <a:p>
             <a:r>
               <a:rPr lang="en-US" dirty="0" smtClean="0"/>
-              <a:t>Robotic drones could be used to augment an existing security system by using a virtual world to collaborate with existing alarm and camera systems.</a:t>
-            </a:r>
+              <a:t>Robotic drones are a means of performing search and rescue operations in areas which may be hazardous or inaccessible to human personnel.</a:t>
+            </a:r>
+            <a:endParaRPr lang="en-US" dirty="0"/>
           </a:p>
           <a:p>
             <a:r>
               <a:rPr lang="en-US" dirty="0" smtClean="0"/>
-              <a:t>For example, drones could automatically move toward the site of an alarm until a human operator assumes control.</a:t>
+              <a:t>A virtual world could be used to collaborate sensor information (such as heartbeat sensors, thermal imaging, radar/sonar… etc.), as well as to coordinate the movements of the drones themselves.</a:t>
             </a:r>
           </a:p>
           <a:p>
             <a:r>
               <a:rPr lang="en-US" dirty="0" smtClean="0"/>
-              <a:t>A mobile client ensures that security personnel can operate the drones regardless of their current position when an alarm is triggered.</a:t>
+              <a:t>A small number of personnel could potentially manage a large number of rescue drones.</a:t>
             </a:r>
             <a:endParaRPr lang="en-US" dirty="0"/>
           </a:p>
@@ -4243,6 +4316,16 @@
   <p:clrMapOvr>
     <a:masterClrMapping/>
   </p:clrMapOvr>
+  <p:transition>
+    <p:fade/>
+  </p:transition>
+  <p:timing>
+    <p:tnLst>
+      <p:par>
+        <p:cTn id="1" dur="indefinite" restart="never" nodeType="tmRoot"/>
+      </p:par>
+    </p:tnLst>
+  </p:timing>
 </p:sld>
 </file>
 
@@ -4304,9 +4387,16 @@
           <a:p>
             <a:r>
               <a:rPr lang="en-US" dirty="0" smtClean="0"/>
-              <a:t>References</a:t>
-            </a:r>
-            <a:endParaRPr lang="en-US" dirty="0"/>
+              <a:t>Potential Application</a:t>
+            </a:r>
+            <a:br>
+              <a:rPr lang="en-US" dirty="0" smtClean="0"/>
+            </a:br>
+            <a:r>
+              <a:rPr lang="en-US" b="1" dirty="0" smtClean="0"/>
+              <a:t>Security and Surveillance</a:t>
+            </a:r>
+            <a:endParaRPr lang="en-US" b="1" dirty="0"/>
           </a:p>
         </p:txBody>
       </p:sp>
@@ -4320,86 +4410,41 @@
             <p:ph type="body" idx="1"/>
           </p:nvPr>
         </p:nvSpPr>
-        <p:spPr/>
+        <p:spPr>
+          <a:xfrm>
+            <a:off x="1981200" y="2057400"/>
+            <a:ext cx="6858000" cy="4419600"/>
+          </a:xfrm>
+        </p:spPr>
         <p:txBody>
           <a:bodyPr/>
           <a:lstStyle/>
           <a:p>
             <a:r>
-              <a:rPr lang="en-US" sz="1400" dirty="0" smtClean="0"/>
-              <a:t>[1] </a:t>
-            </a:r>
-            <a:r>
-              <a:rPr lang="en-US" sz="1400" dirty="0" smtClean="0">
-                <a:hlinkClick r:id="rId2"/>
-              </a:rPr>
-              <a:t>http://www.htc.com/www/product/desire/specification.html</a:t>
-            </a:r>
-            <a:endParaRPr lang="en-US" sz="1400" dirty="0" smtClean="0"/>
-          </a:p>
-          <a:p>
-            <a:r>
-              <a:rPr lang="en-US" sz="1400" dirty="0" smtClean="0"/>
-              <a:t>[2] </a:t>
-            </a:r>
-            <a:r>
-              <a:rPr lang="en-US" sz="1400" dirty="0" smtClean="0">
-                <a:hlinkClick r:id="rId3"/>
-              </a:rPr>
-              <a:t>http://mindstorms.lego.com/en-us/products/default.aspx</a:t>
-            </a:r>
-            <a:endParaRPr lang="en-US" sz="1400" dirty="0" smtClean="0"/>
-          </a:p>
-          <a:p>
-            <a:r>
-              <a:rPr lang="en-US" sz="1400" dirty="0" smtClean="0"/>
-              <a:t>[3] </a:t>
-            </a:r>
-            <a:r>
-              <a:rPr lang="en-US" sz="1400" dirty="0" smtClean="0">
-                <a:hlinkClick r:id="rId4"/>
-              </a:rPr>
-              <a:t>http://static.guim.co.uk/sys-images/Technology/Pix/pictures/2009/4/21/1240307015871/Tron-001.jpg</a:t>
-            </a:r>
-            <a:endParaRPr lang="en-US" sz="1400" dirty="0" smtClean="0"/>
-          </a:p>
-          <a:p>
-            <a:r>
-              <a:rPr lang="en-US" sz="1400" dirty="0" smtClean="0"/>
-              <a:t>[4] </a:t>
-            </a:r>
-            <a:r>
-              <a:rPr lang="en-US" sz="1400" dirty="0" smtClean="0">
-                <a:hlinkClick r:id="rId5"/>
-              </a:rPr>
-              <a:t>http://1.bp.blogspot.com/_s0SSX3Y2JTw/S-Cv_6lfKVI/AAAAAAAAFE8/SUlrHiF5RUg/s1600/battlezone_1.gif</a:t>
-            </a:r>
-            <a:endParaRPr lang="en-US" sz="1400" dirty="0" smtClean="0"/>
-          </a:p>
-          <a:p>
-            <a:r>
-              <a:rPr lang="en-US" sz="1400" dirty="0" smtClean="0"/>
-              <a:t>[5] </a:t>
-            </a:r>
-            <a:r>
-              <a:rPr lang="en-US" sz="1400" dirty="0" smtClean="0">
-                <a:hlinkClick r:id="rId6"/>
-              </a:rPr>
-              <a:t>http://www.logitech.com/en-us/webcam-communications/webcams/devices/6333</a:t>
-            </a:r>
-            <a:endParaRPr lang="en-US" sz="1400" dirty="0" smtClean="0"/>
-          </a:p>
-          <a:p>
-            <a:pPr>
-              <a:buNone/>
-            </a:pPr>
-            <a:endParaRPr lang="en-US" sz="1800" dirty="0" smtClean="0"/>
-          </a:p>
-          <a:p>
-            <a:endParaRPr lang="en-US" sz="1800" dirty="0" smtClean="0"/>
-          </a:p>
-          <a:p>
-            <a:endParaRPr lang="en-US" sz="1800" dirty="0"/>
+              <a:rPr lang="en-US" dirty="0" smtClean="0"/>
+              <a:t>Robotic drones could be used to augment an existing security system by using a virtual world to collaborate with existing alarm and camera systems.</a:t>
+            </a:r>
+          </a:p>
+          <a:p>
+            <a:r>
+              <a:rPr lang="en-US" dirty="0" smtClean="0"/>
+              <a:t>For example, drones could automatically move toward the site of an alarm until a human operator assumes control.</a:t>
+            </a:r>
+          </a:p>
+          <a:p>
+            <a:r>
+              <a:rPr lang="en-US" dirty="0" smtClean="0"/>
+              <a:t>A mobile client ensures that security personnel can operate the drones regardless of their current position </a:t>
+            </a:r>
+            <a:r>
+              <a:rPr lang="en-US" dirty="0" smtClean="0"/>
+              <a:t>or activity when </a:t>
+            </a:r>
+            <a:r>
+              <a:rPr lang="en-US" dirty="0" smtClean="0"/>
+              <a:t>an alarm is triggered.</a:t>
+            </a:r>
+            <a:endParaRPr lang="en-US" dirty="0"/>
           </a:p>
         </p:txBody>
       </p:sp>
@@ -4408,6 +4453,191 @@
   <p:clrMapOvr>
     <a:masterClrMapping/>
   </p:clrMapOvr>
+  <p:transition>
+    <p:fade/>
+  </p:transition>
+  <p:timing>
+    <p:tnLst>
+      <p:par>
+        <p:cTn id="1" dur="indefinite" restart="never" nodeType="tmRoot"/>
+      </p:par>
+    </p:tnLst>
+  </p:timing>
+</p:sld>
+</file>
+
+<file path=ppt/slides/slide16.xml><?xml version="1.0" encoding="utf-8"?>
+<p:sld xmlns:a="http://schemas.openxmlformats.org/drawingml/2006/main" xmlns:r="http://schemas.openxmlformats.org/officeDocument/2006/relationships" xmlns:p="http://schemas.openxmlformats.org/presentationml/2006/main">
+  <p:cSld>
+    <p:spTree>
+      <p:nvGrpSpPr>
+        <p:cNvPr id="1" name=""/>
+        <p:cNvGrpSpPr/>
+        <p:nvPr/>
+      </p:nvGrpSpPr>
+      <p:grpSpPr>
+        <a:xfrm>
+          <a:off x="0" y="0"/>
+          <a:ext cx="0" cy="0"/>
+          <a:chOff x="0" y="0"/>
+          <a:chExt cx="0" cy="0"/>
+        </a:xfrm>
+      </p:grpSpPr>
+      <p:sp>
+        <p:nvSpPr>
+          <p:cNvPr id="4" name="Slide Number Placeholder 3"/>
+          <p:cNvSpPr>
+            <a:spLocks noGrp="1"/>
+          </p:cNvSpPr>
+          <p:nvPr>
+            <p:ph type="sldNum" sz="quarter" idx="10"/>
+          </p:nvPr>
+        </p:nvSpPr>
+        <p:spPr/>
+        <p:txBody>
+          <a:bodyPr/>
+          <a:lstStyle/>
+          <a:p>
+            <a:fld id="{284CB430-D7DB-450E-8FF5-AD4ED9D28849}" type="slidenum">
+              <a:rPr lang="en-US"/>
+              <a:pPr/>
+              <a:t>16</a:t>
+            </a:fld>
+            <a:endParaRPr lang="en-US"/>
+          </a:p>
+        </p:txBody>
+      </p:sp>
+      <p:sp>
+        <p:nvSpPr>
+          <p:cNvPr id="4100" name="Rectangle 4"/>
+          <p:cNvSpPr>
+            <a:spLocks noGrp="1" noChangeArrowheads="1"/>
+          </p:cNvSpPr>
+          <p:nvPr>
+            <p:ph type="title"/>
+          </p:nvPr>
+        </p:nvSpPr>
+        <p:spPr/>
+        <p:txBody>
+          <a:bodyPr/>
+          <a:lstStyle/>
+          <a:p>
+            <a:r>
+              <a:rPr lang="en-US" dirty="0" smtClean="0"/>
+              <a:t>References</a:t>
+            </a:r>
+            <a:endParaRPr lang="en-US" dirty="0"/>
+          </a:p>
+        </p:txBody>
+      </p:sp>
+      <p:sp>
+        <p:nvSpPr>
+          <p:cNvPr id="4101" name="Rectangle 5"/>
+          <p:cNvSpPr>
+            <a:spLocks noGrp="1" noChangeArrowheads="1"/>
+          </p:cNvSpPr>
+          <p:nvPr>
+            <p:ph type="body" idx="1"/>
+          </p:nvPr>
+        </p:nvSpPr>
+        <p:spPr/>
+        <p:txBody>
+          <a:bodyPr/>
+          <a:lstStyle/>
+          <a:p>
+            <a:r>
+              <a:rPr lang="en-US" sz="1400" dirty="0" smtClean="0"/>
+              <a:t>[1] </a:t>
+            </a:r>
+            <a:r>
+              <a:rPr lang="en-US" sz="1400" dirty="0" smtClean="0">
+                <a:hlinkClick r:id="rId2"/>
+              </a:rPr>
+              <a:t>http://www.htc.com/www/product/desire/specification.html</a:t>
+            </a:r>
+            <a:endParaRPr lang="en-US" sz="1400" dirty="0" smtClean="0"/>
+          </a:p>
+          <a:p>
+            <a:r>
+              <a:rPr lang="en-US" sz="1400" dirty="0" smtClean="0"/>
+              <a:t>[2] </a:t>
+            </a:r>
+            <a:r>
+              <a:rPr lang="en-US" sz="1400" dirty="0" smtClean="0">
+                <a:hlinkClick r:id="rId3"/>
+              </a:rPr>
+              <a:t>http://mindstorms.lego.com/en-us/products/default.aspx</a:t>
+            </a:r>
+            <a:endParaRPr lang="en-US" sz="1400" dirty="0" smtClean="0"/>
+          </a:p>
+          <a:p>
+            <a:r>
+              <a:rPr lang="en-US" sz="1400" dirty="0" smtClean="0"/>
+              <a:t>[3] </a:t>
+            </a:r>
+            <a:r>
+              <a:rPr lang="en-US" sz="1400" dirty="0" smtClean="0">
+                <a:hlinkClick r:id="rId4"/>
+              </a:rPr>
+              <a:t>http://static.guim.co.uk/sys-images/Technology/Pix/pictures/2009/4/21/1240307015871/Tron-001.jpg</a:t>
+            </a:r>
+            <a:endParaRPr lang="en-US" sz="1400" dirty="0" smtClean="0"/>
+          </a:p>
+          <a:p>
+            <a:r>
+              <a:rPr lang="en-US" sz="1400" dirty="0" smtClean="0"/>
+              <a:t>[4] </a:t>
+            </a:r>
+            <a:r>
+              <a:rPr lang="en-US" sz="1400" dirty="0" smtClean="0">
+                <a:hlinkClick r:id="rId5"/>
+              </a:rPr>
+              <a:t>http://1.bp.blogspot.com/_s0SSX3Y2JTw/S-Cv_6lfKVI/AAAAAAAAFE8/SUlrHiF5RUg/s1600/battlezone_1.gif</a:t>
+            </a:r>
+            <a:endParaRPr lang="en-US" sz="1400" dirty="0" smtClean="0"/>
+          </a:p>
+          <a:p>
+            <a:r>
+              <a:rPr lang="en-US" sz="1400" dirty="0" smtClean="0"/>
+              <a:t>[5] </a:t>
+            </a:r>
+            <a:r>
+              <a:rPr lang="en-US" sz="1400" dirty="0" smtClean="0">
+                <a:hlinkClick r:id="rId6"/>
+              </a:rPr>
+              <a:t>http://www.logitech.com/en-us/webcam-communications/webcams/devices/6333</a:t>
+            </a:r>
+            <a:endParaRPr lang="en-US" sz="1400" dirty="0" smtClean="0"/>
+          </a:p>
+          <a:p>
+            <a:pPr>
+              <a:buNone/>
+            </a:pPr>
+            <a:endParaRPr lang="en-US" sz="1800" dirty="0" smtClean="0"/>
+          </a:p>
+          <a:p>
+            <a:endParaRPr lang="en-US" sz="1800" dirty="0" smtClean="0"/>
+          </a:p>
+          <a:p>
+            <a:endParaRPr lang="en-US" sz="1800" dirty="0"/>
+          </a:p>
+        </p:txBody>
+      </p:sp>
+    </p:spTree>
+  </p:cSld>
+  <p:clrMapOvr>
+    <a:masterClrMapping/>
+  </p:clrMapOvr>
+  <p:transition>
+    <p:fade/>
+  </p:transition>
+  <p:timing>
+    <p:tnLst>
+      <p:par>
+        <p:cTn id="1" dur="indefinite" restart="never" nodeType="tmRoot"/>
+      </p:par>
+    </p:tnLst>
+  </p:timing>
 </p:sld>
 </file>
 
@@ -4524,7 +4754,7 @@
               </a:spcBef>
             </a:pPr>
             <a:r>
-              <a:rPr lang="en-US" sz="3200" dirty="0" err="1" smtClean="0">
+              <a:rPr lang="en-US" sz="3200" b="1" dirty="0" err="1" smtClean="0">
                 <a:solidFill>
                   <a:schemeClr val="bg1"/>
                 </a:solidFill>
@@ -4533,7 +4763,7 @@
               <a:t>RoboWars</a:t>
             </a:r>
             <a:r>
-              <a:rPr lang="en-US" sz="3200" dirty="0" smtClean="0">
+              <a:rPr lang="en-US" sz="3200" b="1" dirty="0" smtClean="0">
                 <a:solidFill>
                   <a:schemeClr val="bg1"/>
                 </a:solidFill>
@@ -4541,7 +4771,7 @@
               </a:rPr>
               <a:t> Overview</a:t>
             </a:r>
-            <a:endParaRPr lang="en-US" sz="3200" dirty="0">
+            <a:endParaRPr lang="en-US" sz="3200" b="1" dirty="0">
               <a:solidFill>
                 <a:schemeClr val="bg1"/>
               </a:solidFill>
@@ -4871,6 +5101,16 @@
   <p:clrMapOvr>
     <a:masterClrMapping/>
   </p:clrMapOvr>
+  <p:transition>
+    <p:fade/>
+  </p:transition>
+  <p:timing>
+    <p:tnLst>
+      <p:par>
+        <p:cTn id="1" dur="indefinite" restart="never" nodeType="tmRoot"/>
+      </p:par>
+    </p:tnLst>
+  </p:timing>
 </p:sld>
 </file>
 
@@ -5039,6 +5279,16 @@
   <p:clrMapOvr>
     <a:masterClrMapping/>
   </p:clrMapOvr>
+  <p:transition>
+    <p:fade/>
+  </p:transition>
+  <p:timing>
+    <p:tnLst>
+      <p:par>
+        <p:cTn id="1" dur="indefinite" restart="never" nodeType="tmRoot"/>
+      </p:par>
+    </p:tnLst>
+  </p:timing>
 </p:sld>
 </file>
 
@@ -5136,7 +5386,29 @@
                 <a:ea typeface="+mn-ea"/>
                 <a:cs typeface="+mn-cs"/>
               </a:rPr>
-              <a:t>To combine these objectives, the project aims to create a system which </a:t>
+              <a:t>To combine these </a:t>
+            </a:r>
+            <a:r>
+              <a:rPr lang="en-CA" dirty="0" smtClean="0">
+                <a:solidFill>
+                  <a:schemeClr val="tx1"/>
+                </a:solidFill>
+                <a:latin typeface="+mn-lt"/>
+                <a:ea typeface="+mn-ea"/>
+                <a:cs typeface="+mn-cs"/>
+              </a:rPr>
+              <a:t>objectives </a:t>
+            </a:r>
+            <a:r>
+              <a:rPr lang="en-CA" dirty="0">
+                <a:solidFill>
+                  <a:schemeClr val="tx1"/>
+                </a:solidFill>
+                <a:latin typeface="+mn-lt"/>
+                <a:ea typeface="+mn-ea"/>
+                <a:cs typeface="+mn-cs"/>
+              </a:rPr>
+              <a:t>the project aims to create a system which </a:t>
             </a:r>
             <a:r>
               <a:rPr lang="en-CA" dirty="0" smtClean="0">
@@ -5158,11 +5430,41 @@
                 <a:ea typeface="+mn-ea"/>
                 <a:cs typeface="+mn-cs"/>
               </a:rPr>
-              <a:t>remotely controlled robots to share and interact with a simple virtual world which will be rendered on to a live video feed and displayed to </a:t>
+              <a:t>remotely controlled robots to share and interact with a simple virtual </a:t>
+            </a:r>
+            <a:r>
+              <a:rPr lang="en-CA" dirty="0" smtClean="0">
+                <a:solidFill>
+                  <a:schemeClr val="tx1"/>
+                </a:solidFill>
+                <a:latin typeface="+mn-lt"/>
+                <a:ea typeface="+mn-ea"/>
+                <a:cs typeface="+mn-cs"/>
+              </a:rPr>
+              <a:t>world, which </a:t>
+            </a:r>
+            <a:r>
+              <a:rPr lang="en-CA" dirty="0">
+                <a:solidFill>
+                  <a:schemeClr val="tx1"/>
+                </a:solidFill>
+                <a:latin typeface="+mn-lt"/>
+                <a:ea typeface="+mn-ea"/>
+                <a:cs typeface="+mn-cs"/>
+              </a:rPr>
+              <a:t>will be rendered on to a live video feed and displayed to </a:t>
             </a:r>
             <a:r>
               <a:rPr lang="en-CA" dirty="0" smtClean="0"/>
-              <a:t>the remote operators</a:t>
+              <a:t>the </a:t>
+            </a:r>
+            <a:r>
+              <a:rPr lang="en-CA" dirty="0" smtClean="0"/>
+              <a:t>mobile remote </a:t>
+            </a:r>
+            <a:r>
+              <a:rPr lang="en-CA" dirty="0" smtClean="0"/>
+              <a:t>operators</a:t>
             </a:r>
             <a:r>
               <a:rPr lang="en-CA" dirty="0" smtClean="0">
@@ -5184,6 +5486,16 @@
   <p:clrMapOvr>
     <a:masterClrMapping/>
   </p:clrMapOvr>
+  <p:transition>
+    <p:fade/>
+  </p:transition>
+  <p:timing>
+    <p:tnLst>
+      <p:par>
+        <p:cTn id="1" dur="indefinite" restart="never" nodeType="tmRoot"/>
+      </p:par>
+    </p:tnLst>
+  </p:timing>
 </p:sld>
 </file>
 
@@ -5644,6 +5956,16 @@
   <p:clrMapOvr>
     <a:masterClrMapping/>
   </p:clrMapOvr>
+  <p:transition>
+    <p:fade/>
+  </p:transition>
+  <p:timing>
+    <p:tnLst>
+      <p:par>
+        <p:cTn id="1" dur="indefinite" restart="never" nodeType="tmRoot"/>
+      </p:par>
+    </p:tnLst>
+  </p:timing>
 </p:sld>
 </file>
 
@@ -5684,7 +6006,7 @@
               <a:pPr/>
               <a:t>6</a:t>
             </a:fld>
-            <a:endParaRPr lang="en-US"/>
+            <a:endParaRPr lang="en-US" dirty="0"/>
           </a:p>
         </p:txBody>
       </p:sp>
@@ -5723,7 +6045,7 @@
         </p:nvSpPr>
         <p:spPr>
           <a:xfrm>
-            <a:off x="1981200" y="1905000"/>
+            <a:off x="1981200" y="1600200"/>
             <a:ext cx="6858000" cy="4419600"/>
           </a:xfrm>
         </p:spPr>
@@ -5735,7 +6057,31 @@
               <a:rPr lang="en-US" dirty="0" smtClean="0">
                 <a:latin typeface="+mj-lt"/>
               </a:rPr>
-              <a:t>Robots are placed into a designated arena, and register wirelessly with the application server.</a:t>
+              <a:t>Robots are placed into a designated </a:t>
+            </a:r>
+            <a:r>
+              <a:rPr lang="en-US" dirty="0" smtClean="0">
+                <a:latin typeface="+mj-lt"/>
+              </a:rPr>
+              <a:t>arena where their position is tracked, </a:t>
+            </a:r>
+            <a:r>
+              <a:rPr lang="en-US" dirty="0" smtClean="0">
+                <a:latin typeface="+mj-lt"/>
+              </a:rPr>
+              <a:t>and </a:t>
+            </a:r>
+            <a:r>
+              <a:rPr lang="en-US" dirty="0" smtClean="0">
+                <a:latin typeface="+mj-lt"/>
+              </a:rPr>
+              <a:t>the robots register </a:t>
+            </a:r>
+            <a:r>
+              <a:rPr lang="en-US" dirty="0" smtClean="0">
+                <a:latin typeface="+mj-lt"/>
+              </a:rPr>
+              <a:t>wirelessly with the application server.</a:t>
             </a:r>
           </a:p>
           <a:p>
@@ -5793,7 +6139,7 @@
         </p:blipFill>
         <p:spPr bwMode="auto">
           <a:xfrm>
-            <a:off x="3276600" y="4191000"/>
+            <a:off x="3276600" y="4309336"/>
             <a:ext cx="1180497" cy="1558064"/>
           </a:xfrm>
           <a:prstGeom prst="rect">
@@ -5825,7 +6171,7 @@
         </p:blipFill>
         <p:spPr bwMode="auto">
           <a:xfrm>
-            <a:off x="5558898" y="4191000"/>
+            <a:off x="5558898" y="4285449"/>
             <a:ext cx="1680102" cy="1505751"/>
           </a:xfrm>
           <a:prstGeom prst="rect">
@@ -5848,7 +6194,7 @@
         </p:nvSpPr>
         <p:spPr bwMode="auto">
           <a:xfrm>
-            <a:off x="4495800" y="4682264"/>
+            <a:off x="4495800" y="4800600"/>
             <a:ext cx="1143000" cy="381000"/>
           </a:xfrm>
           <a:prstGeom prst="leftRightArrow">
@@ -5910,6 +6256,16 @@
   <p:clrMapOvr>
     <a:masterClrMapping/>
   </p:clrMapOvr>
+  <p:transition>
+    <p:fade/>
+  </p:transition>
+  <p:timing>
+    <p:tnLst>
+      <p:par>
+        <p:cTn id="1" dur="indefinite" restart="never" nodeType="tmRoot"/>
+      </p:par>
+    </p:tnLst>
+  </p:timing>
 </p:sld>
 </file>
 
@@ -6132,7 +6488,7 @@
               <a:rPr lang="en-US" sz="2000" kern="0" dirty="0" smtClean="0">
                 <a:latin typeface="+mn-lt"/>
               </a:rPr>
-              <a:t>[3] Light Cycles</a:t>
+              <a:t>Light Cycles [3]</a:t>
             </a:r>
             <a:endParaRPr kumimoji="0" lang="en-US" sz="2000" b="0" i="0" u="none" strike="noStrike" kern="0" cap="none" spc="0" normalizeH="0" baseline="0" noProof="0" dirty="0" smtClean="0">
               <a:ln>
@@ -6205,7 +6561,7 @@
               <a:rPr lang="en-US" sz="2000" kern="0" dirty="0" smtClean="0">
                 <a:latin typeface="+mn-lt"/>
               </a:rPr>
-              <a:t>[4] Tank Simulation</a:t>
+              <a:t>Tank Simulation [4]</a:t>
             </a:r>
             <a:endParaRPr kumimoji="0" lang="en-US" sz="2000" b="0" i="0" u="none" strike="noStrike" kern="0" cap="none" spc="0" normalizeH="0" baseline="0" noProof="0" dirty="0" smtClean="0">
               <a:ln>
@@ -6229,6 +6585,16 @@
   <p:clrMapOvr>
     <a:masterClrMapping/>
   </p:clrMapOvr>
+  <p:transition>
+    <p:fade/>
+  </p:transition>
+  <p:timing>
+    <p:tnLst>
+      <p:par>
+        <p:cTn id="1" dur="indefinite" restart="never" nodeType="tmRoot"/>
+      </p:par>
+    </p:tnLst>
+  </p:timing>
 </p:sld>
 </file>
 
@@ -6408,8 +6774,6 @@
                 <a:srgbClr val="F10040"/>
               </a:buClr>
               <a:buSzTx/>
-              <a:buFont typeface="Wingdings" pitchFamily="2" charset="2"/>
-              <a:buChar char="§"/>
               <a:tabLst/>
               <a:defRPr/>
             </a:pPr>
@@ -6428,7 +6792,7 @@
                 <a:ea typeface="+mn-ea"/>
                 <a:cs typeface="+mn-cs"/>
               </a:rPr>
-              <a:t>[5] Logitech </a:t>
+              <a:t>Logitech </a:t>
             </a:r>
             <a:r>
               <a:rPr kumimoji="0" lang="en-US" sz="2000" b="0" i="0" u="none" strike="noStrike" kern="0" cap="none" spc="0" normalizeH="0" baseline="0" noProof="0" dirty="0" err="1" smtClean="0">
@@ -6462,7 +6826,7 @@
                 <a:ea typeface="+mn-ea"/>
                 <a:cs typeface="+mn-cs"/>
               </a:rPr>
-              <a:t> 9000 Pro</a:t>
+              <a:t> 9000 Pro [5]</a:t>
             </a:r>
             <a:endParaRPr kumimoji="0" lang="en-US" sz="2000" b="0" i="0" u="none" strike="noStrike" kern="0" cap="none" spc="0" normalizeH="0" baseline="0" noProof="0" dirty="0" smtClean="0">
               <a:ln>
@@ -6486,6 +6850,16 @@
   <p:clrMapOvr>
     <a:masterClrMapping/>
   </p:clrMapOvr>
+  <p:transition>
+    <p:fade/>
+  </p:transition>
+  <p:timing>
+    <p:tnLst>
+      <p:par>
+        <p:cTn id="1" dur="indefinite" restart="never" nodeType="tmRoot"/>
+      </p:par>
+    </p:tnLst>
+  </p:timing>
 </p:sld>
 </file>
 
@@ -6594,6 +6968,16 @@
   <p:clrMapOvr>
     <a:masterClrMapping/>
   </p:clrMapOvr>
+  <p:transition>
+    <p:fade/>
+  </p:transition>
+  <p:timing>
+    <p:tnLst>
+      <p:par>
+        <p:cTn id="1" dur="indefinite" restart="never" nodeType="tmRoot"/>
+      </p:par>
+    </p:tnLst>
+  </p:timing>
 </p:sld>
 </file>
 

--- a/docs/presentation_slides/RoboWarsPresentation_AlexCraig.pptx
+++ b/docs/presentation_slides/RoboWarsPresentation_AlexCraig.pptx
@@ -5,10 +5,10 @@
     <p:sldMasterId id="2147483648" r:id="rId1"/>
   </p:sldMasterIdLst>
   <p:notesMasterIdLst>
-    <p:notesMasterId r:id="rId17"/>
+    <p:notesMasterId r:id="rId25"/>
   </p:notesMasterIdLst>
   <p:handoutMasterIdLst>
-    <p:handoutMasterId r:id="rId18"/>
+    <p:handoutMasterId r:id="rId26"/>
   </p:handoutMasterIdLst>
   <p:sldIdLst>
     <p:sldId id="256" r:id="rId2"/>
@@ -25,7 +25,15 @@
     <p:sldId id="272" r:id="rId13"/>
     <p:sldId id="273" r:id="rId14"/>
     <p:sldId id="274" r:id="rId15"/>
-    <p:sldId id="263" r:id="rId16"/>
+    <p:sldId id="275" r:id="rId16"/>
+    <p:sldId id="276" r:id="rId17"/>
+    <p:sldId id="277" r:id="rId18"/>
+    <p:sldId id="278" r:id="rId19"/>
+    <p:sldId id="280" r:id="rId20"/>
+    <p:sldId id="281" r:id="rId21"/>
+    <p:sldId id="282" r:id="rId22"/>
+    <p:sldId id="263" r:id="rId23"/>
+    <p:sldId id="279" r:id="rId24"/>
   </p:sldIdLst>
   <p:sldSz cx="9144000" cy="6858000" type="screen4x3"/>
   <p:notesSz cx="6858000" cy="9144000"/>
@@ -794,6 +802,437 @@
     </a:lvl9pPr>
   </p:notesStyle>
 </p:notesMaster>
+</file>
+
+<file path=ppt/notesSlides/notesSlide1.xml><?xml version="1.0" encoding="utf-8"?>
+<p:notes xmlns:a="http://schemas.openxmlformats.org/drawingml/2006/main" xmlns:r="http://schemas.openxmlformats.org/officeDocument/2006/relationships" xmlns:p="http://schemas.openxmlformats.org/presentationml/2006/main">
+  <p:cSld>
+    <p:spTree>
+      <p:nvGrpSpPr>
+        <p:cNvPr id="1" name=""/>
+        <p:cNvGrpSpPr/>
+        <p:nvPr/>
+      </p:nvGrpSpPr>
+      <p:grpSpPr>
+        <a:xfrm>
+          <a:off x="0" y="0"/>
+          <a:ext cx="0" cy="0"/>
+          <a:chOff x="0" y="0"/>
+          <a:chExt cx="0" cy="0"/>
+        </a:xfrm>
+      </p:grpSpPr>
+      <p:sp>
+        <p:nvSpPr>
+          <p:cNvPr id="2" name="Slide Image Placeholder 1"/>
+          <p:cNvSpPr>
+            <a:spLocks noGrp="1" noRot="1" noChangeAspect="1"/>
+          </p:cNvSpPr>
+          <p:nvPr>
+            <p:ph type="sldImg"/>
+          </p:nvPr>
+        </p:nvSpPr>
+        <p:spPr/>
+      </p:sp>
+      <p:sp>
+        <p:nvSpPr>
+          <p:cNvPr id="3" name="Notes Placeholder 2"/>
+          <p:cNvSpPr>
+            <a:spLocks noGrp="1"/>
+          </p:cNvSpPr>
+          <p:nvPr>
+            <p:ph type="body" idx="1"/>
+          </p:nvPr>
+        </p:nvSpPr>
+        <p:spPr/>
+        <p:txBody>
+          <a:bodyPr>
+            <a:normAutofit/>
+          </a:bodyPr>
+          <a:lstStyle/>
+          <a:p>
+            <a:r>
+              <a:rPr lang="en-CA" dirty="0" smtClean="0"/>
+              <a:t>Ultra</a:t>
+            </a:r>
+            <a:r>
+              <a:rPr lang="en-CA" baseline="0" dirty="0" smtClean="0"/>
+              <a:t> sonic sensor can see objects and estimate its proximity with in a centimetre </a:t>
+            </a:r>
+          </a:p>
+          <a:p>
+            <a:r>
+              <a:rPr lang="en-CA" baseline="0" dirty="0" smtClean="0"/>
+              <a:t>Touch sensors are NOT used</a:t>
+            </a:r>
+          </a:p>
+          <a:p>
+            <a:r>
+              <a:rPr lang="en-CA" dirty="0" smtClean="0"/>
+              <a:t>Colour sensor has radius</a:t>
+            </a:r>
+            <a:r>
+              <a:rPr lang="en-CA" baseline="0" dirty="0" smtClean="0"/>
+              <a:t> of about a dime, and also contains a floodlight and infrared detection</a:t>
+            </a:r>
+            <a:endParaRPr lang="en-CA" dirty="0"/>
+          </a:p>
+        </p:txBody>
+      </p:sp>
+      <p:sp>
+        <p:nvSpPr>
+          <p:cNvPr id="4" name="Slide Number Placeholder 3"/>
+          <p:cNvSpPr>
+            <a:spLocks noGrp="1"/>
+          </p:cNvSpPr>
+          <p:nvPr>
+            <p:ph type="sldNum" sz="quarter" idx="10"/>
+          </p:nvPr>
+        </p:nvSpPr>
+        <p:spPr/>
+        <p:txBody>
+          <a:bodyPr/>
+          <a:lstStyle/>
+          <a:p>
+            <a:fld id="{E00E7371-80A2-4894-A71A-E39284D7ECA2}" type="slidenum">
+              <a:rPr lang="en-US" smtClean="0"/>
+              <a:pPr/>
+              <a:t>18</a:t>
+            </a:fld>
+            <a:endParaRPr lang="en-US"/>
+          </a:p>
+        </p:txBody>
+      </p:sp>
+    </p:spTree>
+  </p:cSld>
+  <p:clrMapOvr>
+    <a:masterClrMapping/>
+  </p:clrMapOvr>
+</p:notes>
+</file>
+
+<file path=ppt/notesSlides/notesSlide2.xml><?xml version="1.0" encoding="utf-8"?>
+<p:notes xmlns:a="http://schemas.openxmlformats.org/drawingml/2006/main" xmlns:r="http://schemas.openxmlformats.org/officeDocument/2006/relationships" xmlns:p="http://schemas.openxmlformats.org/presentationml/2006/main">
+  <p:cSld>
+    <p:spTree>
+      <p:nvGrpSpPr>
+        <p:cNvPr id="1" name=""/>
+        <p:cNvGrpSpPr/>
+        <p:nvPr/>
+      </p:nvGrpSpPr>
+      <p:grpSpPr>
+        <a:xfrm>
+          <a:off x="0" y="0"/>
+          <a:ext cx="0" cy="0"/>
+          <a:chOff x="0" y="0"/>
+          <a:chExt cx="0" cy="0"/>
+        </a:xfrm>
+      </p:grpSpPr>
+      <p:sp>
+        <p:nvSpPr>
+          <p:cNvPr id="2" name="Slide Image Placeholder 1"/>
+          <p:cNvSpPr>
+            <a:spLocks noGrp="1" noRot="1" noChangeAspect="1"/>
+          </p:cNvSpPr>
+          <p:nvPr>
+            <p:ph type="sldImg"/>
+          </p:nvPr>
+        </p:nvSpPr>
+        <p:spPr/>
+      </p:sp>
+      <p:sp>
+        <p:nvSpPr>
+          <p:cNvPr id="3" name="Notes Placeholder 2"/>
+          <p:cNvSpPr>
+            <a:spLocks noGrp="1"/>
+          </p:cNvSpPr>
+          <p:nvPr>
+            <p:ph type="body" idx="1"/>
+          </p:nvPr>
+        </p:nvSpPr>
+        <p:spPr/>
+        <p:txBody>
+          <a:bodyPr>
+            <a:normAutofit/>
+          </a:bodyPr>
+          <a:lstStyle/>
+          <a:p>
+            <a:r>
+              <a:rPr lang="en-CA" dirty="0" smtClean="0"/>
+              <a:t>Started</a:t>
+            </a:r>
+            <a:r>
+              <a:rPr lang="en-CA" baseline="0" dirty="0" smtClean="0"/>
+              <a:t> in 1999, switched to NXT and RCX in 2001</a:t>
+            </a:r>
+          </a:p>
+          <a:p>
+            <a:r>
+              <a:rPr lang="en-CA" baseline="0" dirty="0" smtClean="0"/>
+              <a:t>Still many problems</a:t>
+            </a:r>
+          </a:p>
+          <a:p>
+            <a:r>
+              <a:rPr lang="en-CA" baseline="0" dirty="0" smtClean="0"/>
+              <a:t>Custom IO was had to be redone.</a:t>
+            </a:r>
+          </a:p>
+          <a:p>
+            <a:endParaRPr lang="en-CA" dirty="0"/>
+          </a:p>
+        </p:txBody>
+      </p:sp>
+      <p:sp>
+        <p:nvSpPr>
+          <p:cNvPr id="4" name="Slide Number Placeholder 3"/>
+          <p:cNvSpPr>
+            <a:spLocks noGrp="1"/>
+          </p:cNvSpPr>
+          <p:nvPr>
+            <p:ph type="sldNum" sz="quarter" idx="10"/>
+          </p:nvPr>
+        </p:nvSpPr>
+        <p:spPr/>
+        <p:txBody>
+          <a:bodyPr/>
+          <a:lstStyle/>
+          <a:p>
+            <a:fld id="{E00E7371-80A2-4894-A71A-E39284D7ECA2}" type="slidenum">
+              <a:rPr lang="en-US" smtClean="0"/>
+              <a:pPr/>
+              <a:t>19</a:t>
+            </a:fld>
+            <a:endParaRPr lang="en-US"/>
+          </a:p>
+        </p:txBody>
+      </p:sp>
+    </p:spTree>
+  </p:cSld>
+  <p:clrMapOvr>
+    <a:masterClrMapping/>
+  </p:clrMapOvr>
+</p:notes>
+</file>
+
+<file path=ppt/notesSlides/notesSlide3.xml><?xml version="1.0" encoding="utf-8"?>
+<p:notes xmlns:a="http://schemas.openxmlformats.org/drawingml/2006/main" xmlns:r="http://schemas.openxmlformats.org/officeDocument/2006/relationships" xmlns:p="http://schemas.openxmlformats.org/presentationml/2006/main">
+  <p:cSld>
+    <p:spTree>
+      <p:nvGrpSpPr>
+        <p:cNvPr id="1" name=""/>
+        <p:cNvGrpSpPr/>
+        <p:nvPr/>
+      </p:nvGrpSpPr>
+      <p:grpSpPr>
+        <a:xfrm>
+          <a:off x="0" y="0"/>
+          <a:ext cx="0" cy="0"/>
+          <a:chOff x="0" y="0"/>
+          <a:chExt cx="0" cy="0"/>
+        </a:xfrm>
+      </p:grpSpPr>
+      <p:sp>
+        <p:nvSpPr>
+          <p:cNvPr id="2" name="Slide Image Placeholder 1"/>
+          <p:cNvSpPr>
+            <a:spLocks noGrp="1" noRot="1" noChangeAspect="1"/>
+          </p:cNvSpPr>
+          <p:nvPr>
+            <p:ph type="sldImg"/>
+          </p:nvPr>
+        </p:nvSpPr>
+        <p:spPr/>
+      </p:sp>
+      <p:sp>
+        <p:nvSpPr>
+          <p:cNvPr id="3" name="Notes Placeholder 2"/>
+          <p:cNvSpPr>
+            <a:spLocks noGrp="1"/>
+          </p:cNvSpPr>
+          <p:nvPr>
+            <p:ph type="body" idx="1"/>
+          </p:nvPr>
+        </p:nvSpPr>
+        <p:spPr/>
+        <p:txBody>
+          <a:bodyPr>
+            <a:normAutofit/>
+          </a:bodyPr>
+          <a:lstStyle/>
+          <a:p>
+            <a:r>
+              <a:rPr lang="en-CA" dirty="0" smtClean="0"/>
+              <a:t>Started</a:t>
+            </a:r>
+            <a:r>
+              <a:rPr lang="en-CA" baseline="0" dirty="0" smtClean="0"/>
+              <a:t> in 1999, switched to NXT and RCX in 2001</a:t>
+            </a:r>
+          </a:p>
+          <a:p>
+            <a:r>
+              <a:rPr lang="en-CA" baseline="0" dirty="0" smtClean="0"/>
+              <a:t>Still many problems</a:t>
+            </a:r>
+          </a:p>
+          <a:p>
+            <a:r>
+              <a:rPr lang="en-CA" baseline="0" dirty="0" smtClean="0"/>
+              <a:t>Custom IO was had to be redone.</a:t>
+            </a:r>
+          </a:p>
+          <a:p>
+            <a:endParaRPr lang="en-CA" dirty="0"/>
+          </a:p>
+        </p:txBody>
+      </p:sp>
+      <p:sp>
+        <p:nvSpPr>
+          <p:cNvPr id="4" name="Slide Number Placeholder 3"/>
+          <p:cNvSpPr>
+            <a:spLocks noGrp="1"/>
+          </p:cNvSpPr>
+          <p:nvPr>
+            <p:ph type="sldNum" sz="quarter" idx="10"/>
+          </p:nvPr>
+        </p:nvSpPr>
+        <p:spPr/>
+        <p:txBody>
+          <a:bodyPr/>
+          <a:lstStyle/>
+          <a:p>
+            <a:fld id="{E00E7371-80A2-4894-A71A-E39284D7ECA2}" type="slidenum">
+              <a:rPr lang="en-US" smtClean="0"/>
+              <a:pPr/>
+              <a:t>20</a:t>
+            </a:fld>
+            <a:endParaRPr lang="en-US"/>
+          </a:p>
+        </p:txBody>
+      </p:sp>
+    </p:spTree>
+  </p:cSld>
+  <p:clrMapOvr>
+    <a:masterClrMapping/>
+  </p:clrMapOvr>
+</p:notes>
+</file>
+
+<file path=ppt/notesSlides/notesSlide4.xml><?xml version="1.0" encoding="utf-8"?>
+<p:notes xmlns:a="http://schemas.openxmlformats.org/drawingml/2006/main" xmlns:r="http://schemas.openxmlformats.org/officeDocument/2006/relationships" xmlns:p="http://schemas.openxmlformats.org/presentationml/2006/main">
+  <p:cSld>
+    <p:spTree>
+      <p:nvGrpSpPr>
+        <p:cNvPr id="1" name=""/>
+        <p:cNvGrpSpPr/>
+        <p:nvPr/>
+      </p:nvGrpSpPr>
+      <p:grpSpPr>
+        <a:xfrm>
+          <a:off x="0" y="0"/>
+          <a:ext cx="0" cy="0"/>
+          <a:chOff x="0" y="0"/>
+          <a:chExt cx="0" cy="0"/>
+        </a:xfrm>
+      </p:grpSpPr>
+      <p:sp>
+        <p:nvSpPr>
+          <p:cNvPr id="2" name="Slide Image Placeholder 1"/>
+          <p:cNvSpPr>
+            <a:spLocks noGrp="1" noRot="1" noChangeAspect="1"/>
+          </p:cNvSpPr>
+          <p:nvPr>
+            <p:ph type="sldImg"/>
+          </p:nvPr>
+        </p:nvSpPr>
+        <p:spPr/>
+      </p:sp>
+      <p:sp>
+        <p:nvSpPr>
+          <p:cNvPr id="3" name="Notes Placeholder 2"/>
+          <p:cNvSpPr>
+            <a:spLocks noGrp="1"/>
+          </p:cNvSpPr>
+          <p:nvPr>
+            <p:ph type="body" idx="1"/>
+          </p:nvPr>
+        </p:nvSpPr>
+        <p:spPr/>
+        <p:txBody>
+          <a:bodyPr>
+            <a:normAutofit/>
+          </a:bodyPr>
+          <a:lstStyle/>
+          <a:p>
+            <a:r>
+              <a:rPr lang="en-CA" baseline="0" dirty="0" smtClean="0"/>
+              <a:t>Travels over grid sampling the colours should the robot detect a dot it snaps its location to the nearest point</a:t>
+            </a:r>
+          </a:p>
+          <a:p>
+            <a:r>
+              <a:rPr lang="en-CA" baseline="0" dirty="0" smtClean="0"/>
+              <a:t>Samples 10/s</a:t>
+            </a:r>
+          </a:p>
+          <a:p>
+            <a:r>
+              <a:rPr lang="en-CA" baseline="0" dirty="0" smtClean="0"/>
+              <a:t>Grid is programmed and saved in the system, the representation is provided by the server.</a:t>
+            </a:r>
+          </a:p>
+          <a:p>
+            <a:r>
+              <a:rPr lang="en-CA" baseline="0" dirty="0" smtClean="0"/>
+              <a:t>Dots on grid are spaced 2cm apart</a:t>
+            </a:r>
+          </a:p>
+          <a:p>
+            <a:r>
+              <a:rPr lang="en-CA" baseline="0" dirty="0" smtClean="0"/>
+              <a:t>Heading error cannot be fixed without </a:t>
+            </a:r>
+            <a:r>
+              <a:rPr lang="en-CA" baseline="0" smtClean="0"/>
+              <a:t>additional hardware.</a:t>
+            </a:r>
+            <a:endParaRPr lang="en-CA" baseline="0" dirty="0" smtClean="0"/>
+          </a:p>
+          <a:p>
+            <a:endParaRPr lang="en-CA" dirty="0"/>
+          </a:p>
+        </p:txBody>
+      </p:sp>
+      <p:sp>
+        <p:nvSpPr>
+          <p:cNvPr id="4" name="Slide Number Placeholder 3"/>
+          <p:cNvSpPr>
+            <a:spLocks noGrp="1"/>
+          </p:cNvSpPr>
+          <p:nvPr>
+            <p:ph type="sldNum" sz="quarter" idx="10"/>
+          </p:nvPr>
+        </p:nvSpPr>
+        <p:spPr/>
+        <p:txBody>
+          <a:bodyPr/>
+          <a:lstStyle/>
+          <a:p>
+            <a:fld id="{E00E7371-80A2-4894-A71A-E39284D7ECA2}" type="slidenum">
+              <a:rPr lang="en-US" smtClean="0"/>
+              <a:pPr/>
+              <a:t>21</a:t>
+            </a:fld>
+            <a:endParaRPr lang="en-US"/>
+          </a:p>
+        </p:txBody>
+      </p:sp>
+    </p:spTree>
+  </p:cSld>
+  <p:clrMapOvr>
+    <a:masterClrMapping/>
+  </p:clrMapOvr>
+</p:notes>
 </file>
 
 <file path=ppt/slideLayouts/slideLayout1.xml><?xml version="1.0" encoding="utf-8"?>
@@ -4265,7 +4704,7 @@
       </p:grpSpPr>
       <p:sp>
         <p:nvSpPr>
-          <p:cNvPr id="4" name="Slide Number Placeholder 3"/>
+          <p:cNvPr id="9" name="Slide Number Placeholder 3"/>
           <p:cNvSpPr>
             <a:spLocks noGrp="1"/>
           </p:cNvSpPr>
@@ -4278,7 +4717,7 @@
           <a:bodyPr/>
           <a:lstStyle/>
           <a:p>
-            <a:fld id="{284CB430-D7DB-450E-8FF5-AD4ED9D28849}" type="slidenum">
+            <a:fld id="{38517BCD-ADBD-4BB2-84B1-1D2469794772}" type="slidenum">
               <a:rPr lang="en-US"/>
               <a:pPr/>
               <a:t>15</a:t>
@@ -4289,6 +4728,512 @@
       </p:sp>
       <p:sp>
         <p:nvSpPr>
+          <p:cNvPr id="11269" name="Rectangle 5"/>
+          <p:cNvSpPr>
+            <a:spLocks noChangeArrowheads="1"/>
+          </p:cNvSpPr>
+          <p:nvPr/>
+        </p:nvSpPr>
+        <p:spPr bwMode="auto">
+          <a:xfrm>
+            <a:off x="1905000" y="1066800"/>
+            <a:ext cx="3124200" cy="3276600"/>
+          </a:xfrm>
+          <a:prstGeom prst="rect">
+            <a:avLst/>
+          </a:prstGeom>
+          <a:solidFill>
+            <a:srgbClr val="F10040"/>
+          </a:solidFill>
+          <a:ln w="9525">
+            <a:noFill/>
+            <a:miter lim="800000"/>
+            <a:headEnd/>
+            <a:tailEnd/>
+          </a:ln>
+          <a:effectLst/>
+        </p:spPr>
+        <p:txBody>
+          <a:bodyPr wrap="none" anchor="ctr"/>
+          <a:lstStyle/>
+          <a:p>
+            <a:endParaRPr lang="en-CA"/>
+          </a:p>
+        </p:txBody>
+      </p:sp>
+      <p:sp>
+        <p:nvSpPr>
+          <p:cNvPr id="11270" name="Text Box 6"/>
+          <p:cNvSpPr txBox="1">
+            <a:spLocks noChangeArrowheads="1"/>
+          </p:cNvSpPr>
+          <p:nvPr/>
+        </p:nvSpPr>
+        <p:spPr bwMode="auto">
+          <a:xfrm>
+            <a:off x="2133600" y="1371600"/>
+            <a:ext cx="2590800" cy="1323439"/>
+          </a:xfrm>
+          <a:prstGeom prst="rect">
+            <a:avLst/>
+          </a:prstGeom>
+          <a:noFill/>
+          <a:ln w="9525">
+            <a:noFill/>
+            <a:miter lim="800000"/>
+            <a:headEnd/>
+            <a:tailEnd/>
+          </a:ln>
+          <a:effectLst/>
+        </p:spPr>
+        <p:txBody>
+          <a:bodyPr>
+            <a:spAutoFit/>
+          </a:bodyPr>
+          <a:lstStyle/>
+          <a:p>
+            <a:pPr algn="ctr">
+              <a:spcBef>
+                <a:spcPct val="50000"/>
+              </a:spcBef>
+            </a:pPr>
+            <a:r>
+              <a:rPr lang="en-US" sz="3200" dirty="0" err="1" smtClean="0">
+                <a:solidFill>
+                  <a:schemeClr val="bg1"/>
+                </a:solidFill>
+                <a:latin typeface="Egyptienne F Black" pitchFamily="18" charset="0"/>
+              </a:rPr>
+              <a:t>RoboWars</a:t>
+            </a:r>
+            <a:r>
+              <a:rPr lang="en-US" sz="3200" dirty="0" smtClean="0">
+                <a:solidFill>
+                  <a:schemeClr val="bg1"/>
+                </a:solidFill>
+                <a:latin typeface="Egyptienne F Black" pitchFamily="18" charset="0"/>
+              </a:rPr>
+              <a:t> </a:t>
+            </a:r>
+            <a:endParaRPr lang="en-US" sz="3200" dirty="0" smtClean="0">
+              <a:solidFill>
+                <a:schemeClr val="bg1"/>
+              </a:solidFill>
+              <a:latin typeface="Egyptienne F Black" pitchFamily="18" charset="0"/>
+            </a:endParaRPr>
+          </a:p>
+          <a:p>
+            <a:pPr algn="ctr">
+              <a:spcBef>
+                <a:spcPct val="50000"/>
+              </a:spcBef>
+            </a:pPr>
+            <a:r>
+              <a:rPr lang="en-US" sz="3200" dirty="0" smtClean="0">
+                <a:solidFill>
+                  <a:schemeClr val="bg1"/>
+                </a:solidFill>
+                <a:latin typeface="Egyptienne F Black" pitchFamily="18" charset="0"/>
+              </a:rPr>
+              <a:t>Robotics</a:t>
+            </a:r>
+            <a:endParaRPr lang="en-US" sz="3200" dirty="0">
+              <a:solidFill>
+                <a:schemeClr val="bg1"/>
+              </a:solidFill>
+              <a:latin typeface="Egyptienne F Roman" pitchFamily="18" charset="0"/>
+            </a:endParaRPr>
+          </a:p>
+        </p:txBody>
+      </p:sp>
+      <p:sp>
+        <p:nvSpPr>
+          <p:cNvPr id="11271" name="Text Box 7"/>
+          <p:cNvSpPr txBox="1">
+            <a:spLocks noChangeArrowheads="1"/>
+          </p:cNvSpPr>
+          <p:nvPr/>
+        </p:nvSpPr>
+        <p:spPr bwMode="auto">
+          <a:xfrm>
+            <a:off x="5181600" y="1066800"/>
+            <a:ext cx="3581400" cy="457200"/>
+          </a:xfrm>
+          <a:prstGeom prst="rect">
+            <a:avLst/>
+          </a:prstGeom>
+          <a:noFill/>
+          <a:ln w="9525">
+            <a:noFill/>
+            <a:miter lim="800000"/>
+            <a:headEnd/>
+            <a:tailEnd/>
+          </a:ln>
+          <a:effectLst/>
+        </p:spPr>
+        <p:txBody>
+          <a:bodyPr>
+            <a:spAutoFit/>
+          </a:bodyPr>
+          <a:lstStyle/>
+          <a:p>
+            <a:pPr>
+              <a:spcBef>
+                <a:spcPct val="50000"/>
+              </a:spcBef>
+            </a:pPr>
+            <a:endParaRPr lang="en-US"/>
+          </a:p>
+        </p:txBody>
+      </p:sp>
+      <p:sp>
+        <p:nvSpPr>
+          <p:cNvPr id="11273" name="Text Box 9"/>
+          <p:cNvSpPr txBox="1">
+            <a:spLocks noChangeArrowheads="1"/>
+          </p:cNvSpPr>
+          <p:nvPr/>
+        </p:nvSpPr>
+        <p:spPr bwMode="auto">
+          <a:xfrm>
+            <a:off x="2133600" y="3200400"/>
+            <a:ext cx="2590800" cy="800219"/>
+          </a:xfrm>
+          <a:prstGeom prst="rect">
+            <a:avLst/>
+          </a:prstGeom>
+          <a:noFill/>
+          <a:ln w="9525">
+            <a:noFill/>
+            <a:miter lim="800000"/>
+            <a:headEnd/>
+            <a:tailEnd/>
+          </a:ln>
+          <a:effectLst/>
+        </p:spPr>
+        <p:txBody>
+          <a:bodyPr>
+            <a:spAutoFit/>
+          </a:bodyPr>
+          <a:lstStyle/>
+          <a:p>
+            <a:pPr algn="ctr">
+              <a:spcBef>
+                <a:spcPct val="50000"/>
+              </a:spcBef>
+            </a:pPr>
+            <a:r>
+              <a:rPr lang="en-US" sz="2300" dirty="0" smtClean="0">
+                <a:solidFill>
+                  <a:schemeClr val="bg1"/>
+                </a:solidFill>
+                <a:latin typeface="+mn-lt"/>
+              </a:rPr>
+              <a:t>Presented By:</a:t>
+            </a:r>
+            <a:br>
+              <a:rPr lang="en-US" sz="2300" dirty="0" smtClean="0">
+                <a:solidFill>
+                  <a:schemeClr val="bg1"/>
+                </a:solidFill>
+                <a:latin typeface="+mn-lt"/>
+              </a:rPr>
+            </a:br>
+            <a:r>
+              <a:rPr lang="en-US" sz="2300" dirty="0" smtClean="0">
+                <a:solidFill>
+                  <a:schemeClr val="bg1"/>
+                </a:solidFill>
+                <a:latin typeface="+mn-lt"/>
+              </a:rPr>
+              <a:t>Michael Wright</a:t>
+            </a:r>
+            <a:endParaRPr lang="en-US" sz="2300" dirty="0">
+              <a:solidFill>
+                <a:schemeClr val="bg1"/>
+              </a:solidFill>
+              <a:latin typeface="+mn-lt"/>
+            </a:endParaRPr>
+          </a:p>
+        </p:txBody>
+      </p:sp>
+      <p:sp>
+        <p:nvSpPr>
+          <p:cNvPr id="11274" name="Text Box 10"/>
+          <p:cNvSpPr txBox="1">
+            <a:spLocks noChangeArrowheads="1"/>
+          </p:cNvSpPr>
+          <p:nvPr/>
+        </p:nvSpPr>
+        <p:spPr bwMode="auto">
+          <a:xfrm>
+            <a:off x="5105400" y="1066800"/>
+            <a:ext cx="3810000" cy="457200"/>
+          </a:xfrm>
+          <a:prstGeom prst="rect">
+            <a:avLst/>
+          </a:prstGeom>
+          <a:noFill/>
+          <a:ln w="9525">
+            <a:noFill/>
+            <a:miter lim="800000"/>
+            <a:headEnd/>
+            <a:tailEnd/>
+          </a:ln>
+          <a:effectLst/>
+        </p:spPr>
+        <p:txBody>
+          <a:bodyPr>
+            <a:spAutoFit/>
+          </a:bodyPr>
+          <a:lstStyle/>
+          <a:p>
+            <a:pPr>
+              <a:spcBef>
+                <a:spcPct val="50000"/>
+              </a:spcBef>
+            </a:pPr>
+            <a:r>
+              <a:rPr lang="en-US" dirty="0" smtClean="0">
+                <a:latin typeface="Egyptienne F Black" pitchFamily="18" charset="0"/>
+              </a:rPr>
+              <a:t>Topics:</a:t>
+            </a:r>
+            <a:endParaRPr lang="en-US" dirty="0">
+              <a:latin typeface="Egyptienne F Black" pitchFamily="18" charset="0"/>
+            </a:endParaRPr>
+          </a:p>
+        </p:txBody>
+      </p:sp>
+      <p:sp>
+        <p:nvSpPr>
+          <p:cNvPr id="11275" name="Text Box 11"/>
+          <p:cNvSpPr txBox="1">
+            <a:spLocks noChangeArrowheads="1"/>
+          </p:cNvSpPr>
+          <p:nvPr/>
+        </p:nvSpPr>
+        <p:spPr bwMode="auto">
+          <a:xfrm>
+            <a:off x="5105400" y="1600200"/>
+            <a:ext cx="3657600" cy="457200"/>
+          </a:xfrm>
+          <a:prstGeom prst="rect">
+            <a:avLst/>
+          </a:prstGeom>
+          <a:noFill/>
+          <a:ln w="9525">
+            <a:noFill/>
+            <a:miter lim="800000"/>
+            <a:headEnd/>
+            <a:tailEnd/>
+          </a:ln>
+          <a:effectLst/>
+        </p:spPr>
+        <p:txBody>
+          <a:bodyPr>
+            <a:spAutoFit/>
+          </a:bodyPr>
+          <a:lstStyle/>
+          <a:p>
+            <a:pPr>
+              <a:spcBef>
+                <a:spcPct val="50000"/>
+              </a:spcBef>
+            </a:pPr>
+            <a:endParaRPr lang="en-US"/>
+          </a:p>
+        </p:txBody>
+      </p:sp>
+      <p:sp>
+        <p:nvSpPr>
+          <p:cNvPr id="11278" name="Rectangle 14"/>
+          <p:cNvSpPr>
+            <a:spLocks noChangeArrowheads="1"/>
+          </p:cNvSpPr>
+          <p:nvPr/>
+        </p:nvSpPr>
+        <p:spPr bwMode="auto">
+          <a:xfrm>
+            <a:off x="5181600" y="1600200"/>
+            <a:ext cx="3733800" cy="2819400"/>
+          </a:xfrm>
+          <a:prstGeom prst="rect">
+            <a:avLst/>
+          </a:prstGeom>
+          <a:noFill/>
+          <a:ln w="9525">
+            <a:noFill/>
+            <a:miter lim="800000"/>
+            <a:headEnd/>
+            <a:tailEnd/>
+          </a:ln>
+          <a:effectLst/>
+        </p:spPr>
+        <p:txBody>
+          <a:bodyPr lIns="0" tIns="0" rIns="0" bIns="0"/>
+          <a:lstStyle/>
+          <a:p>
+            <a:pPr marL="342900" indent="-342900" eaLnBrk="1" hangingPunct="1">
+              <a:lnSpc>
+                <a:spcPct val="120000"/>
+              </a:lnSpc>
+              <a:spcBef>
+                <a:spcPct val="20000"/>
+              </a:spcBef>
+              <a:buClr>
+                <a:srgbClr val="F10040"/>
+              </a:buClr>
+              <a:buFont typeface="Wingdings" pitchFamily="2" charset="2"/>
+              <a:buChar char="§"/>
+            </a:pPr>
+            <a:r>
+              <a:rPr lang="en-US" sz="2300" dirty="0" smtClean="0">
+                <a:latin typeface="+mn-lt"/>
+              </a:rPr>
+              <a:t>NXT </a:t>
+            </a:r>
+            <a:r>
+              <a:rPr lang="en-US" sz="2300" dirty="0" err="1" smtClean="0">
+                <a:latin typeface="+mn-lt"/>
+              </a:rPr>
+              <a:t>Mindstorms</a:t>
+            </a:r>
+            <a:endParaRPr lang="en-US" sz="2300" dirty="0" smtClean="0">
+              <a:latin typeface="+mn-lt"/>
+            </a:endParaRPr>
+          </a:p>
+          <a:p>
+            <a:pPr marL="342900" indent="-342900" eaLnBrk="1" hangingPunct="1">
+              <a:lnSpc>
+                <a:spcPct val="120000"/>
+              </a:lnSpc>
+              <a:spcBef>
+                <a:spcPct val="20000"/>
+              </a:spcBef>
+              <a:buClr>
+                <a:srgbClr val="F10040"/>
+              </a:buClr>
+              <a:buFont typeface="Wingdings" pitchFamily="2" charset="2"/>
+              <a:buChar char="§"/>
+            </a:pPr>
+            <a:r>
+              <a:rPr lang="en-US" sz="2300" dirty="0" err="1" smtClean="0">
+                <a:latin typeface="+mn-lt"/>
+              </a:rPr>
+              <a:t>Lejos</a:t>
+            </a:r>
+            <a:r>
+              <a:rPr lang="en-US" sz="2300" dirty="0" smtClean="0">
+                <a:latin typeface="+mn-lt"/>
+              </a:rPr>
+              <a:t> Firmware</a:t>
+            </a:r>
+            <a:endParaRPr lang="en-US" sz="2300" dirty="0" smtClean="0">
+              <a:latin typeface="+mn-lt"/>
+            </a:endParaRPr>
+          </a:p>
+          <a:p>
+            <a:pPr marL="342900" indent="-342900" eaLnBrk="1" hangingPunct="1">
+              <a:lnSpc>
+                <a:spcPct val="120000"/>
+              </a:lnSpc>
+              <a:spcBef>
+                <a:spcPct val="20000"/>
+              </a:spcBef>
+              <a:buClr>
+                <a:srgbClr val="F10040"/>
+              </a:buClr>
+              <a:buFont typeface="Wingdings" pitchFamily="2" charset="2"/>
+              <a:buChar char="§"/>
+            </a:pPr>
+            <a:r>
+              <a:rPr lang="en-US" sz="2300" dirty="0" smtClean="0">
+                <a:latin typeface="+mn-lt"/>
+              </a:rPr>
+              <a:t>Controls And Positioning</a:t>
+            </a:r>
+            <a:endParaRPr lang="en-US" sz="2300" dirty="0" smtClean="0">
+              <a:latin typeface="+mn-lt"/>
+            </a:endParaRPr>
+          </a:p>
+          <a:p>
+            <a:pPr marL="342900" indent="-342900" eaLnBrk="1" hangingPunct="1">
+              <a:lnSpc>
+                <a:spcPct val="120000"/>
+              </a:lnSpc>
+              <a:spcBef>
+                <a:spcPct val="20000"/>
+              </a:spcBef>
+              <a:buClr>
+                <a:srgbClr val="F10040"/>
+              </a:buClr>
+              <a:buFont typeface="Wingdings" pitchFamily="2" charset="2"/>
+              <a:buChar char="§"/>
+            </a:pPr>
+            <a:r>
+              <a:rPr lang="en-US" sz="2300" dirty="0" smtClean="0">
+                <a:latin typeface="+mn-lt"/>
+              </a:rPr>
+              <a:t>Error Corrections</a:t>
+            </a:r>
+            <a:endParaRPr lang="en-US" sz="1800" dirty="0">
+              <a:latin typeface="+mn-lt"/>
+            </a:endParaRPr>
+          </a:p>
+        </p:txBody>
+      </p:sp>
+    </p:spTree>
+  </p:cSld>
+  <p:clrMapOvr>
+    <a:masterClrMapping/>
+  </p:clrMapOvr>
+</p:sld>
+</file>
+
+<file path=ppt/slides/slide16.xml><?xml version="1.0" encoding="utf-8"?>
+<p:sld xmlns:a="http://schemas.openxmlformats.org/drawingml/2006/main" xmlns:r="http://schemas.openxmlformats.org/officeDocument/2006/relationships" xmlns:p="http://schemas.openxmlformats.org/presentationml/2006/main">
+  <p:cSld>
+    <p:spTree>
+      <p:nvGrpSpPr>
+        <p:cNvPr id="1" name=""/>
+        <p:cNvGrpSpPr/>
+        <p:nvPr/>
+      </p:nvGrpSpPr>
+      <p:grpSpPr>
+        <a:xfrm>
+          <a:off x="0" y="0"/>
+          <a:ext cx="0" cy="0"/>
+          <a:chOff x="0" y="0"/>
+          <a:chExt cx="0" cy="0"/>
+        </a:xfrm>
+      </p:grpSpPr>
+      <p:sp>
+        <p:nvSpPr>
+          <p:cNvPr id="4" name="Slide Number Placeholder 3"/>
+          <p:cNvSpPr>
+            <a:spLocks noGrp="1"/>
+          </p:cNvSpPr>
+          <p:nvPr>
+            <p:ph type="sldNum" sz="quarter" idx="10"/>
+          </p:nvPr>
+        </p:nvSpPr>
+        <p:spPr/>
+        <p:txBody>
+          <a:bodyPr/>
+          <a:lstStyle/>
+          <a:p>
+            <a:fld id="{284CB430-D7DB-450E-8FF5-AD4ED9D28849}" type="slidenum">
+              <a:rPr lang="en-US"/>
+              <a:pPr/>
+              <a:t>16</a:t>
+            </a:fld>
+            <a:endParaRPr lang="en-US"/>
+          </a:p>
+        </p:txBody>
+      </p:sp>
+      <p:sp>
+        <p:nvSpPr>
           <p:cNvPr id="4100" name="Rectangle 4"/>
           <p:cNvSpPr>
             <a:spLocks noGrp="1" noChangeArrowheads="1"/>
@@ -4297,21 +5242,380 @@
             <p:ph type="title"/>
           </p:nvPr>
         </p:nvSpPr>
+        <p:spPr>
+          <a:xfrm>
+            <a:off x="1981200" y="1143000"/>
+            <a:ext cx="6858000" cy="457200"/>
+          </a:xfrm>
+        </p:spPr>
+        <p:txBody>
+          <a:bodyPr/>
+          <a:lstStyle/>
+          <a:p>
+            <a:r>
+              <a:rPr lang="en-US" dirty="0" smtClean="0"/>
+              <a:t>NXT </a:t>
+            </a:r>
+            <a:r>
+              <a:rPr lang="en-US" dirty="0" err="1" smtClean="0"/>
+              <a:t>Mindstroms</a:t>
+            </a:r>
+            <a:endParaRPr lang="en-US" b="1" dirty="0"/>
+          </a:p>
+        </p:txBody>
+      </p:sp>
+      <p:sp>
+        <p:nvSpPr>
+          <p:cNvPr id="4101" name="Rectangle 5"/>
+          <p:cNvSpPr>
+            <a:spLocks noGrp="1" noChangeArrowheads="1"/>
+          </p:cNvSpPr>
+          <p:nvPr>
+            <p:ph type="body" idx="1"/>
+          </p:nvPr>
+        </p:nvSpPr>
+        <p:spPr>
+          <a:xfrm>
+            <a:off x="1905000" y="1676400"/>
+            <a:ext cx="3429000" cy="4419600"/>
+          </a:xfrm>
+        </p:spPr>
+        <p:txBody>
+          <a:bodyPr/>
+          <a:lstStyle/>
+          <a:p>
+            <a:r>
+              <a:rPr lang="en-US" dirty="0" smtClean="0"/>
+              <a:t>Programmable robotics </a:t>
+            </a:r>
+            <a:r>
+              <a:rPr lang="en-US" dirty="0" smtClean="0"/>
+              <a:t>k</a:t>
+            </a:r>
+            <a:r>
+              <a:rPr lang="en-US" dirty="0" smtClean="0"/>
+              <a:t>it</a:t>
+            </a:r>
+          </a:p>
+          <a:p>
+            <a:r>
+              <a:rPr lang="en-US" dirty="0" smtClean="0"/>
+              <a:t>Highly Modifiable</a:t>
+            </a:r>
+          </a:p>
+          <a:p>
+            <a:r>
+              <a:rPr lang="en-US" dirty="0" smtClean="0"/>
+              <a:t>Large number of advanced sensors</a:t>
+            </a:r>
+          </a:p>
+          <a:p>
+            <a:endParaRPr lang="en-US" dirty="0"/>
+          </a:p>
+        </p:txBody>
+      </p:sp>
+      <p:pic>
+        <p:nvPicPr>
+          <p:cNvPr id="1026" name="Picture 2"/>
+          <p:cNvPicPr>
+            <a:picLocks noChangeAspect="1" noChangeArrowheads="1"/>
+          </p:cNvPicPr>
+          <p:nvPr/>
+        </p:nvPicPr>
+        <p:blipFill>
+          <a:blip r:embed="rId2" cstate="print"/>
+          <a:srcRect/>
+          <a:stretch>
+            <a:fillRect/>
+          </a:stretch>
+        </p:blipFill>
+        <p:spPr bwMode="auto">
+          <a:xfrm>
+            <a:off x="5486400" y="1676400"/>
+            <a:ext cx="3381375" cy="3067050"/>
+          </a:xfrm>
+          <a:prstGeom prst="rect">
+            <a:avLst/>
+          </a:prstGeom>
+          <a:noFill/>
+          <a:ln w="9525">
+            <a:noFill/>
+            <a:miter lim="800000"/>
+            <a:headEnd/>
+            <a:tailEnd/>
+          </a:ln>
+        </p:spPr>
+      </p:pic>
+    </p:spTree>
+  </p:cSld>
+  <p:clrMapOvr>
+    <a:masterClrMapping/>
+  </p:clrMapOvr>
+</p:sld>
+</file>
+
+<file path=ppt/slides/slide17.xml><?xml version="1.0" encoding="utf-8"?>
+<p:sld xmlns:a="http://schemas.openxmlformats.org/drawingml/2006/main" xmlns:r="http://schemas.openxmlformats.org/officeDocument/2006/relationships" xmlns:p="http://schemas.openxmlformats.org/presentationml/2006/main">
+  <p:cSld>
+    <p:spTree>
+      <p:nvGrpSpPr>
+        <p:cNvPr id="1" name=""/>
+        <p:cNvGrpSpPr/>
+        <p:nvPr/>
+      </p:nvGrpSpPr>
+      <p:grpSpPr>
+        <a:xfrm>
+          <a:off x="0" y="0"/>
+          <a:ext cx="0" cy="0"/>
+          <a:chOff x="0" y="0"/>
+          <a:chExt cx="0" cy="0"/>
+        </a:xfrm>
+      </p:grpSpPr>
+      <p:sp>
+        <p:nvSpPr>
+          <p:cNvPr id="4" name="Slide Number Placeholder 3"/>
+          <p:cNvSpPr>
+            <a:spLocks noGrp="1"/>
+          </p:cNvSpPr>
+          <p:nvPr>
+            <p:ph type="sldNum" sz="quarter" idx="10"/>
+          </p:nvPr>
+        </p:nvSpPr>
         <p:spPr/>
         <p:txBody>
           <a:bodyPr/>
           <a:lstStyle/>
           <a:p>
+            <a:fld id="{284CB430-D7DB-450E-8FF5-AD4ED9D28849}" type="slidenum">
+              <a:rPr lang="en-US"/>
+              <a:pPr/>
+              <a:t>17</a:t>
+            </a:fld>
+            <a:endParaRPr lang="en-US"/>
+          </a:p>
+        </p:txBody>
+      </p:sp>
+      <p:sp>
+        <p:nvSpPr>
+          <p:cNvPr id="4100" name="Rectangle 4"/>
+          <p:cNvSpPr>
+            <a:spLocks noGrp="1" noChangeArrowheads="1"/>
+          </p:cNvSpPr>
+          <p:nvPr>
+            <p:ph type="title"/>
+          </p:nvPr>
+        </p:nvSpPr>
+        <p:spPr>
+          <a:xfrm>
+            <a:off x="1981200" y="1143000"/>
+            <a:ext cx="6858000" cy="457200"/>
+          </a:xfrm>
+        </p:spPr>
+        <p:txBody>
+          <a:bodyPr/>
+          <a:lstStyle/>
+          <a:p>
             <a:r>
               <a:rPr lang="en-US" dirty="0" smtClean="0"/>
-              <a:t>References</a:t>
-            </a:r>
+              <a:t>NXT Brick</a:t>
+            </a:r>
+            <a:endParaRPr lang="en-US" b="1" dirty="0"/>
+          </a:p>
+        </p:txBody>
+      </p:sp>
+      <p:sp>
+        <p:nvSpPr>
+          <p:cNvPr id="4101" name="Rectangle 5"/>
+          <p:cNvSpPr>
+            <a:spLocks noGrp="1" noChangeArrowheads="1"/>
+          </p:cNvSpPr>
+          <p:nvPr>
+            <p:ph type="body" idx="1"/>
+          </p:nvPr>
+        </p:nvSpPr>
+        <p:spPr>
+          <a:xfrm>
+            <a:off x="1905000" y="1676400"/>
+            <a:ext cx="3429000" cy="4419600"/>
+          </a:xfrm>
+        </p:spPr>
+        <p:txBody>
+          <a:bodyPr/>
+          <a:lstStyle/>
+          <a:p>
+            <a:r>
+              <a:rPr lang="en-US" dirty="0" smtClean="0"/>
+              <a:t>3 Motor output Ports, 4 Sensor Input Ports</a:t>
+            </a:r>
+          </a:p>
+          <a:p>
+            <a:r>
+              <a:rPr lang="en-US" dirty="0" smtClean="0"/>
+              <a:t>Supports USB 2.0 and Bluetooth 2.1</a:t>
+            </a:r>
+          </a:p>
+          <a:p>
+            <a:r>
+              <a:rPr lang="en-US" dirty="0" smtClean="0"/>
+              <a:t>32Bit microprocessor</a:t>
+            </a:r>
+          </a:p>
+          <a:p>
+            <a:r>
+              <a:rPr lang="en-US" dirty="0" smtClean="0"/>
+              <a:t>Can support and playback 8Hz sound [m1]</a:t>
+            </a:r>
+          </a:p>
+          <a:p>
             <a:endParaRPr lang="en-US" dirty="0"/>
           </a:p>
         </p:txBody>
       </p:sp>
       <p:sp>
         <p:nvSpPr>
+          <p:cNvPr id="6" name="TextBox 5"/>
+          <p:cNvSpPr txBox="1"/>
+          <p:nvPr/>
+        </p:nvSpPr>
+        <p:spPr>
+          <a:xfrm>
+            <a:off x="5410200" y="4114800"/>
+            <a:ext cx="1143000" cy="461665"/>
+          </a:xfrm>
+          <a:prstGeom prst="rect">
+            <a:avLst/>
+          </a:prstGeom>
+          <a:noFill/>
+        </p:spPr>
+        <p:txBody>
+          <a:bodyPr wrap="square" rtlCol="0">
+            <a:spAutoFit/>
+          </a:bodyPr>
+          <a:lstStyle/>
+          <a:p>
+            <a:r>
+              <a:rPr lang="en-US" dirty="0" smtClean="0"/>
+              <a:t>[</a:t>
+            </a:r>
+            <a:r>
+              <a:rPr lang="en-US" dirty="0" smtClean="0"/>
+              <a:t>m6]</a:t>
+            </a:r>
+            <a:endParaRPr lang="en-CA" dirty="0"/>
+          </a:p>
+        </p:txBody>
+      </p:sp>
+      <p:pic>
+        <p:nvPicPr>
+          <p:cNvPr id="2050" name="Picture 2"/>
+          <p:cNvPicPr>
+            <a:picLocks noChangeAspect="1" noChangeArrowheads="1"/>
+          </p:cNvPicPr>
+          <p:nvPr/>
+        </p:nvPicPr>
+        <p:blipFill>
+          <a:blip r:embed="rId2" cstate="print"/>
+          <a:srcRect/>
+          <a:stretch>
+            <a:fillRect/>
+          </a:stretch>
+        </p:blipFill>
+        <p:spPr bwMode="auto">
+          <a:xfrm>
+            <a:off x="5334000" y="1371600"/>
+            <a:ext cx="3637359" cy="2667000"/>
+          </a:xfrm>
+          <a:prstGeom prst="rect">
+            <a:avLst/>
+          </a:prstGeom>
+          <a:noFill/>
+          <a:ln w="9525">
+            <a:noFill/>
+            <a:miter lim="800000"/>
+            <a:headEnd/>
+            <a:tailEnd/>
+          </a:ln>
+        </p:spPr>
+      </p:pic>
+    </p:spTree>
+  </p:cSld>
+  <p:clrMapOvr>
+    <a:masterClrMapping/>
+  </p:clrMapOvr>
+</p:sld>
+</file>
+
+<file path=ppt/slides/slide18.xml><?xml version="1.0" encoding="utf-8"?>
+<p:sld xmlns:a="http://schemas.openxmlformats.org/drawingml/2006/main" xmlns:r="http://schemas.openxmlformats.org/officeDocument/2006/relationships" xmlns:p="http://schemas.openxmlformats.org/presentationml/2006/main">
+  <p:cSld>
+    <p:spTree>
+      <p:nvGrpSpPr>
+        <p:cNvPr id="1" name=""/>
+        <p:cNvGrpSpPr/>
+        <p:nvPr/>
+      </p:nvGrpSpPr>
+      <p:grpSpPr>
+        <a:xfrm>
+          <a:off x="0" y="0"/>
+          <a:ext cx="0" cy="0"/>
+          <a:chOff x="0" y="0"/>
+          <a:chExt cx="0" cy="0"/>
+        </a:xfrm>
+      </p:grpSpPr>
+      <p:sp>
+        <p:nvSpPr>
+          <p:cNvPr id="4" name="Slide Number Placeholder 3"/>
+          <p:cNvSpPr>
+            <a:spLocks noGrp="1"/>
+          </p:cNvSpPr>
+          <p:nvPr>
+            <p:ph type="sldNum" sz="quarter" idx="10"/>
+          </p:nvPr>
+        </p:nvSpPr>
+        <p:spPr/>
+        <p:txBody>
+          <a:bodyPr/>
+          <a:lstStyle/>
+          <a:p>
+            <a:fld id="{284CB430-D7DB-450E-8FF5-AD4ED9D28849}" type="slidenum">
+              <a:rPr lang="en-US"/>
+              <a:pPr/>
+              <a:t>18</a:t>
+            </a:fld>
+            <a:endParaRPr lang="en-US"/>
+          </a:p>
+        </p:txBody>
+      </p:sp>
+      <p:sp>
+        <p:nvSpPr>
+          <p:cNvPr id="4100" name="Rectangle 4"/>
+          <p:cNvSpPr>
+            <a:spLocks noGrp="1" noChangeArrowheads="1"/>
+          </p:cNvSpPr>
+          <p:nvPr>
+            <p:ph type="title"/>
+          </p:nvPr>
+        </p:nvSpPr>
+        <p:spPr>
+          <a:xfrm>
+            <a:off x="1981200" y="1143000"/>
+            <a:ext cx="6858000" cy="457200"/>
+          </a:xfrm>
+        </p:spPr>
+        <p:txBody>
+          <a:bodyPr/>
+          <a:lstStyle/>
+          <a:p>
+            <a:r>
+              <a:rPr lang="en-US" dirty="0" smtClean="0"/>
+              <a:t>NXT Sensors And Motors</a:t>
+            </a:r>
+            <a:endParaRPr lang="en-US" b="1" dirty="0"/>
+          </a:p>
+        </p:txBody>
+      </p:sp>
+      <p:sp>
+        <p:nvSpPr>
           <p:cNvPr id="4101" name="Rectangle 5"/>
           <p:cNvSpPr>
             <a:spLocks noGrp="1" noChangeArrowheads="1"/>
@@ -4320,89 +5624,315 @@
             <p:ph type="body" idx="1"/>
           </p:nvPr>
         </p:nvSpPr>
+        <p:spPr>
+          <a:xfrm>
+            <a:off x="1905000" y="1676400"/>
+            <a:ext cx="3429000" cy="4419600"/>
+          </a:xfrm>
+        </p:spPr>
+        <p:txBody>
+          <a:bodyPr/>
+          <a:lstStyle/>
+          <a:p>
+            <a:r>
+              <a:rPr lang="en-US" dirty="0" smtClean="0"/>
+              <a:t>2 Servo Motors capable of up to 180 rpm unloaded. [m3]</a:t>
+            </a:r>
+          </a:p>
+          <a:p>
+            <a:r>
+              <a:rPr lang="en-US" dirty="0" smtClean="0"/>
+              <a:t>1 </a:t>
+            </a:r>
+            <a:r>
+              <a:rPr lang="en-US" dirty="0" err="1" smtClean="0"/>
+              <a:t>Colour</a:t>
+            </a:r>
+            <a:r>
+              <a:rPr lang="en-US" dirty="0" smtClean="0"/>
+              <a:t> sensor capable of reading full 8Bit RGB [m4]</a:t>
+            </a:r>
+          </a:p>
+          <a:p>
+            <a:r>
+              <a:rPr lang="en-US" dirty="0" smtClean="0"/>
+              <a:t> 2 Touch Sensors</a:t>
+            </a:r>
+          </a:p>
+          <a:p>
+            <a:r>
+              <a:rPr lang="en-US" dirty="0" smtClean="0"/>
+              <a:t> Ultrasonic Sensor [m5]</a:t>
+            </a:r>
+          </a:p>
+          <a:p>
+            <a:endParaRPr lang="en-US" dirty="0" smtClean="0"/>
+          </a:p>
+          <a:p>
+            <a:endParaRPr lang="en-US" dirty="0"/>
+          </a:p>
+        </p:txBody>
+      </p:sp>
+      <p:pic>
+        <p:nvPicPr>
+          <p:cNvPr id="1026" name="Picture 2"/>
+          <p:cNvPicPr>
+            <a:picLocks noChangeAspect="1" noChangeArrowheads="1"/>
+          </p:cNvPicPr>
+          <p:nvPr/>
+        </p:nvPicPr>
+        <p:blipFill>
+          <a:blip r:embed="rId3" cstate="print"/>
+          <a:srcRect/>
+          <a:stretch>
+            <a:fillRect/>
+          </a:stretch>
+        </p:blipFill>
+        <p:spPr bwMode="auto">
+          <a:xfrm>
+            <a:off x="5486400" y="1676400"/>
+            <a:ext cx="3381375" cy="3067050"/>
+          </a:xfrm>
+          <a:prstGeom prst="rect">
+            <a:avLst/>
+          </a:prstGeom>
+          <a:noFill/>
+          <a:ln w="9525">
+            <a:noFill/>
+            <a:miter lim="800000"/>
+            <a:headEnd/>
+            <a:tailEnd/>
+          </a:ln>
+        </p:spPr>
+      </p:pic>
+      <p:sp>
+        <p:nvSpPr>
+          <p:cNvPr id="6" name="TextBox 5"/>
+          <p:cNvSpPr txBox="1"/>
+          <p:nvPr/>
+        </p:nvSpPr>
+        <p:spPr>
+          <a:xfrm>
+            <a:off x="5715000" y="4876800"/>
+            <a:ext cx="1143000" cy="461665"/>
+          </a:xfrm>
+          <a:prstGeom prst="rect">
+            <a:avLst/>
+          </a:prstGeom>
+          <a:noFill/>
+        </p:spPr>
+        <p:txBody>
+          <a:bodyPr wrap="square" rtlCol="0">
+            <a:spAutoFit/>
+          </a:bodyPr>
+          <a:lstStyle/>
+          <a:p>
+            <a:r>
+              <a:rPr lang="en-US" dirty="0" smtClean="0"/>
+              <a:t>[m2]</a:t>
+            </a:r>
+            <a:endParaRPr lang="en-CA" dirty="0"/>
+          </a:p>
+        </p:txBody>
+      </p:sp>
+    </p:spTree>
+  </p:cSld>
+  <p:clrMapOvr>
+    <a:masterClrMapping/>
+  </p:clrMapOvr>
+</p:sld>
+</file>
+
+<file path=ppt/slides/slide19.xml><?xml version="1.0" encoding="utf-8"?>
+<p:sld xmlns:a="http://schemas.openxmlformats.org/drawingml/2006/main" xmlns:r="http://schemas.openxmlformats.org/officeDocument/2006/relationships" xmlns:p="http://schemas.openxmlformats.org/presentationml/2006/main">
+  <p:cSld>
+    <p:spTree>
+      <p:nvGrpSpPr>
+        <p:cNvPr id="1" name=""/>
+        <p:cNvGrpSpPr/>
+        <p:nvPr/>
+      </p:nvGrpSpPr>
+      <p:grpSpPr>
+        <a:xfrm>
+          <a:off x="0" y="0"/>
+          <a:ext cx="0" cy="0"/>
+          <a:chOff x="0" y="0"/>
+          <a:chExt cx="0" cy="0"/>
+        </a:xfrm>
+      </p:grpSpPr>
+      <p:sp>
+        <p:nvSpPr>
+          <p:cNvPr id="4" name="Slide Number Placeholder 3"/>
+          <p:cNvSpPr>
+            <a:spLocks noGrp="1"/>
+          </p:cNvSpPr>
+          <p:nvPr>
+            <p:ph type="sldNum" sz="quarter" idx="10"/>
+          </p:nvPr>
+        </p:nvSpPr>
         <p:spPr/>
         <p:txBody>
           <a:bodyPr/>
           <a:lstStyle/>
           <a:p>
-            <a:r>
-              <a:rPr lang="en-US" sz="1400" dirty="0" smtClean="0"/>
-              <a:t>[1] </a:t>
-            </a:r>
-            <a:r>
-              <a:rPr lang="en-US" sz="1400" dirty="0" smtClean="0">
-                <a:hlinkClick r:id="rId2"/>
-              </a:rPr>
-              <a:t>http://www.htc.com/www/product/desire/specification.html</a:t>
-            </a:r>
-            <a:endParaRPr lang="en-US" sz="1400" dirty="0" smtClean="0"/>
-          </a:p>
-          <a:p>
-            <a:r>
-              <a:rPr lang="en-US" sz="1400" dirty="0" smtClean="0"/>
-              <a:t>[2] </a:t>
-            </a:r>
-            <a:r>
-              <a:rPr lang="en-US" sz="1400" dirty="0" smtClean="0">
-                <a:hlinkClick r:id="rId3"/>
-              </a:rPr>
-              <a:t>http://mindstorms.lego.com/en-us/products/default.aspx</a:t>
-            </a:r>
-            <a:endParaRPr lang="en-US" sz="1400" dirty="0" smtClean="0"/>
-          </a:p>
-          <a:p>
-            <a:r>
-              <a:rPr lang="en-US" sz="1400" dirty="0" smtClean="0"/>
-              <a:t>[3] </a:t>
-            </a:r>
-            <a:r>
-              <a:rPr lang="en-US" sz="1400" dirty="0" smtClean="0">
-                <a:hlinkClick r:id="rId4"/>
-              </a:rPr>
-              <a:t>http://static.guim.co.uk/sys-images/Technology/Pix/pictures/2009/4/21/1240307015871/Tron-001.jpg</a:t>
-            </a:r>
-            <a:endParaRPr lang="en-US" sz="1400" dirty="0" smtClean="0"/>
-          </a:p>
-          <a:p>
-            <a:r>
-              <a:rPr lang="en-US" sz="1400" dirty="0" smtClean="0"/>
-              <a:t>[4] </a:t>
-            </a:r>
-            <a:r>
-              <a:rPr lang="en-US" sz="1400" dirty="0" smtClean="0">
-                <a:hlinkClick r:id="rId5"/>
-              </a:rPr>
-              <a:t>http://1.bp.blogspot.com/_s0SSX3Y2JTw/S-Cv_6lfKVI/AAAAAAAAFE8/SUlrHiF5RUg/s1600/battlezone_1.gif</a:t>
-            </a:r>
-            <a:endParaRPr lang="en-US" sz="1400" dirty="0" smtClean="0"/>
-          </a:p>
-          <a:p>
-            <a:r>
-              <a:rPr lang="en-US" sz="1400" dirty="0" smtClean="0"/>
-              <a:t>[5] </a:t>
-            </a:r>
-            <a:r>
-              <a:rPr lang="en-US" sz="1400" dirty="0" smtClean="0">
-                <a:hlinkClick r:id="rId6"/>
-              </a:rPr>
-              <a:t>http://www.logitech.com/en-us/webcam-communications/webcams/devices/6333</a:t>
-            </a:r>
-            <a:endParaRPr lang="en-US" sz="1400" dirty="0" smtClean="0"/>
-          </a:p>
-          <a:p>
-            <a:pPr>
-              <a:buNone/>
-            </a:pPr>
-            <a:endParaRPr lang="en-US" sz="1800" dirty="0" smtClean="0"/>
-          </a:p>
-          <a:p>
-            <a:endParaRPr lang="en-US" sz="1800" dirty="0" smtClean="0"/>
-          </a:p>
-          <a:p>
-            <a:endParaRPr lang="en-US" sz="1800" dirty="0"/>
-          </a:p>
-        </p:txBody>
-      </p:sp>
+            <a:fld id="{284CB430-D7DB-450E-8FF5-AD4ED9D28849}" type="slidenum">
+              <a:rPr lang="en-US"/>
+              <a:pPr/>
+              <a:t>19</a:t>
+            </a:fld>
+            <a:endParaRPr lang="en-US"/>
+          </a:p>
+        </p:txBody>
+      </p:sp>
+      <p:sp>
+        <p:nvSpPr>
+          <p:cNvPr id="4100" name="Rectangle 4"/>
+          <p:cNvSpPr>
+            <a:spLocks noGrp="1" noChangeArrowheads="1"/>
+          </p:cNvSpPr>
+          <p:nvPr>
+            <p:ph type="title"/>
+          </p:nvPr>
+        </p:nvSpPr>
+        <p:spPr>
+          <a:xfrm>
+            <a:off x="1981200" y="1143000"/>
+            <a:ext cx="6858000" cy="457200"/>
+          </a:xfrm>
+        </p:spPr>
+        <p:txBody>
+          <a:bodyPr/>
+          <a:lstStyle/>
+          <a:p>
+            <a:r>
+              <a:rPr lang="en-US" dirty="0" err="1" smtClean="0"/>
+              <a:t>Lejos</a:t>
+            </a:r>
+            <a:r>
+              <a:rPr lang="en-US" dirty="0" smtClean="0"/>
+              <a:t> Firmware</a:t>
+            </a:r>
+            <a:endParaRPr lang="en-US" b="1" dirty="0"/>
+          </a:p>
+        </p:txBody>
+      </p:sp>
+      <p:sp>
+        <p:nvSpPr>
+          <p:cNvPr id="4101" name="Rectangle 5"/>
+          <p:cNvSpPr>
+            <a:spLocks noGrp="1" noChangeArrowheads="1"/>
+          </p:cNvSpPr>
+          <p:nvPr>
+            <p:ph type="body" idx="1"/>
+          </p:nvPr>
+        </p:nvSpPr>
+        <p:spPr>
+          <a:xfrm>
+            <a:off x="1905000" y="1676400"/>
+            <a:ext cx="3429000" cy="4419600"/>
+          </a:xfrm>
+        </p:spPr>
+        <p:txBody>
+          <a:bodyPr/>
+          <a:lstStyle/>
+          <a:p>
+            <a:r>
+              <a:rPr lang="en-US" dirty="0" smtClean="0"/>
+              <a:t>Open source microprocessor firmware</a:t>
+            </a:r>
+          </a:p>
+          <a:p>
+            <a:r>
+              <a:rPr lang="en-US" dirty="0" smtClean="0"/>
+              <a:t>Provides a JVM for the NXT brick</a:t>
+            </a:r>
+          </a:p>
+          <a:p>
+            <a:r>
+              <a:rPr lang="en-US" dirty="0" smtClean="0"/>
+              <a:t>Has large libraries for position control</a:t>
+            </a:r>
+          </a:p>
+          <a:p>
+            <a:r>
+              <a:rPr lang="en-US" dirty="0" smtClean="0"/>
+              <a:t>Widest support for USB and Bluetooth communication</a:t>
+            </a:r>
+          </a:p>
+          <a:p>
+            <a:endParaRPr lang="en-US" dirty="0" smtClean="0"/>
+          </a:p>
+          <a:p>
+            <a:endParaRPr lang="en-US" dirty="0"/>
+          </a:p>
+        </p:txBody>
+      </p:sp>
+      <p:sp>
+        <p:nvSpPr>
+          <p:cNvPr id="6" name="TextBox 5"/>
+          <p:cNvSpPr txBox="1"/>
+          <p:nvPr/>
+        </p:nvSpPr>
+        <p:spPr>
+          <a:xfrm>
+            <a:off x="5943600" y="2133600"/>
+            <a:ext cx="1143000" cy="461665"/>
+          </a:xfrm>
+          <a:prstGeom prst="rect">
+            <a:avLst/>
+          </a:prstGeom>
+          <a:noFill/>
+        </p:spPr>
+        <p:txBody>
+          <a:bodyPr wrap="square" rtlCol="0">
+            <a:spAutoFit/>
+          </a:bodyPr>
+          <a:lstStyle/>
+          <a:p>
+            <a:r>
+              <a:rPr lang="en-US" dirty="0" smtClean="0"/>
+              <a:t>[</a:t>
+            </a:r>
+            <a:r>
+              <a:rPr lang="en-US" dirty="0" smtClean="0"/>
+              <a:t>m7]</a:t>
+            </a:r>
+            <a:endParaRPr lang="en-CA" dirty="0"/>
+          </a:p>
+        </p:txBody>
+      </p:sp>
+      <p:pic>
+        <p:nvPicPr>
+          <p:cNvPr id="4098" name="Picture 2"/>
+          <p:cNvPicPr>
+            <a:picLocks noChangeAspect="1" noChangeArrowheads="1"/>
+          </p:cNvPicPr>
+          <p:nvPr/>
+        </p:nvPicPr>
+        <p:blipFill>
+          <a:blip r:embed="rId3" cstate="print"/>
+          <a:srcRect/>
+          <a:stretch>
+            <a:fillRect/>
+          </a:stretch>
+        </p:blipFill>
+        <p:spPr bwMode="auto">
+          <a:xfrm>
+            <a:off x="5867400" y="1295400"/>
+            <a:ext cx="2476500" cy="685800"/>
+          </a:xfrm>
+          <a:prstGeom prst="rect">
+            <a:avLst/>
+          </a:prstGeom>
+          <a:noFill/>
+          <a:ln w="9525">
+            <a:noFill/>
+            <a:miter lim="800000"/>
+            <a:headEnd/>
+            <a:tailEnd/>
+          </a:ln>
+        </p:spPr>
+      </p:pic>
     </p:spTree>
   </p:cSld>
   <p:clrMapOvr>
@@ -4863,6 +6393,719 @@
             <a:endParaRPr lang="en-US" sz="1800" dirty="0">
               <a:latin typeface="+mn-lt"/>
             </a:endParaRPr>
+          </a:p>
+        </p:txBody>
+      </p:sp>
+    </p:spTree>
+  </p:cSld>
+  <p:clrMapOvr>
+    <a:masterClrMapping/>
+  </p:clrMapOvr>
+</p:sld>
+</file>
+
+<file path=ppt/slides/slide20.xml><?xml version="1.0" encoding="utf-8"?>
+<p:sld xmlns:a="http://schemas.openxmlformats.org/drawingml/2006/main" xmlns:r="http://schemas.openxmlformats.org/officeDocument/2006/relationships" xmlns:p="http://schemas.openxmlformats.org/presentationml/2006/main">
+  <p:cSld>
+    <p:spTree>
+      <p:nvGrpSpPr>
+        <p:cNvPr id="1" name=""/>
+        <p:cNvGrpSpPr/>
+        <p:nvPr/>
+      </p:nvGrpSpPr>
+      <p:grpSpPr>
+        <a:xfrm>
+          <a:off x="0" y="0"/>
+          <a:ext cx="0" cy="0"/>
+          <a:chOff x="0" y="0"/>
+          <a:chExt cx="0" cy="0"/>
+        </a:xfrm>
+      </p:grpSpPr>
+      <p:sp>
+        <p:nvSpPr>
+          <p:cNvPr id="4" name="Slide Number Placeholder 3"/>
+          <p:cNvSpPr>
+            <a:spLocks noGrp="1"/>
+          </p:cNvSpPr>
+          <p:nvPr>
+            <p:ph type="sldNum" sz="quarter" idx="10"/>
+          </p:nvPr>
+        </p:nvSpPr>
+        <p:spPr/>
+        <p:txBody>
+          <a:bodyPr/>
+          <a:lstStyle/>
+          <a:p>
+            <a:fld id="{284CB430-D7DB-450E-8FF5-AD4ED9D28849}" type="slidenum">
+              <a:rPr lang="en-US"/>
+              <a:pPr/>
+              <a:t>20</a:t>
+            </a:fld>
+            <a:endParaRPr lang="en-US"/>
+          </a:p>
+        </p:txBody>
+      </p:sp>
+      <p:sp>
+        <p:nvSpPr>
+          <p:cNvPr id="4100" name="Rectangle 4"/>
+          <p:cNvSpPr>
+            <a:spLocks noGrp="1" noChangeArrowheads="1"/>
+          </p:cNvSpPr>
+          <p:nvPr>
+            <p:ph type="title"/>
+          </p:nvPr>
+        </p:nvSpPr>
+        <p:spPr>
+          <a:xfrm>
+            <a:off x="1981200" y="1143000"/>
+            <a:ext cx="6858000" cy="457200"/>
+          </a:xfrm>
+        </p:spPr>
+        <p:txBody>
+          <a:bodyPr/>
+          <a:lstStyle/>
+          <a:p>
+            <a:r>
+              <a:rPr lang="en-US" dirty="0" smtClean="0"/>
+              <a:t>Controls and Positioning</a:t>
+            </a:r>
+            <a:endParaRPr lang="en-US" b="1" dirty="0"/>
+          </a:p>
+        </p:txBody>
+      </p:sp>
+      <p:sp>
+        <p:nvSpPr>
+          <p:cNvPr id="4101" name="Rectangle 5"/>
+          <p:cNvSpPr>
+            <a:spLocks noGrp="1" noChangeArrowheads="1"/>
+          </p:cNvSpPr>
+          <p:nvPr>
+            <p:ph type="body" idx="1"/>
+          </p:nvPr>
+        </p:nvSpPr>
+        <p:spPr>
+          <a:xfrm>
+            <a:off x="1905000" y="1676400"/>
+            <a:ext cx="3429000" cy="4419600"/>
+          </a:xfrm>
+        </p:spPr>
+        <p:txBody>
+          <a:bodyPr/>
+          <a:lstStyle/>
+          <a:p>
+            <a:r>
+              <a:rPr lang="en-US" dirty="0" smtClean="0"/>
+              <a:t>Commands are received over Bluetooth</a:t>
+            </a:r>
+          </a:p>
+          <a:p>
+            <a:r>
+              <a:rPr lang="en-US" dirty="0" smtClean="0"/>
+              <a:t>They are interpreted and the corresponding wheel movements are performed</a:t>
+            </a:r>
+          </a:p>
+          <a:p>
+            <a:r>
+              <a:rPr lang="en-US" dirty="0" err="1" smtClean="0"/>
+              <a:t>Lejos</a:t>
+            </a:r>
+            <a:r>
+              <a:rPr lang="en-US" dirty="0" smtClean="0"/>
+              <a:t> Navigator provides positioning within </a:t>
+            </a:r>
+            <a:r>
+              <a:rPr lang="en-US" dirty="0" smtClean="0">
+                <a:latin typeface="Calibri"/>
+              </a:rPr>
+              <a:t>±2%</a:t>
+            </a:r>
+            <a:endParaRPr lang="en-US" dirty="0" smtClean="0"/>
+          </a:p>
+          <a:p>
+            <a:endParaRPr lang="en-US" dirty="0"/>
+          </a:p>
+        </p:txBody>
+      </p:sp>
+      <p:sp>
+        <p:nvSpPr>
+          <p:cNvPr id="6" name="TextBox 5"/>
+          <p:cNvSpPr txBox="1"/>
+          <p:nvPr/>
+        </p:nvSpPr>
+        <p:spPr>
+          <a:xfrm>
+            <a:off x="5943600" y="2133600"/>
+            <a:ext cx="1143000" cy="461665"/>
+          </a:xfrm>
+          <a:prstGeom prst="rect">
+            <a:avLst/>
+          </a:prstGeom>
+          <a:noFill/>
+        </p:spPr>
+        <p:txBody>
+          <a:bodyPr wrap="square" rtlCol="0">
+            <a:spAutoFit/>
+          </a:bodyPr>
+          <a:lstStyle/>
+          <a:p>
+            <a:r>
+              <a:rPr lang="en-US" dirty="0" smtClean="0"/>
+              <a:t>[</a:t>
+            </a:r>
+            <a:r>
+              <a:rPr lang="en-US" dirty="0" smtClean="0"/>
+              <a:t>m7]</a:t>
+            </a:r>
+            <a:endParaRPr lang="en-CA" dirty="0"/>
+          </a:p>
+        </p:txBody>
+      </p:sp>
+      <p:pic>
+        <p:nvPicPr>
+          <p:cNvPr id="4098" name="Picture 2"/>
+          <p:cNvPicPr>
+            <a:picLocks noChangeAspect="1" noChangeArrowheads="1"/>
+          </p:cNvPicPr>
+          <p:nvPr/>
+        </p:nvPicPr>
+        <p:blipFill>
+          <a:blip r:embed="rId3" cstate="print"/>
+          <a:srcRect/>
+          <a:stretch>
+            <a:fillRect/>
+          </a:stretch>
+        </p:blipFill>
+        <p:spPr bwMode="auto">
+          <a:xfrm>
+            <a:off x="5867400" y="1295400"/>
+            <a:ext cx="2476500" cy="685800"/>
+          </a:xfrm>
+          <a:prstGeom prst="rect">
+            <a:avLst/>
+          </a:prstGeom>
+          <a:noFill/>
+          <a:ln w="9525">
+            <a:noFill/>
+            <a:miter lim="800000"/>
+            <a:headEnd/>
+            <a:tailEnd/>
+          </a:ln>
+        </p:spPr>
+      </p:pic>
+    </p:spTree>
+  </p:cSld>
+  <p:clrMapOvr>
+    <a:masterClrMapping/>
+  </p:clrMapOvr>
+</p:sld>
+</file>
+
+<file path=ppt/slides/slide21.xml><?xml version="1.0" encoding="utf-8"?>
+<p:sld xmlns:a="http://schemas.openxmlformats.org/drawingml/2006/main" xmlns:r="http://schemas.openxmlformats.org/officeDocument/2006/relationships" xmlns:p="http://schemas.openxmlformats.org/presentationml/2006/main">
+  <p:cSld>
+    <p:spTree>
+      <p:nvGrpSpPr>
+        <p:cNvPr id="1" name=""/>
+        <p:cNvGrpSpPr/>
+        <p:nvPr/>
+      </p:nvGrpSpPr>
+      <p:grpSpPr>
+        <a:xfrm>
+          <a:off x="0" y="0"/>
+          <a:ext cx="0" cy="0"/>
+          <a:chOff x="0" y="0"/>
+          <a:chExt cx="0" cy="0"/>
+        </a:xfrm>
+      </p:grpSpPr>
+      <p:sp>
+        <p:nvSpPr>
+          <p:cNvPr id="4" name="Slide Number Placeholder 3"/>
+          <p:cNvSpPr>
+            <a:spLocks noGrp="1"/>
+          </p:cNvSpPr>
+          <p:nvPr>
+            <p:ph type="sldNum" sz="quarter" idx="10"/>
+          </p:nvPr>
+        </p:nvSpPr>
+        <p:spPr/>
+        <p:txBody>
+          <a:bodyPr/>
+          <a:lstStyle/>
+          <a:p>
+            <a:fld id="{284CB430-D7DB-450E-8FF5-AD4ED9D28849}" type="slidenum">
+              <a:rPr lang="en-US"/>
+              <a:pPr/>
+              <a:t>21</a:t>
+            </a:fld>
+            <a:endParaRPr lang="en-US"/>
+          </a:p>
+        </p:txBody>
+      </p:sp>
+      <p:sp>
+        <p:nvSpPr>
+          <p:cNvPr id="4100" name="Rectangle 4"/>
+          <p:cNvSpPr>
+            <a:spLocks noGrp="1" noChangeArrowheads="1"/>
+          </p:cNvSpPr>
+          <p:nvPr>
+            <p:ph type="title"/>
+          </p:nvPr>
+        </p:nvSpPr>
+        <p:spPr>
+          <a:xfrm>
+            <a:off x="1981200" y="1143000"/>
+            <a:ext cx="6858000" cy="457200"/>
+          </a:xfrm>
+        </p:spPr>
+        <p:txBody>
+          <a:bodyPr/>
+          <a:lstStyle/>
+          <a:p>
+            <a:r>
+              <a:rPr lang="en-US" dirty="0" smtClean="0"/>
+              <a:t>Error Correction And The Grid</a:t>
+            </a:r>
+            <a:endParaRPr lang="en-US" b="1" dirty="0"/>
+          </a:p>
+        </p:txBody>
+      </p:sp>
+      <p:sp>
+        <p:nvSpPr>
+          <p:cNvPr id="4101" name="Rectangle 5"/>
+          <p:cNvSpPr>
+            <a:spLocks noGrp="1" noChangeArrowheads="1"/>
+          </p:cNvSpPr>
+          <p:nvPr>
+            <p:ph type="body" idx="1"/>
+          </p:nvPr>
+        </p:nvSpPr>
+        <p:spPr>
+          <a:xfrm>
+            <a:off x="1905000" y="1676400"/>
+            <a:ext cx="3429000" cy="4419600"/>
+          </a:xfrm>
+        </p:spPr>
+        <p:txBody>
+          <a:bodyPr/>
+          <a:lstStyle/>
+          <a:p>
+            <a:r>
+              <a:rPr lang="en-US" dirty="0" smtClean="0"/>
+              <a:t>Errors will be compounded thus must be corrected</a:t>
+            </a:r>
+          </a:p>
+          <a:p>
+            <a:r>
+              <a:rPr lang="en-US" dirty="0" err="1" smtClean="0"/>
+              <a:t>Colour</a:t>
+            </a:r>
+            <a:r>
+              <a:rPr lang="en-US" dirty="0" smtClean="0"/>
+              <a:t> Sensor and the grid are used in tandem</a:t>
+            </a:r>
+          </a:p>
+          <a:p>
+            <a:r>
+              <a:rPr lang="en-US" dirty="0" smtClean="0"/>
+              <a:t>Provides position within </a:t>
+            </a:r>
+            <a:r>
+              <a:rPr lang="en-US" dirty="0" smtClean="0">
+                <a:latin typeface="Calibri"/>
+              </a:rPr>
+              <a:t>±</a:t>
+            </a:r>
+            <a:r>
+              <a:rPr lang="en-US" dirty="0" smtClean="0"/>
+              <a:t>3mm</a:t>
+            </a:r>
+          </a:p>
+          <a:p>
+            <a:endParaRPr lang="en-US" dirty="0"/>
+          </a:p>
+        </p:txBody>
+      </p:sp>
+      <p:pic>
+        <p:nvPicPr>
+          <p:cNvPr id="5122" name="Picture 2"/>
+          <p:cNvPicPr>
+            <a:picLocks noChangeAspect="1" noChangeArrowheads="1"/>
+          </p:cNvPicPr>
+          <p:nvPr/>
+        </p:nvPicPr>
+        <p:blipFill>
+          <a:blip r:embed="rId3" cstate="print"/>
+          <a:srcRect/>
+          <a:stretch>
+            <a:fillRect/>
+          </a:stretch>
+        </p:blipFill>
+        <p:spPr bwMode="auto">
+          <a:xfrm>
+            <a:off x="6172200" y="1752600"/>
+            <a:ext cx="1666875" cy="2647950"/>
+          </a:xfrm>
+          <a:prstGeom prst="rect">
+            <a:avLst/>
+          </a:prstGeom>
+          <a:noFill/>
+          <a:ln w="9525">
+            <a:noFill/>
+            <a:miter lim="800000"/>
+            <a:headEnd/>
+            <a:tailEnd/>
+          </a:ln>
+        </p:spPr>
+      </p:pic>
+    </p:spTree>
+  </p:cSld>
+  <p:clrMapOvr>
+    <a:masterClrMapping/>
+  </p:clrMapOvr>
+</p:sld>
+</file>
+
+<file path=ppt/slides/slide22.xml><?xml version="1.0" encoding="utf-8"?>
+<p:sld xmlns:a="http://schemas.openxmlformats.org/drawingml/2006/main" xmlns:r="http://schemas.openxmlformats.org/officeDocument/2006/relationships" xmlns:p="http://schemas.openxmlformats.org/presentationml/2006/main">
+  <p:cSld>
+    <p:spTree>
+      <p:nvGrpSpPr>
+        <p:cNvPr id="1" name=""/>
+        <p:cNvGrpSpPr/>
+        <p:nvPr/>
+      </p:nvGrpSpPr>
+      <p:grpSpPr>
+        <a:xfrm>
+          <a:off x="0" y="0"/>
+          <a:ext cx="0" cy="0"/>
+          <a:chOff x="0" y="0"/>
+          <a:chExt cx="0" cy="0"/>
+        </a:xfrm>
+      </p:grpSpPr>
+      <p:sp>
+        <p:nvSpPr>
+          <p:cNvPr id="4" name="Slide Number Placeholder 3"/>
+          <p:cNvSpPr>
+            <a:spLocks noGrp="1"/>
+          </p:cNvSpPr>
+          <p:nvPr>
+            <p:ph type="sldNum" sz="quarter" idx="10"/>
+          </p:nvPr>
+        </p:nvSpPr>
+        <p:spPr/>
+        <p:txBody>
+          <a:bodyPr/>
+          <a:lstStyle/>
+          <a:p>
+            <a:fld id="{284CB430-D7DB-450E-8FF5-AD4ED9D28849}" type="slidenum">
+              <a:rPr lang="en-US"/>
+              <a:pPr/>
+              <a:t>22</a:t>
+            </a:fld>
+            <a:endParaRPr lang="en-US"/>
+          </a:p>
+        </p:txBody>
+      </p:sp>
+      <p:sp>
+        <p:nvSpPr>
+          <p:cNvPr id="4100" name="Rectangle 4"/>
+          <p:cNvSpPr>
+            <a:spLocks noGrp="1" noChangeArrowheads="1"/>
+          </p:cNvSpPr>
+          <p:nvPr>
+            <p:ph type="title"/>
+          </p:nvPr>
+        </p:nvSpPr>
+        <p:spPr/>
+        <p:txBody>
+          <a:bodyPr/>
+          <a:lstStyle/>
+          <a:p>
+            <a:r>
+              <a:rPr lang="en-US" dirty="0" smtClean="0"/>
+              <a:t>References</a:t>
+            </a:r>
+            <a:endParaRPr lang="en-US" dirty="0"/>
+          </a:p>
+        </p:txBody>
+      </p:sp>
+      <p:sp>
+        <p:nvSpPr>
+          <p:cNvPr id="4101" name="Rectangle 5"/>
+          <p:cNvSpPr>
+            <a:spLocks noGrp="1" noChangeArrowheads="1"/>
+          </p:cNvSpPr>
+          <p:nvPr>
+            <p:ph type="body" idx="1"/>
+          </p:nvPr>
+        </p:nvSpPr>
+        <p:spPr/>
+        <p:txBody>
+          <a:bodyPr/>
+          <a:lstStyle/>
+          <a:p>
+            <a:r>
+              <a:rPr lang="en-US" sz="1400" dirty="0" smtClean="0"/>
+              <a:t>[1] </a:t>
+            </a:r>
+            <a:r>
+              <a:rPr lang="en-US" sz="1400" dirty="0" smtClean="0">
+                <a:hlinkClick r:id="rId2"/>
+              </a:rPr>
+              <a:t>http://www.htc.com/www/product/desire/specification.html</a:t>
+            </a:r>
+            <a:endParaRPr lang="en-US" sz="1400" dirty="0" smtClean="0"/>
+          </a:p>
+          <a:p>
+            <a:r>
+              <a:rPr lang="en-US" sz="1400" dirty="0" smtClean="0"/>
+              <a:t>[2] </a:t>
+            </a:r>
+            <a:r>
+              <a:rPr lang="en-US" sz="1400" dirty="0" smtClean="0">
+                <a:hlinkClick r:id="rId3"/>
+              </a:rPr>
+              <a:t>http://mindstorms.lego.com/en-us/products/default.aspx</a:t>
+            </a:r>
+            <a:endParaRPr lang="en-US" sz="1400" dirty="0" smtClean="0"/>
+          </a:p>
+          <a:p>
+            <a:r>
+              <a:rPr lang="en-US" sz="1400" dirty="0" smtClean="0"/>
+              <a:t>[3] </a:t>
+            </a:r>
+            <a:r>
+              <a:rPr lang="en-US" sz="1400" dirty="0" smtClean="0">
+                <a:hlinkClick r:id="rId4"/>
+              </a:rPr>
+              <a:t>http://static.guim.co.uk/sys-images/Technology/Pix/pictures/2009/4/21/1240307015871/Tron-001.jpg</a:t>
+            </a:r>
+            <a:endParaRPr lang="en-US" sz="1400" dirty="0" smtClean="0"/>
+          </a:p>
+          <a:p>
+            <a:r>
+              <a:rPr lang="en-US" sz="1400" dirty="0" smtClean="0"/>
+              <a:t>[4] </a:t>
+            </a:r>
+            <a:r>
+              <a:rPr lang="en-US" sz="1400" dirty="0" smtClean="0">
+                <a:hlinkClick r:id="rId5"/>
+              </a:rPr>
+              <a:t>http://1.bp.blogspot.com/_s0SSX3Y2JTw/S-Cv_6lfKVI/AAAAAAAAFE8/SUlrHiF5RUg/s1600/battlezone_1.gif</a:t>
+            </a:r>
+            <a:endParaRPr lang="en-US" sz="1400" dirty="0" smtClean="0"/>
+          </a:p>
+          <a:p>
+            <a:r>
+              <a:rPr lang="en-US" sz="1400" dirty="0" smtClean="0"/>
+              <a:t>[5] </a:t>
+            </a:r>
+            <a:r>
+              <a:rPr lang="en-US" sz="1400" dirty="0" smtClean="0">
+                <a:hlinkClick r:id="rId6"/>
+              </a:rPr>
+              <a:t>http://</a:t>
+            </a:r>
+            <a:r>
+              <a:rPr lang="en-US" sz="1400" dirty="0" smtClean="0">
+                <a:hlinkClick r:id="rId6"/>
+              </a:rPr>
+              <a:t>www.logitech.com/en-us/webcam-communications/webcams/devices/6333</a:t>
+            </a:r>
+            <a:endParaRPr lang="en-US" sz="1400" dirty="0" smtClean="0"/>
+          </a:p>
+          <a:p>
+            <a:r>
+              <a:rPr lang="en-US" sz="1400" dirty="0" smtClean="0"/>
+              <a:t>[</a:t>
+            </a:r>
+            <a:r>
+              <a:rPr lang="en-US" sz="1400" dirty="0" smtClean="0"/>
+              <a:t>m1] http://shop.lego.com/Product/?p=9841</a:t>
+            </a:r>
+            <a:endParaRPr lang="en-US" sz="1400" dirty="0" smtClean="0"/>
+          </a:p>
+          <a:p>
+            <a:r>
+              <a:rPr lang="en-US" sz="1400" dirty="0" smtClean="0"/>
+              <a:t>[m2] </a:t>
+            </a:r>
+            <a:r>
+              <a:rPr lang="en-US" sz="1400" dirty="0" smtClean="0">
+                <a:hlinkClick r:id="rId7"/>
+              </a:rPr>
+              <a:t>http://</a:t>
+            </a:r>
+            <a:r>
+              <a:rPr lang="en-US" sz="1400" dirty="0" smtClean="0">
+                <a:hlinkClick r:id="rId7"/>
+              </a:rPr>
+              <a:t>engk12.ece.missouri.edu/LegoCamp/pictures/NXT%20Robots/LEGO%20NXT%20Brick.jpg</a:t>
+            </a:r>
+            <a:endParaRPr lang="en-US" sz="1400" dirty="0" smtClean="0"/>
+          </a:p>
+          <a:p>
+            <a:r>
+              <a:rPr lang="en-US" sz="1400" dirty="0" smtClean="0"/>
+              <a:t>[m3] </a:t>
+            </a:r>
+            <a:r>
+              <a:rPr lang="en-US" sz="1400" dirty="0" smtClean="0">
+                <a:hlinkClick r:id="rId8"/>
+              </a:rPr>
+              <a:t>http://</a:t>
+            </a:r>
+            <a:r>
+              <a:rPr lang="en-US" sz="1400" dirty="0" smtClean="0">
+                <a:hlinkClick r:id="rId8"/>
+              </a:rPr>
+              <a:t>www.philohome.com/nxtmotor/nxtmotor.htm</a:t>
+            </a:r>
+            <a:endParaRPr lang="en-US" sz="1400" dirty="0" smtClean="0"/>
+          </a:p>
+          <a:p>
+            <a:r>
+              <a:rPr lang="en-US" sz="1400" dirty="0" smtClean="0"/>
+              <a:t>[</a:t>
+            </a:r>
+            <a:r>
+              <a:rPr lang="en-US" sz="1400" dirty="0" smtClean="0"/>
+              <a:t>m4] http://www.hitechnic.com/cgi-bin/commerce.cgi?preadd=action&amp;key=NCO1038</a:t>
+            </a:r>
+            <a:endParaRPr lang="en-US" sz="1400" dirty="0" smtClean="0"/>
+          </a:p>
+          <a:p>
+            <a:r>
+              <a:rPr lang="en-US" sz="1400" dirty="0" smtClean="0"/>
+              <a:t>[m5] http://shop.lego.com/ByTheme/Product.aspx?p=9846&amp;cn=17</a:t>
+            </a:r>
+            <a:endParaRPr lang="en-US" sz="1400" dirty="0" smtClean="0"/>
+          </a:p>
+          <a:p>
+            <a:endParaRPr lang="en-US" sz="1400" dirty="0" smtClean="0"/>
+          </a:p>
+          <a:p>
+            <a:pPr>
+              <a:buNone/>
+            </a:pPr>
+            <a:endParaRPr lang="en-US" sz="1800" dirty="0" smtClean="0"/>
+          </a:p>
+          <a:p>
+            <a:endParaRPr lang="en-US" sz="1800" dirty="0" smtClean="0"/>
+          </a:p>
+          <a:p>
+            <a:endParaRPr lang="en-US" sz="1800" dirty="0"/>
+          </a:p>
+        </p:txBody>
+      </p:sp>
+    </p:spTree>
+  </p:cSld>
+  <p:clrMapOvr>
+    <a:masterClrMapping/>
+  </p:clrMapOvr>
+</p:sld>
+</file>
+
+<file path=ppt/slides/slide23.xml><?xml version="1.0" encoding="utf-8"?>
+<p:sld xmlns:a="http://schemas.openxmlformats.org/drawingml/2006/main" xmlns:r="http://schemas.openxmlformats.org/officeDocument/2006/relationships" xmlns:p="http://schemas.openxmlformats.org/presentationml/2006/main">
+  <p:cSld>
+    <p:spTree>
+      <p:nvGrpSpPr>
+        <p:cNvPr id="1" name=""/>
+        <p:cNvGrpSpPr/>
+        <p:nvPr/>
+      </p:nvGrpSpPr>
+      <p:grpSpPr>
+        <a:xfrm>
+          <a:off x="0" y="0"/>
+          <a:ext cx="0" cy="0"/>
+          <a:chOff x="0" y="0"/>
+          <a:chExt cx="0" cy="0"/>
+        </a:xfrm>
+      </p:grpSpPr>
+      <p:sp>
+        <p:nvSpPr>
+          <p:cNvPr id="4" name="Slide Number Placeholder 3"/>
+          <p:cNvSpPr>
+            <a:spLocks noGrp="1"/>
+          </p:cNvSpPr>
+          <p:nvPr>
+            <p:ph type="sldNum" sz="quarter" idx="10"/>
+          </p:nvPr>
+        </p:nvSpPr>
+        <p:spPr/>
+        <p:txBody>
+          <a:bodyPr/>
+          <a:lstStyle/>
+          <a:p>
+            <a:fld id="{284CB430-D7DB-450E-8FF5-AD4ED9D28849}" type="slidenum">
+              <a:rPr lang="en-US"/>
+              <a:pPr/>
+              <a:t>23</a:t>
+            </a:fld>
+            <a:endParaRPr lang="en-US"/>
+          </a:p>
+        </p:txBody>
+      </p:sp>
+      <p:sp>
+        <p:nvSpPr>
+          <p:cNvPr id="4100" name="Rectangle 4"/>
+          <p:cNvSpPr>
+            <a:spLocks noGrp="1" noChangeArrowheads="1"/>
+          </p:cNvSpPr>
+          <p:nvPr>
+            <p:ph type="title"/>
+          </p:nvPr>
+        </p:nvSpPr>
+        <p:spPr/>
+        <p:txBody>
+          <a:bodyPr/>
+          <a:lstStyle/>
+          <a:p>
+            <a:r>
+              <a:rPr lang="en-US" dirty="0" smtClean="0"/>
+              <a:t>References</a:t>
+            </a:r>
+            <a:endParaRPr lang="en-US" dirty="0"/>
+          </a:p>
+        </p:txBody>
+      </p:sp>
+      <p:sp>
+        <p:nvSpPr>
+          <p:cNvPr id="4101" name="Rectangle 5"/>
+          <p:cNvSpPr>
+            <a:spLocks noGrp="1" noChangeArrowheads="1"/>
+          </p:cNvSpPr>
+          <p:nvPr>
+            <p:ph type="body" idx="1"/>
+          </p:nvPr>
+        </p:nvSpPr>
+        <p:spPr/>
+        <p:txBody>
+          <a:bodyPr/>
+          <a:lstStyle/>
+          <a:p>
+            <a:r>
+              <a:rPr lang="en-US" sz="1400" dirty="0" smtClean="0"/>
+              <a:t>[m6</a:t>
+            </a:r>
+            <a:r>
+              <a:rPr lang="en-US" sz="1400" dirty="0" smtClean="0"/>
+              <a:t>] http://pirate.shu.edu/~wachsmut/Teaching/CSAS3085/images/nxt-brick-labeled.jpg</a:t>
+            </a:r>
+            <a:endParaRPr lang="en-US" sz="1400" dirty="0" smtClean="0"/>
+          </a:p>
+          <a:p>
+            <a:pPr>
+              <a:buNone/>
+            </a:pPr>
+            <a:endParaRPr lang="en-US" sz="1800" dirty="0" smtClean="0"/>
+          </a:p>
+          <a:p>
+            <a:endParaRPr lang="en-US" sz="1800" dirty="0" smtClean="0"/>
+          </a:p>
+          <a:p>
+            <a:endParaRPr lang="en-US" sz="1800" dirty="0"/>
           </a:p>
         </p:txBody>
       </p:sp>

--- a/docs/presentation_slides/RoboWarsPresentation_AlexCraig.pptx
+++ b/docs/presentation_slides/RoboWarsPresentation_AlexCraig.pptx
@@ -5,27 +5,29 @@
     <p:sldMasterId id="2147483648" r:id="rId1"/>
   </p:sldMasterIdLst>
   <p:notesMasterIdLst>
-    <p:notesMasterId r:id="rId17"/>
+    <p:notesMasterId r:id="rId19"/>
   </p:notesMasterIdLst>
   <p:handoutMasterIdLst>
-    <p:handoutMasterId r:id="rId18"/>
+    <p:handoutMasterId r:id="rId20"/>
   </p:handoutMasterIdLst>
   <p:sldIdLst>
     <p:sldId id="256" r:id="rId2"/>
     <p:sldId id="258" r:id="rId3"/>
     <p:sldId id="271" r:id="rId4"/>
     <p:sldId id="264" r:id="rId5"/>
-    <p:sldId id="262" r:id="rId6"/>
-    <p:sldId id="257" r:id="rId7"/>
-    <p:sldId id="266" r:id="rId8"/>
-    <p:sldId id="267" r:id="rId9"/>
-    <p:sldId id="268" r:id="rId10"/>
-    <p:sldId id="269" r:id="rId11"/>
-    <p:sldId id="265" r:id="rId12"/>
-    <p:sldId id="272" r:id="rId13"/>
-    <p:sldId id="273" r:id="rId14"/>
-    <p:sldId id="274" r:id="rId15"/>
-    <p:sldId id="263" r:id="rId16"/>
+    <p:sldId id="269" r:id="rId6"/>
+    <p:sldId id="262" r:id="rId7"/>
+    <p:sldId id="257" r:id="rId8"/>
+    <p:sldId id="266" r:id="rId9"/>
+    <p:sldId id="267" r:id="rId10"/>
+    <p:sldId id="268" r:id="rId11"/>
+    <p:sldId id="275" r:id="rId12"/>
+    <p:sldId id="265" r:id="rId13"/>
+    <p:sldId id="276" r:id="rId14"/>
+    <p:sldId id="272" r:id="rId15"/>
+    <p:sldId id="273" r:id="rId16"/>
+    <p:sldId id="274" r:id="rId17"/>
+    <p:sldId id="263" r:id="rId18"/>
   </p:sldIdLst>
   <p:sldSz cx="9144000" cy="6858000" type="screen4x3"/>
   <p:notesSz cx="6858000" cy="9144000"/>
@@ -1057,6 +1059,9 @@
   <p:clrMapOvr>
     <a:masterClrMapping/>
   </p:clrMapOvr>
+  <p:transition>
+    <p:fade/>
+  </p:transition>
 </p:sldLayout>
 </file>
 
@@ -1185,6 +1190,9 @@
   <p:clrMapOvr>
     <a:masterClrMapping/>
   </p:clrMapOvr>
+  <p:transition>
+    <p:fade/>
+  </p:transition>
 </p:sldLayout>
 </file>
 
@@ -1323,6 +1331,9 @@
   <p:clrMapOvr>
     <a:masterClrMapping/>
   </p:clrMapOvr>
+  <p:transition>
+    <p:fade/>
+  </p:transition>
 </p:sldLayout>
 </file>
 
@@ -1451,6 +1462,9 @@
   <p:clrMapOvr>
     <a:masterClrMapping/>
   </p:clrMapOvr>
+  <p:transition>
+    <p:fade/>
+  </p:transition>
 </p:sldLayout>
 </file>
 
@@ -1601,6 +1615,9 @@
   <p:clrMapOvr>
     <a:masterClrMapping/>
   </p:clrMapOvr>
+  <p:transition>
+    <p:fade/>
+  </p:transition>
 </p:sldLayout>
 </file>
 
@@ -1847,6 +1864,9 @@
   <p:clrMapOvr>
     <a:masterClrMapping/>
   </p:clrMapOvr>
+  <p:transition>
+    <p:fade/>
+  </p:transition>
 </p:sldLayout>
 </file>
 
@@ -2232,6 +2252,9 @@
   <p:clrMapOvr>
     <a:masterClrMapping/>
   </p:clrMapOvr>
+  <p:transition>
+    <p:fade/>
+  </p:transition>
 </p:sldLayout>
 </file>
 
@@ -2308,6 +2331,9 @@
   <p:clrMapOvr>
     <a:masterClrMapping/>
   </p:clrMapOvr>
+  <p:transition>
+    <p:fade/>
+  </p:transition>
 </p:sldLayout>
 </file>
 
@@ -2361,6 +2387,9 @@
   <p:clrMapOvr>
     <a:masterClrMapping/>
   </p:clrMapOvr>
+  <p:transition>
+    <p:fade/>
+  </p:transition>
 </p:sldLayout>
 </file>
 
@@ -2596,6 +2625,9 @@
   <p:clrMapOvr>
     <a:masterClrMapping/>
   </p:clrMapOvr>
+  <p:transition>
+    <p:fade/>
+  </p:transition>
 </p:sldLayout>
 </file>
 
@@ -2807,6 +2839,9 @@
   <p:clrMapOvr>
     <a:masterClrMapping/>
   </p:clrMapOvr>
+  <p:transition>
+    <p:fade/>
+  </p:transition>
 </p:sldLayout>
 </file>
 
@@ -3146,6 +3181,9 @@
     <p:sldLayoutId id="2147483658" r:id="rId10"/>
     <p:sldLayoutId id="2147483659" r:id="rId11"/>
   </p:sldLayoutIdLst>
+  <p:transition>
+    <p:fade/>
+  </p:transition>
   <p:hf hdr="0" ftr="0" dt="0"/>
   <p:txStyles>
     <p:titleStyle>
@@ -3686,6 +3724,9 @@
   <p:clrMapOvr>
     <a:masterClrMapping/>
   </p:clrMapOvr>
+  <p:transition>
+    <p:fade/>
+  </p:transition>
 </p:sld>
 </file>
 
@@ -3747,7 +3788,122 @@
           <a:p>
             <a:r>
               <a:rPr lang="en-US" dirty="0" smtClean="0"/>
-              <a:t>System Architecture</a:t>
+              <a:t>Solution – How it Works</a:t>
+            </a:r>
+            <a:endParaRPr lang="en-US" dirty="0"/>
+          </a:p>
+        </p:txBody>
+      </p:sp>
+      <p:sp>
+        <p:nvSpPr>
+          <p:cNvPr id="4101" name="Rectangle 5"/>
+          <p:cNvSpPr>
+            <a:spLocks noGrp="1" noChangeArrowheads="1"/>
+          </p:cNvSpPr>
+          <p:nvPr>
+            <p:ph type="body" idx="1"/>
+          </p:nvPr>
+        </p:nvSpPr>
+        <p:spPr>
+          <a:xfrm>
+            <a:off x="1981200" y="1676400"/>
+            <a:ext cx="6858000" cy="4419600"/>
+          </a:xfrm>
+        </p:spPr>
+        <p:txBody>
+          <a:bodyPr/>
+          <a:lstStyle/>
+          <a:p>
+            <a:r>
+              <a:rPr lang="en-US" dirty="0" smtClean="0"/>
+              <a:t>The mobile client uses OpenGL to render 3D imagery corresponding to the virtual world state on top of the received live video feed.</a:t>
+            </a:r>
+          </a:p>
+          <a:p>
+            <a:endParaRPr lang="en-US" dirty="0" smtClean="0"/>
+          </a:p>
+          <a:p>
+            <a:r>
+              <a:rPr lang="en-US" dirty="0" smtClean="0"/>
+              <a:t>The end user uses either an on-screen button display or the tilt sensors in their smartphone to send movement commands to their paired robot.</a:t>
+            </a:r>
+          </a:p>
+        </p:txBody>
+      </p:sp>
+    </p:spTree>
+  </p:cSld>
+  <p:clrMapOvr>
+    <a:masterClrMapping/>
+  </p:clrMapOvr>
+  <p:transition>
+    <p:fade/>
+  </p:transition>
+</p:sld>
+</file>
+
+<file path=ppt/slides/slide11.xml><?xml version="1.0" encoding="utf-8"?>
+<p:sld xmlns:a="http://schemas.openxmlformats.org/drawingml/2006/main" xmlns:r="http://schemas.openxmlformats.org/officeDocument/2006/relationships" xmlns:p="http://schemas.openxmlformats.org/presentationml/2006/main">
+  <p:cSld>
+    <p:spTree>
+      <p:nvGrpSpPr>
+        <p:cNvPr id="1" name=""/>
+        <p:cNvGrpSpPr/>
+        <p:nvPr/>
+      </p:nvGrpSpPr>
+      <p:grpSpPr>
+        <a:xfrm>
+          <a:off x="0" y="0"/>
+          <a:ext cx="0" cy="0"/>
+          <a:chOff x="0" y="0"/>
+          <a:chExt cx="0" cy="0"/>
+        </a:xfrm>
+      </p:grpSpPr>
+      <p:sp>
+        <p:nvSpPr>
+          <p:cNvPr id="4" name="Slide Number Placeholder 3"/>
+          <p:cNvSpPr>
+            <a:spLocks noGrp="1"/>
+          </p:cNvSpPr>
+          <p:nvPr>
+            <p:ph type="sldNum" sz="quarter" idx="10"/>
+          </p:nvPr>
+        </p:nvSpPr>
+        <p:spPr/>
+        <p:txBody>
+          <a:bodyPr/>
+          <a:lstStyle/>
+          <a:p>
+            <a:fld id="{284CB430-D7DB-450E-8FF5-AD4ED9D28849}" type="slidenum">
+              <a:rPr lang="en-US"/>
+              <a:pPr/>
+              <a:t>11</a:t>
+            </a:fld>
+            <a:endParaRPr lang="en-US"/>
+          </a:p>
+        </p:txBody>
+      </p:sp>
+      <p:sp>
+        <p:nvSpPr>
+          <p:cNvPr id="4100" name="Rectangle 4"/>
+          <p:cNvSpPr>
+            <a:spLocks noGrp="1" noChangeArrowheads="1"/>
+          </p:cNvSpPr>
+          <p:nvPr>
+            <p:ph type="title"/>
+          </p:nvPr>
+        </p:nvSpPr>
+        <p:spPr/>
+        <p:txBody>
+          <a:bodyPr/>
+          <a:lstStyle/>
+          <a:p>
+            <a:r>
+              <a:rPr lang="en-US" dirty="0" smtClean="0"/>
+              <a:t>Solution - System </a:t>
+            </a:r>
+            <a:r>
+              <a:rPr lang="en-US" dirty="0" smtClean="0"/>
+              <a:t>Architecture</a:t>
             </a:r>
             <a:endParaRPr lang="en-US" dirty="0"/>
           </a:p>
@@ -3782,110 +3938,9 @@
   <p:clrMapOvr>
     <a:masterClrMapping/>
   </p:clrMapOvr>
-</p:sld>
-</file>
-
-<file path=ppt/slides/slide11.xml><?xml version="1.0" encoding="utf-8"?>
-<p:sld xmlns:a="http://schemas.openxmlformats.org/drawingml/2006/main" xmlns:r="http://schemas.openxmlformats.org/officeDocument/2006/relationships" xmlns:p="http://schemas.openxmlformats.org/presentationml/2006/main">
-  <p:cSld>
-    <p:spTree>
-      <p:nvGrpSpPr>
-        <p:cNvPr id="1" name=""/>
-        <p:cNvGrpSpPr/>
-        <p:nvPr/>
-      </p:nvGrpSpPr>
-      <p:grpSpPr>
-        <a:xfrm>
-          <a:off x="0" y="0"/>
-          <a:ext cx="0" cy="0"/>
-          <a:chOff x="0" y="0"/>
-          <a:chExt cx="0" cy="0"/>
-        </a:xfrm>
-      </p:grpSpPr>
-      <p:sp>
-        <p:nvSpPr>
-          <p:cNvPr id="4" name="Slide Number Placeholder 3"/>
-          <p:cNvSpPr>
-            <a:spLocks noGrp="1"/>
-          </p:cNvSpPr>
-          <p:nvPr>
-            <p:ph type="sldNum" sz="quarter" idx="10"/>
-          </p:nvPr>
-        </p:nvSpPr>
-        <p:spPr/>
-        <p:txBody>
-          <a:bodyPr/>
-          <a:lstStyle/>
-          <a:p>
-            <a:fld id="{284CB430-D7DB-450E-8FF5-AD4ED9D28849}" type="slidenum">
-              <a:rPr lang="en-US"/>
-              <a:pPr/>
-              <a:t>11</a:t>
-            </a:fld>
-            <a:endParaRPr lang="en-US"/>
-          </a:p>
-        </p:txBody>
-      </p:sp>
-      <p:sp>
-        <p:nvSpPr>
-          <p:cNvPr id="4100" name="Rectangle 4"/>
-          <p:cNvSpPr>
-            <a:spLocks noGrp="1" noChangeArrowheads="1"/>
-          </p:cNvSpPr>
-          <p:nvPr>
-            <p:ph type="title"/>
-          </p:nvPr>
-        </p:nvSpPr>
-        <p:spPr/>
-        <p:txBody>
-          <a:bodyPr/>
-          <a:lstStyle/>
-          <a:p>
-            <a:r>
-              <a:rPr lang="en-US" dirty="0" smtClean="0"/>
-              <a:t>Potential Applications</a:t>
-            </a:r>
-            <a:endParaRPr lang="en-US" dirty="0"/>
-          </a:p>
-        </p:txBody>
-      </p:sp>
-      <p:sp>
-        <p:nvSpPr>
-          <p:cNvPr id="4101" name="Rectangle 5"/>
-          <p:cNvSpPr>
-            <a:spLocks noGrp="1" noChangeArrowheads="1"/>
-          </p:cNvSpPr>
-          <p:nvPr>
-            <p:ph type="body" idx="1"/>
-          </p:nvPr>
-        </p:nvSpPr>
-        <p:spPr/>
-        <p:txBody>
-          <a:bodyPr/>
-          <a:lstStyle/>
-          <a:p>
-            <a:r>
-              <a:rPr lang="en-US" dirty="0" smtClean="0"/>
-              <a:t>Although video games are used as the virtual worlds in our prototype, this is not a hard limitation.</a:t>
-            </a:r>
-          </a:p>
-          <a:p>
-            <a:endParaRPr lang="en-US" dirty="0"/>
-          </a:p>
-          <a:p>
-            <a:r>
-              <a:rPr lang="en-US" dirty="0" smtClean="0"/>
-              <a:t>Virtual world state could be entirely simulated as in the prototype case, or the virtual world could be used to collaborate sensor information from external sources.</a:t>
-            </a:r>
-            <a:endParaRPr lang="en-US" dirty="0"/>
-          </a:p>
-        </p:txBody>
-      </p:sp>
-    </p:spTree>
-  </p:cSld>
-  <p:clrMapOvr>
-    <a:masterClrMapping/>
-  </p:clrMapOvr>
+  <p:transition>
+    <p:fade/>
+  </p:transition>
 </p:sld>
 </file>
 
@@ -3947,16 +4002,9 @@
           <a:p>
             <a:r>
               <a:rPr lang="en-US" dirty="0" smtClean="0"/>
-              <a:t>Potential Application</a:t>
-            </a:r>
-            <a:br>
-              <a:rPr lang="en-US" dirty="0" smtClean="0"/>
-            </a:br>
-            <a:r>
-              <a:rPr lang="en-US" b="1" dirty="0" smtClean="0"/>
-              <a:t>Elderly / Disabled Assistance</a:t>
-            </a:r>
-            <a:endParaRPr lang="en-US" b="1" dirty="0"/>
+              <a:t>Potential Applications</a:t>
+            </a:r>
+            <a:endParaRPr lang="en-US" dirty="0"/>
           </a:p>
         </p:txBody>
       </p:sp>
@@ -3970,30 +4018,31 @@
             <p:ph type="body" idx="1"/>
           </p:nvPr>
         </p:nvSpPr>
-        <p:spPr>
-          <a:xfrm>
-            <a:off x="1981200" y="2209800"/>
-            <a:ext cx="6858000" cy="4419600"/>
-          </a:xfrm>
-        </p:spPr>
+        <p:spPr/>
         <p:txBody>
           <a:bodyPr/>
           <a:lstStyle/>
           <a:p>
             <a:r>
-              <a:rPr lang="en-US" dirty="0"/>
-              <a:t>A</a:t>
-            </a:r>
-            <a:r>
               <a:rPr lang="en-US" dirty="0" smtClean="0"/>
-              <a:t> virtual world could be used to collaborate with other sensors and appliances in a home environment. For example, stored information might include appliance settings, thermostat settings, the status of lights in various rooms, grocery stocks… etc.</a:t>
-            </a:r>
-            <a:endParaRPr lang="en-US" dirty="0"/>
-          </a:p>
-          <a:p>
+              <a:t>Virtual </a:t>
+            </a:r>
             <a:r>
               <a:rPr lang="en-US" dirty="0" smtClean="0"/>
-              <a:t>A remotely controlled robotic drone could be used by the elderly or disabled to perform simple tasks around the home such as fetching items or interacting with appliances.</a:t>
+              <a:t>world state could be entirely simulated as in the prototype case, or the virtual world could be used to collaborate sensor information from external sources</a:t>
+            </a:r>
+            <a:r>
+              <a:rPr lang="en-US" dirty="0" smtClean="0"/>
+              <a:t>.</a:t>
+            </a:r>
+          </a:p>
+          <a:p>
+            <a:endParaRPr lang="en-US" dirty="0" smtClean="0"/>
+          </a:p>
+          <a:p>
+            <a:r>
+              <a:rPr lang="en-US" dirty="0" smtClean="0"/>
+              <a:t>In our implementation, robots remain idle when not paired and do not receive virtual world state. Robots could operate autonomously while making use of virtual world data when not actively paired to a human operator.</a:t>
             </a:r>
             <a:endParaRPr lang="en-US" dirty="0"/>
           </a:p>
@@ -4004,6 +4053,9 @@
   <p:clrMapOvr>
     <a:masterClrMapping/>
   </p:clrMapOvr>
+  <p:transition>
+    <p:fade/>
+  </p:transition>
 </p:sld>
 </file>
 
@@ -4065,16 +4117,9 @@
           <a:p>
             <a:r>
               <a:rPr lang="en-US" dirty="0" smtClean="0"/>
-              <a:t>Potential Application</a:t>
-            </a:r>
-            <a:br>
-              <a:rPr lang="en-US" dirty="0" smtClean="0"/>
-            </a:br>
-            <a:r>
-              <a:rPr lang="en-US" b="1" dirty="0" smtClean="0"/>
-              <a:t>Search and Rescue</a:t>
-            </a:r>
-            <a:endParaRPr lang="en-US" b="1" dirty="0"/>
+              <a:t>Potential Applications</a:t>
+            </a:r>
+            <a:endParaRPr lang="en-US" dirty="0"/>
           </a:p>
         </p:txBody>
       </p:sp>
@@ -4088,32 +4133,32 @@
             <p:ph type="body" idx="1"/>
           </p:nvPr>
         </p:nvSpPr>
-        <p:spPr>
-          <a:xfrm>
-            <a:off x="1981200" y="2057400"/>
-            <a:ext cx="6858000" cy="4419600"/>
-          </a:xfrm>
-        </p:spPr>
+        <p:spPr/>
         <p:txBody>
           <a:bodyPr/>
           <a:lstStyle/>
           <a:p>
             <a:r>
               <a:rPr lang="en-US" dirty="0" smtClean="0"/>
-              <a:t>Robotic drones are a means of performing search and rescue operations in areas which may be hazardous or inaccessible to human personnel.</a:t>
-            </a:r>
-            <a:endParaRPr lang="en-US" dirty="0"/>
+              <a:t>Elderly / Disabled Assistance</a:t>
+            </a:r>
+          </a:p>
+          <a:p>
+            <a:endParaRPr lang="en-US" dirty="0" smtClean="0"/>
           </a:p>
           <a:p>
             <a:r>
               <a:rPr lang="en-US" dirty="0" smtClean="0"/>
-              <a:t>A virtual world could be used to collaborate sensor information (such as heartbeat sensors, thermal imaging, radar/sonar… etc.), as well as to coordinate the movements of the drones themselves.</a:t>
-            </a:r>
+              <a:t>Search and Rescue</a:t>
+            </a:r>
+          </a:p>
+          <a:p>
+            <a:endParaRPr lang="en-US" dirty="0" smtClean="0"/>
           </a:p>
           <a:p>
             <a:r>
               <a:rPr lang="en-US" dirty="0" smtClean="0"/>
-              <a:t>A small number of personnel could potentially manage a large number of rescue drones.</a:t>
+              <a:t>Security and Surveillance</a:t>
             </a:r>
             <a:endParaRPr lang="en-US" dirty="0"/>
           </a:p>
@@ -4124,6 +4169,9 @@
   <p:clrMapOvr>
     <a:masterClrMapping/>
   </p:clrMapOvr>
+  <p:transition>
+    <p:fade/>
+  </p:transition>
 </p:sld>
 </file>
 
@@ -4192,7 +4240,7 @@
             </a:br>
             <a:r>
               <a:rPr lang="en-US" b="1" dirty="0" smtClean="0"/>
-              <a:t>Security and Surveillance</a:t>
+              <a:t>Elderly / Disabled Assistance</a:t>
             </a:r>
             <a:endParaRPr lang="en-US" b="1" dirty="0"/>
           </a:p>
@@ -4210,7 +4258,7 @@
         </p:nvSpPr>
         <p:spPr>
           <a:xfrm>
-            <a:off x="1981200" y="2057400"/>
+            <a:off x="1981200" y="2209800"/>
             <a:ext cx="6858000" cy="4419600"/>
           </a:xfrm>
         </p:spPr>
@@ -4219,20 +4267,23 @@
           <a:lstStyle/>
           <a:p>
             <a:r>
+              <a:rPr lang="en-US" dirty="0"/>
+              <a:t>A</a:t>
+            </a:r>
+            <a:r>
               <a:rPr lang="en-US" dirty="0" smtClean="0"/>
-              <a:t>Robotic drones could be used to augment an existing security system by using a virtual world to collaborate with existing alarm and camera systems.</a:t>
-            </a:r>
-          </a:p>
-          <a:p>
+              <a:t> virtual world could be used to collaborate with other sensors and appliances in a home environment</a:t>
+            </a:r>
             <a:r>
               <a:rPr lang="en-US" dirty="0" smtClean="0"/>
-              <a:t>For example, drones could automatically move toward the site of an alarm until a human operator assumes control.</a:t>
-            </a:r>
+              <a:t>. For example, stored information might include appliance settings, thermostat settings, the status of lights in various rooms, grocery stocks… etc.</a:t>
+            </a:r>
+            <a:endParaRPr lang="en-US" dirty="0"/>
           </a:p>
           <a:p>
             <a:r>
               <a:rPr lang="en-US" dirty="0" smtClean="0"/>
-              <a:t>A mobile client ensures that security personnel can operate the drones regardless of their current position when an alarm is triggered.</a:t>
+              <a:t>A remotely controlled robotic drone could be used by the elderly or disabled to perform simple tasks around the home such as fetching items or interacting with appliances.</a:t>
             </a:r>
             <a:endParaRPr lang="en-US" dirty="0"/>
           </a:p>
@@ -4243,6 +4294,9 @@
   <p:clrMapOvr>
     <a:masterClrMapping/>
   </p:clrMapOvr>
+  <p:transition>
+    <p:fade/>
+  </p:transition>
 </p:sld>
 </file>
 
@@ -4304,9 +4358,16 @@
           <a:p>
             <a:r>
               <a:rPr lang="en-US" dirty="0" smtClean="0"/>
-              <a:t>References</a:t>
-            </a:r>
-            <a:endParaRPr lang="en-US" dirty="0"/>
+              <a:t>Potential Application</a:t>
+            </a:r>
+            <a:br>
+              <a:rPr lang="en-US" dirty="0" smtClean="0"/>
+            </a:br>
+            <a:r>
+              <a:rPr lang="en-US" b="1" dirty="0" smtClean="0"/>
+              <a:t>Search and Rescue</a:t>
+            </a:r>
+            <a:endParaRPr lang="en-US" b="1" dirty="0"/>
           </a:p>
         </p:txBody>
       </p:sp>
@@ -4320,92 +4381,55 @@
             <p:ph type="body" idx="1"/>
           </p:nvPr>
         </p:nvSpPr>
-        <p:spPr/>
+        <p:spPr>
+          <a:xfrm>
+            <a:off x="1981200" y="2057400"/>
+            <a:ext cx="6858000" cy="4419600"/>
+          </a:xfrm>
+        </p:spPr>
         <p:txBody>
           <a:bodyPr/>
           <a:lstStyle/>
           <a:p>
             <a:r>
-              <a:rPr lang="en-US" sz="1400" dirty="0" smtClean="0"/>
-              <a:t>[1] </a:t>
-            </a:r>
-            <a:r>
-              <a:rPr lang="en-US" sz="1400" dirty="0" smtClean="0">
-                <a:hlinkClick r:id="rId2"/>
-              </a:rPr>
-              <a:t>http://www.htc.com/www/product/desire/specification.html</a:t>
-            </a:r>
-            <a:endParaRPr lang="en-US" sz="1400" dirty="0" smtClean="0"/>
-          </a:p>
-          <a:p>
-            <a:r>
-              <a:rPr lang="en-US" sz="1400" dirty="0" smtClean="0"/>
-              <a:t>[2] </a:t>
-            </a:r>
-            <a:r>
-              <a:rPr lang="en-US" sz="1400" dirty="0" smtClean="0">
-                <a:hlinkClick r:id="rId3"/>
-              </a:rPr>
-              <a:t>http://mindstorms.lego.com/en-us/products/default.aspx</a:t>
-            </a:r>
-            <a:endParaRPr lang="en-US" sz="1400" dirty="0" smtClean="0"/>
-          </a:p>
-          <a:p>
-            <a:r>
-              <a:rPr lang="en-US" sz="1400" dirty="0" smtClean="0"/>
-              <a:t>[3] </a:t>
-            </a:r>
-            <a:r>
-              <a:rPr lang="en-US" sz="1400" dirty="0" smtClean="0">
-                <a:hlinkClick r:id="rId4"/>
-              </a:rPr>
-              <a:t>http://static.guim.co.uk/sys-images/Technology/Pix/pictures/2009/4/21/1240307015871/Tron-001.jpg</a:t>
-            </a:r>
-            <a:endParaRPr lang="en-US" sz="1400" dirty="0" smtClean="0"/>
-          </a:p>
-          <a:p>
-            <a:r>
-              <a:rPr lang="en-US" sz="1400" dirty="0" smtClean="0"/>
-              <a:t>[4] </a:t>
-            </a:r>
-            <a:r>
-              <a:rPr lang="en-US" sz="1400" dirty="0" smtClean="0">
-                <a:hlinkClick r:id="rId5"/>
-              </a:rPr>
-              <a:t>http://1.bp.blogspot.com/_s0SSX3Y2JTw/S-Cv_6lfKVI/AAAAAAAAFE8/SUlrHiF5RUg/s1600/battlezone_1.gif</a:t>
-            </a:r>
-            <a:endParaRPr lang="en-US" sz="1400" dirty="0" smtClean="0"/>
-          </a:p>
-          <a:p>
-            <a:r>
-              <a:rPr lang="en-US" sz="1400" dirty="0" smtClean="0"/>
-              <a:t>[5] </a:t>
-            </a:r>
-            <a:r>
-              <a:rPr lang="en-US" sz="1400" dirty="0" smtClean="0">
-                <a:hlinkClick r:id="rId6"/>
-              </a:rPr>
-              <a:t>http://www.logitech.com/en-us/webcam-communications/webcams/devices/6333</a:t>
-            </a:r>
-            <a:endParaRPr lang="en-US" sz="1400" dirty="0" smtClean="0"/>
-          </a:p>
-          <a:p>
-            <a:pPr>
-              <a:buNone/>
-            </a:pPr>
-            <a:endParaRPr lang="en-US" sz="1400" dirty="0" smtClean="0"/>
-          </a:p>
-          <a:p>
-            <a:pPr>
-              <a:buNone/>
-            </a:pPr>
-            <a:endParaRPr lang="en-US" sz="1800" dirty="0" smtClean="0"/>
-          </a:p>
-          <a:p>
-            <a:endParaRPr lang="en-US" sz="1800" dirty="0" smtClean="0"/>
-          </a:p>
-          <a:p>
-            <a:endParaRPr lang="en-US" sz="1800" dirty="0"/>
+              <a:rPr lang="en-US" dirty="0" smtClean="0"/>
+              <a:t>Robotic drones are a means of performing search and rescue operations in areas which may be hazardous or inaccessible to human personnel</a:t>
+            </a:r>
+            <a:r>
+              <a:rPr lang="en-US" dirty="0" smtClean="0"/>
+              <a:t>.</a:t>
+            </a:r>
+          </a:p>
+          <a:p>
+            <a:endParaRPr lang="en-US" dirty="0"/>
+          </a:p>
+          <a:p>
+            <a:r>
+              <a:rPr lang="en-US" dirty="0" smtClean="0"/>
+              <a:t>A virtual world could be used to collaborate sensor information </a:t>
+            </a:r>
+            <a:r>
+              <a:rPr lang="en-US" dirty="0" smtClean="0"/>
+              <a:t>as </a:t>
+            </a:r>
+            <a:r>
+              <a:rPr lang="en-US" dirty="0" smtClean="0"/>
+              <a:t>well as to coordinate the movements of the drones themselves</a:t>
+            </a:r>
+            <a:r>
+              <a:rPr lang="en-US" dirty="0" smtClean="0"/>
+              <a:t>.</a:t>
+            </a:r>
+          </a:p>
+          <a:p>
+            <a:endParaRPr lang="en-US" dirty="0" smtClean="0"/>
+          </a:p>
+          <a:p>
+            <a:r>
+              <a:rPr lang="en-US" dirty="0" smtClean="0"/>
+              <a:t>A small number of personnel could potentially manage a large number of rescue drones.</a:t>
+            </a:r>
+            <a:endParaRPr lang="en-US" dirty="0"/>
           </a:p>
         </p:txBody>
       </p:sp>
@@ -4414,6 +4438,306 @@
   <p:clrMapOvr>
     <a:masterClrMapping/>
   </p:clrMapOvr>
+  <p:transition>
+    <p:fade/>
+  </p:transition>
+</p:sld>
+</file>
+
+<file path=ppt/slides/slide16.xml><?xml version="1.0" encoding="utf-8"?>
+<p:sld xmlns:a="http://schemas.openxmlformats.org/drawingml/2006/main" xmlns:r="http://schemas.openxmlformats.org/officeDocument/2006/relationships" xmlns:p="http://schemas.openxmlformats.org/presentationml/2006/main">
+  <p:cSld>
+    <p:spTree>
+      <p:nvGrpSpPr>
+        <p:cNvPr id="1" name=""/>
+        <p:cNvGrpSpPr/>
+        <p:nvPr/>
+      </p:nvGrpSpPr>
+      <p:grpSpPr>
+        <a:xfrm>
+          <a:off x="0" y="0"/>
+          <a:ext cx="0" cy="0"/>
+          <a:chOff x="0" y="0"/>
+          <a:chExt cx="0" cy="0"/>
+        </a:xfrm>
+      </p:grpSpPr>
+      <p:sp>
+        <p:nvSpPr>
+          <p:cNvPr id="4" name="Slide Number Placeholder 3"/>
+          <p:cNvSpPr>
+            <a:spLocks noGrp="1"/>
+          </p:cNvSpPr>
+          <p:nvPr>
+            <p:ph type="sldNum" sz="quarter" idx="10"/>
+          </p:nvPr>
+        </p:nvSpPr>
+        <p:spPr/>
+        <p:txBody>
+          <a:bodyPr/>
+          <a:lstStyle/>
+          <a:p>
+            <a:fld id="{284CB430-D7DB-450E-8FF5-AD4ED9D28849}" type="slidenum">
+              <a:rPr lang="en-US"/>
+              <a:pPr/>
+              <a:t>16</a:t>
+            </a:fld>
+            <a:endParaRPr lang="en-US"/>
+          </a:p>
+        </p:txBody>
+      </p:sp>
+      <p:sp>
+        <p:nvSpPr>
+          <p:cNvPr id="4100" name="Rectangle 4"/>
+          <p:cNvSpPr>
+            <a:spLocks noGrp="1" noChangeArrowheads="1"/>
+          </p:cNvSpPr>
+          <p:nvPr>
+            <p:ph type="title"/>
+          </p:nvPr>
+        </p:nvSpPr>
+        <p:spPr/>
+        <p:txBody>
+          <a:bodyPr/>
+          <a:lstStyle/>
+          <a:p>
+            <a:r>
+              <a:rPr lang="en-US" dirty="0" smtClean="0"/>
+              <a:t>Potential Application</a:t>
+            </a:r>
+            <a:br>
+              <a:rPr lang="en-US" dirty="0" smtClean="0"/>
+            </a:br>
+            <a:r>
+              <a:rPr lang="en-US" b="1" dirty="0" smtClean="0"/>
+              <a:t>Security and Surveillance</a:t>
+            </a:r>
+            <a:endParaRPr lang="en-US" b="1" dirty="0"/>
+          </a:p>
+        </p:txBody>
+      </p:sp>
+      <p:sp>
+        <p:nvSpPr>
+          <p:cNvPr id="4101" name="Rectangle 5"/>
+          <p:cNvSpPr>
+            <a:spLocks noGrp="1" noChangeArrowheads="1"/>
+          </p:cNvSpPr>
+          <p:nvPr>
+            <p:ph type="body" idx="1"/>
+          </p:nvPr>
+        </p:nvSpPr>
+        <p:spPr>
+          <a:xfrm>
+            <a:off x="1981200" y="2057400"/>
+            <a:ext cx="6858000" cy="4419600"/>
+          </a:xfrm>
+        </p:spPr>
+        <p:txBody>
+          <a:bodyPr/>
+          <a:lstStyle/>
+          <a:p>
+            <a:r>
+              <a:rPr lang="en-US" dirty="0" smtClean="0"/>
+              <a:t>Robotic drones could be used to augment an existing security system by using a virtual world to collaborate with existing alarm and camera systems.</a:t>
+            </a:r>
+          </a:p>
+          <a:p>
+            <a:endParaRPr lang="en-US" dirty="0" smtClean="0"/>
+          </a:p>
+          <a:p>
+            <a:r>
+              <a:rPr lang="en-US" dirty="0" smtClean="0"/>
+              <a:t>A </a:t>
+            </a:r>
+            <a:r>
+              <a:rPr lang="en-US" dirty="0" smtClean="0"/>
+              <a:t>mobile client ensures that security personnel can operate the drones regardless of their current position when an alarm is triggered.</a:t>
+            </a:r>
+            <a:endParaRPr lang="en-US" dirty="0"/>
+          </a:p>
+        </p:txBody>
+      </p:sp>
+    </p:spTree>
+  </p:cSld>
+  <p:clrMapOvr>
+    <a:masterClrMapping/>
+  </p:clrMapOvr>
+  <p:transition>
+    <p:fade/>
+  </p:transition>
+</p:sld>
+</file>
+
+<file path=ppt/slides/slide17.xml><?xml version="1.0" encoding="utf-8"?>
+<p:sld xmlns:a="http://schemas.openxmlformats.org/drawingml/2006/main" xmlns:r="http://schemas.openxmlformats.org/officeDocument/2006/relationships" xmlns:p="http://schemas.openxmlformats.org/presentationml/2006/main">
+  <p:cSld>
+    <p:spTree>
+      <p:nvGrpSpPr>
+        <p:cNvPr id="1" name=""/>
+        <p:cNvGrpSpPr/>
+        <p:nvPr/>
+      </p:nvGrpSpPr>
+      <p:grpSpPr>
+        <a:xfrm>
+          <a:off x="0" y="0"/>
+          <a:ext cx="0" cy="0"/>
+          <a:chOff x="0" y="0"/>
+          <a:chExt cx="0" cy="0"/>
+        </a:xfrm>
+      </p:grpSpPr>
+      <p:sp>
+        <p:nvSpPr>
+          <p:cNvPr id="4" name="Slide Number Placeholder 3"/>
+          <p:cNvSpPr>
+            <a:spLocks noGrp="1"/>
+          </p:cNvSpPr>
+          <p:nvPr>
+            <p:ph type="sldNum" sz="quarter" idx="10"/>
+          </p:nvPr>
+        </p:nvSpPr>
+        <p:spPr/>
+        <p:txBody>
+          <a:bodyPr/>
+          <a:lstStyle/>
+          <a:p>
+            <a:fld id="{284CB430-D7DB-450E-8FF5-AD4ED9D28849}" type="slidenum">
+              <a:rPr lang="en-US"/>
+              <a:pPr/>
+              <a:t>17</a:t>
+            </a:fld>
+            <a:endParaRPr lang="en-US"/>
+          </a:p>
+        </p:txBody>
+      </p:sp>
+      <p:sp>
+        <p:nvSpPr>
+          <p:cNvPr id="4100" name="Rectangle 4"/>
+          <p:cNvSpPr>
+            <a:spLocks noGrp="1" noChangeArrowheads="1"/>
+          </p:cNvSpPr>
+          <p:nvPr>
+            <p:ph type="title"/>
+          </p:nvPr>
+        </p:nvSpPr>
+        <p:spPr/>
+        <p:txBody>
+          <a:bodyPr/>
+          <a:lstStyle/>
+          <a:p>
+            <a:r>
+              <a:rPr lang="en-US" dirty="0" smtClean="0"/>
+              <a:t>References</a:t>
+            </a:r>
+            <a:endParaRPr lang="en-US" dirty="0"/>
+          </a:p>
+        </p:txBody>
+      </p:sp>
+      <p:sp>
+        <p:nvSpPr>
+          <p:cNvPr id="4101" name="Rectangle 5"/>
+          <p:cNvSpPr>
+            <a:spLocks noGrp="1" noChangeArrowheads="1"/>
+          </p:cNvSpPr>
+          <p:nvPr>
+            <p:ph type="body" idx="1"/>
+          </p:nvPr>
+        </p:nvSpPr>
+        <p:spPr/>
+        <p:txBody>
+          <a:bodyPr/>
+          <a:lstStyle/>
+          <a:p>
+            <a:r>
+              <a:rPr lang="en-US" sz="1400" dirty="0" smtClean="0"/>
+              <a:t>[1] </a:t>
+            </a:r>
+            <a:r>
+              <a:rPr lang="en-US" sz="1400" dirty="0" smtClean="0">
+                <a:hlinkClick r:id="rId2"/>
+              </a:rPr>
+              <a:t>http://www.htc.com/www/product/desire/specification.html</a:t>
+            </a:r>
+            <a:endParaRPr lang="en-US" sz="1400" dirty="0" smtClean="0"/>
+          </a:p>
+          <a:p>
+            <a:r>
+              <a:rPr lang="en-US" sz="1400" dirty="0" smtClean="0"/>
+              <a:t>[2] </a:t>
+            </a:r>
+            <a:r>
+              <a:rPr lang="en-US" sz="1400" dirty="0" smtClean="0">
+                <a:hlinkClick r:id="rId3"/>
+              </a:rPr>
+              <a:t>http://mindstorms.lego.com/en-us/products/default.aspx</a:t>
+            </a:r>
+            <a:endParaRPr lang="en-US" sz="1400" dirty="0" smtClean="0"/>
+          </a:p>
+          <a:p>
+            <a:r>
+              <a:rPr lang="en-US" sz="1400" dirty="0" smtClean="0"/>
+              <a:t>[3] </a:t>
+            </a:r>
+            <a:r>
+              <a:rPr lang="en-US" sz="1400" dirty="0" smtClean="0">
+                <a:hlinkClick r:id="rId4"/>
+              </a:rPr>
+              <a:t>http://static.guim.co.uk/sys-images/Technology/Pix/pictures/2009/4/21/1240307015871/Tron-001.jpg</a:t>
+            </a:r>
+            <a:endParaRPr lang="en-US" sz="1400" dirty="0" smtClean="0"/>
+          </a:p>
+          <a:p>
+            <a:r>
+              <a:rPr lang="en-US" sz="1400" dirty="0" smtClean="0"/>
+              <a:t>[4] </a:t>
+            </a:r>
+            <a:r>
+              <a:rPr lang="en-US" sz="1400" dirty="0" smtClean="0">
+                <a:hlinkClick r:id="rId5"/>
+              </a:rPr>
+              <a:t>http://1.bp.blogspot.com/_s0SSX3Y2JTw/S-Cv_6lfKVI/AAAAAAAAFE8/SUlrHiF5RUg/s1600/battlezone_1.gif</a:t>
+            </a:r>
+            <a:endParaRPr lang="en-US" sz="1400" dirty="0" smtClean="0"/>
+          </a:p>
+          <a:p>
+            <a:r>
+              <a:rPr lang="en-US" sz="1400" dirty="0" smtClean="0"/>
+              <a:t>[5] </a:t>
+            </a:r>
+            <a:r>
+              <a:rPr lang="en-US" sz="1400" dirty="0" smtClean="0">
+                <a:hlinkClick r:id="rId6"/>
+              </a:rPr>
+              <a:t>http://www.logitech.com/en-us/webcam-communications/webcams/devices/6333</a:t>
+            </a:r>
+            <a:endParaRPr lang="en-US" sz="1400" dirty="0" smtClean="0"/>
+          </a:p>
+          <a:p>
+            <a:pPr>
+              <a:buNone/>
+            </a:pPr>
+            <a:endParaRPr lang="en-US" sz="1400" dirty="0" smtClean="0"/>
+          </a:p>
+          <a:p>
+            <a:pPr>
+              <a:buNone/>
+            </a:pPr>
+            <a:endParaRPr lang="en-US" sz="1800" dirty="0" smtClean="0"/>
+          </a:p>
+          <a:p>
+            <a:endParaRPr lang="en-US" sz="1800" dirty="0" smtClean="0"/>
+          </a:p>
+          <a:p>
+            <a:endParaRPr lang="en-US" sz="1800" dirty="0"/>
+          </a:p>
+        </p:txBody>
+      </p:sp>
+    </p:spTree>
+  </p:cSld>
+  <p:clrMapOvr>
+    <a:masterClrMapping/>
+  </p:clrMapOvr>
+  <p:transition>
+    <p:fade/>
+  </p:transition>
 </p:sld>
 </file>
 
@@ -4877,6 +5201,9 @@
   <p:clrMapOvr>
     <a:masterClrMapping/>
   </p:clrMapOvr>
+  <p:transition>
+    <p:fade/>
+  </p:transition>
 </p:sld>
 </file>
 
@@ -4966,6 +5293,17 @@
           <a:p>
             <a:pPr lvl="0"/>
             <a:r>
+              <a:rPr lang="en-CA" dirty="0" smtClean="0">
+                <a:solidFill>
+                  <a:schemeClr val="tx1"/>
+                </a:solidFill>
+                <a:latin typeface="+mn-lt"/>
+                <a:ea typeface="+mn-ea"/>
+                <a:cs typeface="+mn-cs"/>
+              </a:rPr>
+              <a:t>To develop </a:t>
+            </a:r>
+            <a:r>
               <a:rPr lang="en-CA" dirty="0">
                 <a:solidFill>
                   <a:schemeClr val="tx1"/>
@@ -4974,7 +5312,7 @@
                 <a:ea typeface="+mn-ea"/>
                 <a:cs typeface="+mn-cs"/>
               </a:rPr>
-              <a:t>The first project objective is to develop a robotics control system which is both intuitive to use and is implemented on a mobile platform that is widely available and used by the public</a:t>
+              <a:t>a robotics control system which is both intuitive to use and is implemented on a mobile platform that is widely available and used by the public</a:t>
             </a:r>
             <a:r>
               <a:rPr lang="en-CA" dirty="0" smtClean="0">
@@ -5002,6 +5340,17 @@
           <a:p>
             <a:pPr lvl="0"/>
             <a:r>
+              <a:rPr lang="en-CA" dirty="0" smtClean="0">
+                <a:solidFill>
+                  <a:schemeClr val="tx1"/>
+                </a:solidFill>
+                <a:latin typeface="+mn-lt"/>
+                <a:ea typeface="+mn-ea"/>
+                <a:cs typeface="+mn-cs"/>
+              </a:rPr>
+              <a:t>To experiment </a:t>
+            </a:r>
+            <a:r>
               <a:rPr lang="en-CA" dirty="0">
                 <a:solidFill>
                   <a:schemeClr val="tx1"/>
@@ -5010,7 +5359,7 @@
                 <a:ea typeface="+mn-ea"/>
                 <a:cs typeface="+mn-cs"/>
               </a:rPr>
-              <a:t>The second project objective is to experiment with the combination of live video and virtually generated, overlaid imagery to enhance the ease of use and feature set of a robotics control system. This technology is commonly referred to as </a:t>
+              <a:t>with the combination of live video and virtually generated, overlaid imagery to enhance the ease of use and feature set of a robotics control system. This technology is commonly referred to as </a:t>
             </a:r>
             <a:r>
               <a:rPr lang="en-CA" b="1" dirty="0">
@@ -5045,6 +5394,9 @@
   <p:clrMapOvr>
     <a:masterClrMapping/>
   </p:clrMapOvr>
+  <p:transition>
+    <p:fade/>
+  </p:transition>
 </p:sld>
 </file>
 
@@ -5134,6 +5486,17 @@
           <a:p>
             <a:pPr lvl="0"/>
             <a:r>
+              <a:rPr lang="en-CA" dirty="0" smtClean="0">
+                <a:solidFill>
+                  <a:schemeClr val="tx1"/>
+                </a:solidFill>
+                <a:latin typeface="+mn-lt"/>
+                <a:ea typeface="+mn-ea"/>
+                <a:cs typeface="+mn-cs"/>
+              </a:rPr>
+              <a:t>The project </a:t>
+            </a:r>
+            <a:r>
               <a:rPr lang="en-CA" dirty="0">
                 <a:solidFill>
                   <a:schemeClr val="tx1"/>
@@ -5142,7 +5505,7 @@
                 <a:ea typeface="+mn-ea"/>
                 <a:cs typeface="+mn-cs"/>
               </a:rPr>
-              <a:t>To combine these objectives, the project aims to create a system which </a:t>
+              <a:t>aims to create a system which </a:t>
             </a:r>
             <a:r>
               <a:rPr lang="en-CA" dirty="0" smtClean="0">
@@ -5164,7 +5527,51 @@
                 <a:ea typeface="+mn-ea"/>
                 <a:cs typeface="+mn-cs"/>
               </a:rPr>
-              <a:t>remotely controlled robots to share and interact with a simple virtual world which will be rendered on to a live video feed and displayed to </a:t>
+              <a:t>remotely controlled robots to share and interact with a simple virtual </a:t>
+            </a:r>
+            <a:r>
+              <a:rPr lang="en-CA" dirty="0" smtClean="0">
+                <a:solidFill>
+                  <a:schemeClr val="tx1"/>
+                </a:solidFill>
+                <a:latin typeface="+mn-lt"/>
+                <a:ea typeface="+mn-ea"/>
+                <a:cs typeface="+mn-cs"/>
+              </a:rPr>
+              <a:t>world, </a:t>
+            </a:r>
+            <a:r>
+              <a:rPr lang="en-CA" dirty="0">
+                <a:solidFill>
+                  <a:schemeClr val="tx1"/>
+                </a:solidFill>
+                <a:latin typeface="+mn-lt"/>
+                <a:ea typeface="+mn-ea"/>
+                <a:cs typeface="+mn-cs"/>
+              </a:rPr>
+              <a:t>which will be rendered </a:t>
+            </a:r>
+            <a:r>
+              <a:rPr lang="en-CA" dirty="0" smtClean="0">
+                <a:solidFill>
+                  <a:schemeClr val="tx1"/>
+                </a:solidFill>
+                <a:latin typeface="+mn-lt"/>
+                <a:ea typeface="+mn-ea"/>
+                <a:cs typeface="+mn-cs"/>
+              </a:rPr>
+              <a:t>overtop of </a:t>
+            </a:r>
+            <a:r>
+              <a:rPr lang="en-CA" dirty="0">
+                <a:solidFill>
+                  <a:schemeClr val="tx1"/>
+                </a:solidFill>
+                <a:latin typeface="+mn-lt"/>
+                <a:ea typeface="+mn-ea"/>
+                <a:cs typeface="+mn-cs"/>
+              </a:rPr>
+              <a:t>a live video feed and displayed to </a:t>
             </a:r>
             <a:r>
               <a:rPr lang="en-CA" dirty="0" smtClean="0"/>
@@ -5181,7 +5588,14 @@
               </a:rPr>
               <a:t>. </a:t>
             </a:r>
-            <a:endParaRPr lang="en-US" dirty="0"/>
+            <a:endParaRPr lang="en-CA" dirty="0" smtClean="0">
+              <a:solidFill>
+                <a:schemeClr val="tx1"/>
+              </a:solidFill>
+              <a:latin typeface="+mn-lt"/>
+              <a:ea typeface="+mn-ea"/>
+              <a:cs typeface="+mn-cs"/>
+            </a:endParaRPr>
           </a:p>
         </p:txBody>
       </p:sp>
@@ -5190,6 +5604,9 @@
   <p:clrMapOvr>
     <a:masterClrMapping/>
   </p:clrMapOvr>
+  <p:transition>
+    <p:fade/>
+  </p:transition>
 </p:sld>
 </file>
 
@@ -5229,6 +5646,109 @@
               <a:rPr lang="en-US"/>
               <a:pPr/>
               <a:t>5</a:t>
+            </a:fld>
+            <a:endParaRPr lang="en-US"/>
+          </a:p>
+        </p:txBody>
+      </p:sp>
+      <p:sp>
+        <p:nvSpPr>
+          <p:cNvPr id="4100" name="Rectangle 4"/>
+          <p:cNvSpPr>
+            <a:spLocks noGrp="1" noChangeArrowheads="1"/>
+          </p:cNvSpPr>
+          <p:nvPr>
+            <p:ph type="title"/>
+          </p:nvPr>
+        </p:nvSpPr>
+        <p:spPr/>
+        <p:txBody>
+          <a:bodyPr/>
+          <a:lstStyle/>
+          <a:p>
+            <a:r>
+              <a:rPr lang="en-US" dirty="0" smtClean="0"/>
+              <a:t>Solution - System </a:t>
+            </a:r>
+            <a:r>
+              <a:rPr lang="en-US" dirty="0" smtClean="0"/>
+              <a:t>Architecture</a:t>
+            </a:r>
+            <a:endParaRPr lang="en-US" dirty="0"/>
+          </a:p>
+        </p:txBody>
+      </p:sp>
+      <p:pic>
+        <p:nvPicPr>
+          <p:cNvPr id="6" name="Picture 5" descr="architecture_diagram.jpg"/>
+          <p:cNvPicPr>
+            <a:picLocks noChangeAspect="1"/>
+          </p:cNvPicPr>
+          <p:nvPr/>
+        </p:nvPicPr>
+        <p:blipFill>
+          <a:blip r:embed="rId2" cstate="print"/>
+          <a:stretch>
+            <a:fillRect/>
+          </a:stretch>
+        </p:blipFill>
+        <p:spPr>
+          <a:xfrm>
+            <a:off x="1886851" y="1600200"/>
+            <a:ext cx="7028549" cy="4800599"/>
+          </a:xfrm>
+          <a:prstGeom prst="rect">
+            <a:avLst/>
+          </a:prstGeom>
+        </p:spPr>
+      </p:pic>
+    </p:spTree>
+  </p:cSld>
+  <p:clrMapOvr>
+    <a:masterClrMapping/>
+  </p:clrMapOvr>
+  <p:transition>
+    <p:fade/>
+  </p:transition>
+</p:sld>
+</file>
+
+<file path=ppt/slides/slide6.xml><?xml version="1.0" encoding="utf-8"?>
+<p:sld xmlns:a="http://schemas.openxmlformats.org/drawingml/2006/main" xmlns:r="http://schemas.openxmlformats.org/officeDocument/2006/relationships" xmlns:p="http://schemas.openxmlformats.org/presentationml/2006/main">
+  <p:cSld>
+    <p:spTree>
+      <p:nvGrpSpPr>
+        <p:cNvPr id="1" name=""/>
+        <p:cNvGrpSpPr/>
+        <p:nvPr/>
+      </p:nvGrpSpPr>
+      <p:grpSpPr>
+        <a:xfrm>
+          <a:off x="0" y="0"/>
+          <a:ext cx="0" cy="0"/>
+          <a:chOff x="0" y="0"/>
+          <a:chExt cx="0" cy="0"/>
+        </a:xfrm>
+      </p:grpSpPr>
+      <p:sp>
+        <p:nvSpPr>
+          <p:cNvPr id="4" name="Slide Number Placeholder 3"/>
+          <p:cNvSpPr>
+            <a:spLocks noGrp="1"/>
+          </p:cNvSpPr>
+          <p:nvPr>
+            <p:ph type="sldNum" sz="quarter" idx="10"/>
+          </p:nvPr>
+        </p:nvSpPr>
+        <p:spPr/>
+        <p:txBody>
+          <a:bodyPr/>
+          <a:lstStyle/>
+          <a:p>
+            <a:fld id="{284CB430-D7DB-450E-8FF5-AD4ED9D28849}" type="slidenum">
+              <a:rPr lang="en-US"/>
+              <a:pPr/>
+              <a:t>6</a:t>
             </a:fld>
             <a:endParaRPr lang="en-US"/>
           </a:p>
@@ -5650,10 +6170,13 @@
   <p:clrMapOvr>
     <a:masterClrMapping/>
   </p:clrMapOvr>
+  <p:transition>
+    <p:fade/>
+  </p:transition>
 </p:sld>
 </file>
 
-<file path=ppt/slides/slide6.xml><?xml version="1.0" encoding="utf-8"?>
+<file path=ppt/slides/slide7.xml><?xml version="1.0" encoding="utf-8"?>
 <p:sld xmlns:a="http://schemas.openxmlformats.org/drawingml/2006/main" xmlns:r="http://schemas.openxmlformats.org/officeDocument/2006/relationships" xmlns:p="http://schemas.openxmlformats.org/presentationml/2006/main">
   <p:cSld>
     <p:spTree>
@@ -5688,7 +6211,7 @@
             <a:fld id="{284CB430-D7DB-450E-8FF5-AD4ED9D28849}" type="slidenum">
               <a:rPr lang="en-US"/>
               <a:pPr/>
-              <a:t>6</a:t>
+              <a:t>7</a:t>
             </a:fld>
             <a:endParaRPr lang="en-US"/>
           </a:p>
@@ -5916,10 +6439,13 @@
   <p:clrMapOvr>
     <a:masterClrMapping/>
   </p:clrMapOvr>
+  <p:transition>
+    <p:fade/>
+  </p:transition>
 </p:sld>
 </file>
 
-<file path=ppt/slides/slide7.xml><?xml version="1.0" encoding="utf-8"?>
+<file path=ppt/slides/slide8.xml><?xml version="1.0" encoding="utf-8"?>
 <p:sld xmlns:a="http://schemas.openxmlformats.org/drawingml/2006/main" xmlns:r="http://schemas.openxmlformats.org/officeDocument/2006/relationships" xmlns:p="http://schemas.openxmlformats.org/presentationml/2006/main">
   <p:cSld>
     <p:spTree>
@@ -5954,7 +6480,7 @@
             <a:fld id="{284CB430-D7DB-450E-8FF5-AD4ED9D28849}" type="slidenum">
               <a:rPr lang="en-US"/>
               <a:pPr/>
-              <a:t>7</a:t>
+              <a:t>8</a:t>
             </a:fld>
             <a:endParaRPr lang="en-US" dirty="0"/>
           </a:p>
@@ -6235,10 +6761,13 @@
   <p:clrMapOvr>
     <a:masterClrMapping/>
   </p:clrMapOvr>
+  <p:transition>
+    <p:fade/>
+  </p:transition>
 </p:sld>
 </file>
 
-<file path=ppt/slides/slide8.xml><?xml version="1.0" encoding="utf-8"?>
+<file path=ppt/slides/slide9.xml><?xml version="1.0" encoding="utf-8"?>
 <p:sld xmlns:a="http://schemas.openxmlformats.org/drawingml/2006/main" xmlns:r="http://schemas.openxmlformats.org/officeDocument/2006/relationships" xmlns:p="http://schemas.openxmlformats.org/presentationml/2006/main">
   <p:cSld>
     <p:spTree>
@@ -6273,7 +6802,7 @@
             <a:fld id="{284CB430-D7DB-450E-8FF5-AD4ED9D28849}" type="slidenum">
               <a:rPr lang="en-US"/>
               <a:pPr/>
-              <a:t>8</a:t>
+              <a:t>9</a:t>
             </a:fld>
             <a:endParaRPr lang="en-US"/>
           </a:p>
@@ -6492,114 +7021,9 @@
   <p:clrMapOvr>
     <a:masterClrMapping/>
   </p:clrMapOvr>
-</p:sld>
-</file>
-
-<file path=ppt/slides/slide9.xml><?xml version="1.0" encoding="utf-8"?>
-<p:sld xmlns:a="http://schemas.openxmlformats.org/drawingml/2006/main" xmlns:r="http://schemas.openxmlformats.org/officeDocument/2006/relationships" xmlns:p="http://schemas.openxmlformats.org/presentationml/2006/main">
-  <p:cSld>
-    <p:spTree>
-      <p:nvGrpSpPr>
-        <p:cNvPr id="1" name=""/>
-        <p:cNvGrpSpPr/>
-        <p:nvPr/>
-      </p:nvGrpSpPr>
-      <p:grpSpPr>
-        <a:xfrm>
-          <a:off x="0" y="0"/>
-          <a:ext cx="0" cy="0"/>
-          <a:chOff x="0" y="0"/>
-          <a:chExt cx="0" cy="0"/>
-        </a:xfrm>
-      </p:grpSpPr>
-      <p:sp>
-        <p:nvSpPr>
-          <p:cNvPr id="4" name="Slide Number Placeholder 3"/>
-          <p:cNvSpPr>
-            <a:spLocks noGrp="1"/>
-          </p:cNvSpPr>
-          <p:nvPr>
-            <p:ph type="sldNum" sz="quarter" idx="10"/>
-          </p:nvPr>
-        </p:nvSpPr>
-        <p:spPr/>
-        <p:txBody>
-          <a:bodyPr/>
-          <a:lstStyle/>
-          <a:p>
-            <a:fld id="{284CB430-D7DB-450E-8FF5-AD4ED9D28849}" type="slidenum">
-              <a:rPr lang="en-US"/>
-              <a:pPr/>
-              <a:t>9</a:t>
-            </a:fld>
-            <a:endParaRPr lang="en-US"/>
-          </a:p>
-        </p:txBody>
-      </p:sp>
-      <p:sp>
-        <p:nvSpPr>
-          <p:cNvPr id="4100" name="Rectangle 4"/>
-          <p:cNvSpPr>
-            <a:spLocks noGrp="1" noChangeArrowheads="1"/>
-          </p:cNvSpPr>
-          <p:nvPr>
-            <p:ph type="title"/>
-          </p:nvPr>
-        </p:nvSpPr>
-        <p:spPr/>
-        <p:txBody>
-          <a:bodyPr/>
-          <a:lstStyle/>
-          <a:p>
-            <a:r>
-              <a:rPr lang="en-US" dirty="0" smtClean="0"/>
-              <a:t>Solution – How it Works</a:t>
-            </a:r>
-            <a:endParaRPr lang="en-US" dirty="0"/>
-          </a:p>
-        </p:txBody>
-      </p:sp>
-      <p:sp>
-        <p:nvSpPr>
-          <p:cNvPr id="4101" name="Rectangle 5"/>
-          <p:cNvSpPr>
-            <a:spLocks noGrp="1" noChangeArrowheads="1"/>
-          </p:cNvSpPr>
-          <p:nvPr>
-            <p:ph type="body" idx="1"/>
-          </p:nvPr>
-        </p:nvSpPr>
-        <p:spPr>
-          <a:xfrm>
-            <a:off x="1981200" y="1676400"/>
-            <a:ext cx="6858000" cy="4419600"/>
-          </a:xfrm>
-        </p:spPr>
-        <p:txBody>
-          <a:bodyPr/>
-          <a:lstStyle/>
-          <a:p>
-            <a:r>
-              <a:rPr lang="en-US" dirty="0" smtClean="0"/>
-              <a:t>The mobile client uses OpenGL to render 3D imagery corresponding to the virtual world state on top of the received live video feed.</a:t>
-            </a:r>
-          </a:p>
-          <a:p>
-            <a:endParaRPr lang="en-US" dirty="0" smtClean="0"/>
-          </a:p>
-          <a:p>
-            <a:r>
-              <a:rPr lang="en-US" dirty="0" smtClean="0"/>
-              <a:t>The end user uses either an on-screen button display or the tilt sensors in their smartphone to send movement commands to their paired robot.</a:t>
-            </a:r>
-          </a:p>
-        </p:txBody>
-      </p:sp>
-    </p:spTree>
-  </p:cSld>
-  <p:clrMapOvr>
-    <a:masterClrMapping/>
-  </p:clrMapOvr>
+  <p:transition>
+    <p:fade/>
+  </p:transition>
 </p:sld>
 </file>
 

--- a/docs/presentation_slides/RoboWarsPresentation_AlexCraig.pptx
+++ b/docs/presentation_slides/RoboWarsPresentation_AlexCraig.pptx
@@ -22,8 +22,8 @@
     <p:sldId id="267" r:id="rId10"/>
     <p:sldId id="268" r:id="rId11"/>
     <p:sldId id="275" r:id="rId12"/>
-    <p:sldId id="265" r:id="rId13"/>
-    <p:sldId id="276" r:id="rId14"/>
+    <p:sldId id="276" r:id="rId13"/>
+    <p:sldId id="265" r:id="rId14"/>
     <p:sldId id="272" r:id="rId15"/>
     <p:sldId id="273" r:id="rId16"/>
     <p:sldId id="274" r:id="rId17"/>
@@ -796,6 +796,310 @@
     </a:lvl9pPr>
   </p:notesStyle>
 </p:notesMaster>
+</file>
+
+<file path=ppt/notesSlides/notesSlide1.xml><?xml version="1.0" encoding="utf-8"?>
+<p:notes xmlns:a="http://schemas.openxmlformats.org/drawingml/2006/main" xmlns:r="http://schemas.openxmlformats.org/officeDocument/2006/relationships" xmlns:p="http://schemas.openxmlformats.org/presentationml/2006/main">
+  <p:cSld>
+    <p:spTree>
+      <p:nvGrpSpPr>
+        <p:cNvPr id="1" name=""/>
+        <p:cNvGrpSpPr/>
+        <p:nvPr/>
+      </p:nvGrpSpPr>
+      <p:grpSpPr>
+        <a:xfrm>
+          <a:off x="0" y="0"/>
+          <a:ext cx="0" cy="0"/>
+          <a:chOff x="0" y="0"/>
+          <a:chExt cx="0" cy="0"/>
+        </a:xfrm>
+      </p:grpSpPr>
+      <p:sp>
+        <p:nvSpPr>
+          <p:cNvPr id="2" name="Slide Image Placeholder 1"/>
+          <p:cNvSpPr>
+            <a:spLocks noGrp="1" noRot="1" noChangeAspect="1"/>
+          </p:cNvSpPr>
+          <p:nvPr>
+            <p:ph type="sldImg"/>
+          </p:nvPr>
+        </p:nvSpPr>
+        <p:spPr/>
+      </p:sp>
+      <p:sp>
+        <p:nvSpPr>
+          <p:cNvPr id="3" name="Notes Placeholder 2"/>
+          <p:cNvSpPr>
+            <a:spLocks noGrp="1"/>
+          </p:cNvSpPr>
+          <p:nvPr>
+            <p:ph type="body" idx="1"/>
+          </p:nvPr>
+        </p:nvSpPr>
+        <p:spPr/>
+        <p:txBody>
+          <a:bodyPr>
+            <a:normAutofit/>
+          </a:bodyPr>
+          <a:lstStyle/>
+          <a:p>
+            <a:pPr>
+              <a:buFontTx/>
+              <a:buChar char="-"/>
+            </a:pPr>
+            <a:r>
+              <a:rPr lang="en-CA" dirty="0" smtClean="0"/>
+              <a:t>Remote</a:t>
+            </a:r>
+            <a:r>
+              <a:rPr lang="en-CA" baseline="0" dirty="0" smtClean="0"/>
+              <a:t> users from any internet capable location</a:t>
+            </a:r>
+          </a:p>
+          <a:p>
+            <a:pPr>
+              <a:buFontTx/>
+              <a:buChar char="-"/>
+            </a:pPr>
+            <a:endParaRPr lang="en-CA" baseline="0" dirty="0" smtClean="0"/>
+          </a:p>
+          <a:p>
+            <a:pPr>
+              <a:buFontTx/>
+              <a:buChar char="-"/>
+            </a:pPr>
+            <a:r>
+              <a:rPr lang="en-CA" baseline="0" dirty="0" smtClean="0"/>
+              <a:t> Connect to our server and use our robotics kits</a:t>
+            </a:r>
+          </a:p>
+          <a:p>
+            <a:pPr>
+              <a:buFontTx/>
+              <a:buChar char="-"/>
+            </a:pPr>
+            <a:endParaRPr lang="en-CA" baseline="0" dirty="0" smtClean="0"/>
+          </a:p>
+          <a:p>
+            <a:pPr>
+              <a:buFontTx/>
+              <a:buChar char="-"/>
+            </a:pPr>
+            <a:r>
+              <a:rPr lang="en-CA" baseline="0" dirty="0" smtClean="0"/>
+              <a:t> Interact with a simple virtual world</a:t>
+            </a:r>
+            <a:endParaRPr lang="en-CA" dirty="0"/>
+          </a:p>
+        </p:txBody>
+      </p:sp>
+      <p:sp>
+        <p:nvSpPr>
+          <p:cNvPr id="4" name="Slide Number Placeholder 3"/>
+          <p:cNvSpPr>
+            <a:spLocks noGrp="1"/>
+          </p:cNvSpPr>
+          <p:nvPr>
+            <p:ph type="sldNum" sz="quarter" idx="10"/>
+          </p:nvPr>
+        </p:nvSpPr>
+        <p:spPr/>
+        <p:txBody>
+          <a:bodyPr/>
+          <a:lstStyle/>
+          <a:p>
+            <a:fld id="{E00E7371-80A2-4894-A71A-E39284D7ECA2}" type="slidenum">
+              <a:rPr lang="en-US" smtClean="0"/>
+              <a:pPr/>
+              <a:t>4</a:t>
+            </a:fld>
+            <a:endParaRPr lang="en-US"/>
+          </a:p>
+        </p:txBody>
+      </p:sp>
+    </p:spTree>
+  </p:cSld>
+  <p:clrMapOvr>
+    <a:masterClrMapping/>
+  </p:clrMapOvr>
+</p:notes>
+</file>
+
+<file path=ppt/notesSlides/notesSlide2.xml><?xml version="1.0" encoding="utf-8"?>
+<p:notes xmlns:a="http://schemas.openxmlformats.org/drawingml/2006/main" xmlns:r="http://schemas.openxmlformats.org/officeDocument/2006/relationships" xmlns:p="http://schemas.openxmlformats.org/presentationml/2006/main">
+  <p:cSld>
+    <p:spTree>
+      <p:nvGrpSpPr>
+        <p:cNvPr id="1" name=""/>
+        <p:cNvGrpSpPr/>
+        <p:nvPr/>
+      </p:nvGrpSpPr>
+      <p:grpSpPr>
+        <a:xfrm>
+          <a:off x="0" y="0"/>
+          <a:ext cx="0" cy="0"/>
+          <a:chOff x="0" y="0"/>
+          <a:chExt cx="0" cy="0"/>
+        </a:xfrm>
+      </p:grpSpPr>
+      <p:sp>
+        <p:nvSpPr>
+          <p:cNvPr id="2" name="Slide Image Placeholder 1"/>
+          <p:cNvSpPr>
+            <a:spLocks noGrp="1" noRot="1" noChangeAspect="1"/>
+          </p:cNvSpPr>
+          <p:nvPr>
+            <p:ph type="sldImg"/>
+          </p:nvPr>
+        </p:nvSpPr>
+        <p:spPr/>
+      </p:sp>
+      <p:sp>
+        <p:nvSpPr>
+          <p:cNvPr id="3" name="Notes Placeholder 2"/>
+          <p:cNvSpPr>
+            <a:spLocks noGrp="1"/>
+          </p:cNvSpPr>
+          <p:nvPr>
+            <p:ph type="body" idx="1"/>
+          </p:nvPr>
+        </p:nvSpPr>
+        <p:spPr/>
+        <p:txBody>
+          <a:bodyPr>
+            <a:normAutofit/>
+          </a:bodyPr>
+          <a:lstStyle/>
+          <a:p>
+            <a:r>
+              <a:rPr lang="en-CA" dirty="0" smtClean="0"/>
+              <a:t>- Try to</a:t>
+            </a:r>
+            <a:r>
+              <a:rPr lang="en-CA" baseline="0" dirty="0" smtClean="0"/>
+              <a:t> avoid talking about robot arena</a:t>
+            </a:r>
+            <a:endParaRPr lang="en-CA" dirty="0"/>
+          </a:p>
+        </p:txBody>
+      </p:sp>
+      <p:sp>
+        <p:nvSpPr>
+          <p:cNvPr id="4" name="Slide Number Placeholder 3"/>
+          <p:cNvSpPr>
+            <a:spLocks noGrp="1"/>
+          </p:cNvSpPr>
+          <p:nvPr>
+            <p:ph type="sldNum" sz="quarter" idx="10"/>
+          </p:nvPr>
+        </p:nvSpPr>
+        <p:spPr/>
+        <p:txBody>
+          <a:bodyPr/>
+          <a:lstStyle/>
+          <a:p>
+            <a:fld id="{E00E7371-80A2-4894-A71A-E39284D7ECA2}" type="slidenum">
+              <a:rPr lang="en-US" smtClean="0"/>
+              <a:pPr/>
+              <a:t>5</a:t>
+            </a:fld>
+            <a:endParaRPr lang="en-US"/>
+          </a:p>
+        </p:txBody>
+      </p:sp>
+    </p:spTree>
+  </p:cSld>
+  <p:clrMapOvr>
+    <a:masterClrMapping/>
+  </p:clrMapOvr>
+</p:notes>
+</file>
+
+<file path=ppt/notesSlides/notesSlide3.xml><?xml version="1.0" encoding="utf-8"?>
+<p:notes xmlns:a="http://schemas.openxmlformats.org/drawingml/2006/main" xmlns:r="http://schemas.openxmlformats.org/officeDocument/2006/relationships" xmlns:p="http://schemas.openxmlformats.org/presentationml/2006/main">
+  <p:cSld>
+    <p:spTree>
+      <p:nvGrpSpPr>
+        <p:cNvPr id="1" name=""/>
+        <p:cNvGrpSpPr/>
+        <p:nvPr/>
+      </p:nvGrpSpPr>
+      <p:grpSpPr>
+        <a:xfrm>
+          <a:off x="0" y="0"/>
+          <a:ext cx="0" cy="0"/>
+          <a:chOff x="0" y="0"/>
+          <a:chExt cx="0" cy="0"/>
+        </a:xfrm>
+      </p:grpSpPr>
+      <p:sp>
+        <p:nvSpPr>
+          <p:cNvPr id="2" name="Slide Image Placeholder 1"/>
+          <p:cNvSpPr>
+            <a:spLocks noGrp="1" noRot="1" noChangeAspect="1"/>
+          </p:cNvSpPr>
+          <p:nvPr>
+            <p:ph type="sldImg"/>
+          </p:nvPr>
+        </p:nvSpPr>
+        <p:spPr/>
+      </p:sp>
+      <p:sp>
+        <p:nvSpPr>
+          <p:cNvPr id="3" name="Notes Placeholder 2"/>
+          <p:cNvSpPr>
+            <a:spLocks noGrp="1"/>
+          </p:cNvSpPr>
+          <p:nvPr>
+            <p:ph type="body" idx="1"/>
+          </p:nvPr>
+        </p:nvSpPr>
+        <p:spPr/>
+        <p:txBody>
+          <a:bodyPr>
+            <a:normAutofit/>
+          </a:bodyPr>
+          <a:lstStyle/>
+          <a:p>
+            <a:r>
+              <a:rPr lang="en-CA" dirty="0" smtClean="0"/>
+              <a:t>- FIX</a:t>
+            </a:r>
+            <a:endParaRPr lang="en-CA" dirty="0"/>
+          </a:p>
+        </p:txBody>
+      </p:sp>
+      <p:sp>
+        <p:nvSpPr>
+          <p:cNvPr id="4" name="Slide Number Placeholder 3"/>
+          <p:cNvSpPr>
+            <a:spLocks noGrp="1"/>
+          </p:cNvSpPr>
+          <p:nvPr>
+            <p:ph type="sldNum" sz="quarter" idx="10"/>
+          </p:nvPr>
+        </p:nvSpPr>
+        <p:spPr/>
+        <p:txBody>
+          <a:bodyPr/>
+          <a:lstStyle/>
+          <a:p>
+            <a:fld id="{E00E7371-80A2-4894-A71A-E39284D7ECA2}" type="slidenum">
+              <a:rPr lang="en-US" smtClean="0"/>
+              <a:pPr/>
+              <a:t>11</a:t>
+            </a:fld>
+            <a:endParaRPr lang="en-US"/>
+          </a:p>
+        </p:txBody>
+      </p:sp>
+    </p:spTree>
+  </p:cSld>
+  <p:clrMapOvr>
+    <a:masterClrMapping/>
+  </p:clrMapOvr>
+</p:notes>
 </file>
 
 <file path=ppt/slideLayouts/slideLayout1.xml><?xml version="1.0" encoding="utf-8"?>
@@ -3727,6 +4031,13 @@
   <p:transition>
     <p:fade/>
   </p:transition>
+  <p:timing>
+    <p:tnLst>
+      <p:par>
+        <p:cTn id="1" dur="indefinite" restart="never" nodeType="tmRoot"/>
+      </p:par>
+    </p:tnLst>
+  </p:timing>
 </p:sld>
 </file>
 
@@ -3838,6 +4149,13 @@
   <p:transition>
     <p:fade/>
   </p:transition>
+  <p:timing>
+    <p:tnLst>
+      <p:par>
+        <p:cTn id="1" dur="indefinite" restart="never" nodeType="tmRoot"/>
+      </p:par>
+    </p:tnLst>
+  </p:timing>
 </p:sld>
 </file>
 
@@ -3899,11 +4217,7 @@
           <a:p>
             <a:r>
               <a:rPr lang="en-US" dirty="0" smtClean="0"/>
-              <a:t>Solution - System </a:t>
-            </a:r>
-            <a:r>
-              <a:rPr lang="en-US" dirty="0" smtClean="0"/>
-              <a:t>Architecture</a:t>
+              <a:t>Solution - System Architecture</a:t>
             </a:r>
             <a:endParaRPr lang="en-US" dirty="0"/>
           </a:p>
@@ -3918,7 +4232,7 @@
           <p:nvPr/>
         </p:nvPicPr>
         <p:blipFill>
-          <a:blip r:embed="rId2" cstate="print"/>
+          <a:blip r:embed="rId3" cstate="print"/>
           <a:stretch>
             <a:fillRect/>
           </a:stretch>
@@ -3941,6 +4255,13 @@
   <p:transition>
     <p:fade/>
   </p:transition>
+  <p:timing>
+    <p:tnLst>
+      <p:par>
+        <p:cTn id="1" dur="indefinite" restart="never" nodeType="tmRoot"/>
+      </p:par>
+    </p:tnLst>
+  </p:timing>
 </p:sld>
 </file>
 
@@ -4025,24 +4346,25 @@
           <a:p>
             <a:r>
               <a:rPr lang="en-US" dirty="0" smtClean="0"/>
-              <a:t>Virtual </a:t>
-            </a:r>
+              <a:t>Elderly / Disabled Assistance</a:t>
+            </a:r>
+          </a:p>
+          <a:p>
+            <a:endParaRPr lang="en-US" dirty="0" smtClean="0"/>
+          </a:p>
+          <a:p>
             <a:r>
               <a:rPr lang="en-US" dirty="0" smtClean="0"/>
-              <a:t>world state could be entirely simulated as in the prototype case, or the virtual world could be used to collaborate sensor information from external sources</a:t>
-            </a:r>
+              <a:t>Search and Rescue</a:t>
+            </a:r>
+          </a:p>
+          <a:p>
+            <a:endParaRPr lang="en-US" dirty="0" smtClean="0"/>
+          </a:p>
+          <a:p>
             <a:r>
               <a:rPr lang="en-US" dirty="0" smtClean="0"/>
-              <a:t>.</a:t>
-            </a:r>
-          </a:p>
-          <a:p>
-            <a:endParaRPr lang="en-US" dirty="0" smtClean="0"/>
-          </a:p>
-          <a:p>
-            <a:r>
-              <a:rPr lang="en-US" dirty="0" smtClean="0"/>
-              <a:t>In our implementation, robots remain idle when not paired and do not receive virtual world state. Robots could operate autonomously while making use of virtual world data when not actively paired to a human operator.</a:t>
+              <a:t>Security and Surveillance</a:t>
             </a:r>
             <a:endParaRPr lang="en-US" dirty="0"/>
           </a:p>
@@ -4056,6 +4378,13 @@
   <p:transition>
     <p:fade/>
   </p:transition>
+  <p:timing>
+    <p:tnLst>
+      <p:par>
+        <p:cTn id="1" dur="indefinite" restart="never" nodeType="tmRoot"/>
+      </p:par>
+    </p:tnLst>
+  </p:timing>
 </p:sld>
 </file>
 
@@ -4140,7 +4469,7 @@
           <a:p>
             <a:r>
               <a:rPr lang="en-US" dirty="0" smtClean="0"/>
-              <a:t>Elderly / Disabled Assistance</a:t>
+              <a:t>Virtual world state could be entirely simulated as in the prototype case, or the virtual world could be used to collaborate sensor information from external sources.</a:t>
             </a:r>
           </a:p>
           <a:p>
@@ -4149,16 +4478,7 @@
           <a:p>
             <a:r>
               <a:rPr lang="en-US" dirty="0" smtClean="0"/>
-              <a:t>Search and Rescue</a:t>
-            </a:r>
-          </a:p>
-          <a:p>
-            <a:endParaRPr lang="en-US" dirty="0" smtClean="0"/>
-          </a:p>
-          <a:p>
-            <a:r>
-              <a:rPr lang="en-US" dirty="0" smtClean="0"/>
-              <a:t>Security and Surveillance</a:t>
+              <a:t>In our implementation, robots remain idle when not paired and do not receive virtual world state. Robots could operate autonomously while making use of virtual world data when not actively paired to a human operator.</a:t>
             </a:r>
             <a:endParaRPr lang="en-US" dirty="0"/>
           </a:p>
@@ -4172,6 +4492,13 @@
   <p:transition>
     <p:fade/>
   </p:transition>
+  <p:timing>
+    <p:tnLst>
+      <p:par>
+        <p:cTn id="1" dur="indefinite" restart="never" nodeType="tmRoot"/>
+      </p:par>
+    </p:tnLst>
+  </p:timing>
 </p:sld>
 </file>
 
@@ -4272,18 +4599,44 @@
             </a:r>
             <a:r>
               <a:rPr lang="en-US" dirty="0" smtClean="0"/>
-              <a:t> virtual world could be used to collaborate with other sensors and appliances in a home environment</a:t>
+              <a:t> virtual world could be used to collaborate with other sensors and appliances in a home environment. For example, stored information might </a:t>
             </a:r>
             <a:r>
               <a:rPr lang="en-US" dirty="0" smtClean="0"/>
-              <a:t>. For example, stored information might include appliance settings, thermostat settings, the status of lights in various rooms, grocery stocks… etc.</a:t>
-            </a:r>
+              <a:t>include </a:t>
+            </a:r>
+            <a:r>
+              <a:rPr lang="en-US" dirty="0" smtClean="0"/>
+              <a:t>grocery </a:t>
+            </a:r>
+            <a:r>
+              <a:rPr lang="en-US" dirty="0" smtClean="0"/>
+              <a:t>stocks, locations of various items… </a:t>
+            </a:r>
+            <a:r>
+              <a:rPr lang="en-US" dirty="0" smtClean="0"/>
+              <a:t>etc</a:t>
+            </a:r>
+            <a:r>
+              <a:rPr lang="en-US" dirty="0" smtClean="0"/>
+              <a:t>.</a:t>
+            </a:r>
+          </a:p>
+          <a:p>
             <a:endParaRPr lang="en-US" dirty="0"/>
           </a:p>
           <a:p>
             <a:r>
               <a:rPr lang="en-US" dirty="0" smtClean="0"/>
-              <a:t>A remotely controlled robotic drone could be used by the elderly or disabled to perform simple tasks around the home such as fetching items or interacting with appliances.</a:t>
+              <a:t>A remotely controlled robotic drone could be used by the elderly or disabled to perform simple tasks around the home such as fetching items or </a:t>
+            </a:r>
+            <a:r>
+              <a:rPr lang="en-US" dirty="0" smtClean="0"/>
+              <a:t>mapping potential hazards in the area</a:t>
+            </a:r>
+            <a:r>
+              <a:rPr lang="en-US" dirty="0" smtClean="0"/>
+              <a:t>.</a:t>
             </a:r>
             <a:endParaRPr lang="en-US" dirty="0"/>
           </a:p>
@@ -4297,6 +4650,13 @@
   <p:transition>
     <p:fade/>
   </p:transition>
+  <p:timing>
+    <p:tnLst>
+      <p:par>
+        <p:cTn id="1" dur="indefinite" restart="never" nodeType="tmRoot"/>
+      </p:par>
+    </p:tnLst>
+  </p:timing>
 </p:sld>
 </file>
 
@@ -4393,32 +4753,16 @@
           <a:p>
             <a:r>
               <a:rPr lang="en-US" dirty="0" smtClean="0"/>
-              <a:t>Robotic drones are a means of performing search and rescue operations in areas which may be hazardous or inaccessible to human personnel</a:t>
-            </a:r>
+              <a:t>Robotic drones are a means of performing search and rescue operations in areas which may be hazardous or inaccessible to human personnel.</a:t>
+            </a:r>
+          </a:p>
+          <a:p>
+            <a:endParaRPr lang="en-US" dirty="0"/>
+          </a:p>
+          <a:p>
             <a:r>
               <a:rPr lang="en-US" dirty="0" smtClean="0"/>
-              <a:t>.</a:t>
-            </a:r>
-          </a:p>
-          <a:p>
-            <a:endParaRPr lang="en-US" dirty="0"/>
-          </a:p>
-          <a:p>
-            <a:r>
-              <a:rPr lang="en-US" dirty="0" smtClean="0"/>
-              <a:t>A virtual world could be used to collaborate sensor information </a:t>
-            </a:r>
-            <a:r>
-              <a:rPr lang="en-US" dirty="0" smtClean="0"/>
-              <a:t>as </a:t>
-            </a:r>
-            <a:r>
-              <a:rPr lang="en-US" dirty="0" smtClean="0"/>
-              <a:t>well as to coordinate the movements of the drones themselves</a:t>
-            </a:r>
-            <a:r>
-              <a:rPr lang="en-US" dirty="0" smtClean="0"/>
-              <a:t>.</a:t>
+              <a:t>A virtual world could be used to collaborate sensor information as well as to coordinate the movements of the drones themselves.</a:t>
             </a:r>
           </a:p>
           <a:p>
@@ -4441,6 +4785,13 @@
   <p:transition>
     <p:fade/>
   </p:transition>
+  <p:timing>
+    <p:tnLst>
+      <p:par>
+        <p:cTn id="1" dur="indefinite" restart="never" nodeType="tmRoot"/>
+      </p:par>
+    </p:tnLst>
+  </p:timing>
 </p:sld>
 </file>
 
@@ -4546,11 +4897,15 @@
           <a:p>
             <a:r>
               <a:rPr lang="en-US" dirty="0" smtClean="0"/>
-              <a:t>A </a:t>
+              <a:t>A mobile client ensures that security personnel can operate the drones regardless of their current position when an alarm is </a:t>
             </a:r>
             <a:r>
               <a:rPr lang="en-US" dirty="0" smtClean="0"/>
-              <a:t>mobile client ensures that security personnel can operate the drones regardless of their current position when an alarm is triggered.</a:t>
+              <a:t>triggered (greatly decreased the response time to </a:t>
+            </a:r>
+            <a:r>
+              <a:rPr lang="en-US" smtClean="0"/>
+              <a:t>an emergency).</a:t>
             </a:r>
             <a:endParaRPr lang="en-US" dirty="0"/>
           </a:p>
@@ -5204,6 +5559,13 @@
   <p:transition>
     <p:fade/>
   </p:transition>
+  <p:timing>
+    <p:tnLst>
+      <p:par>
+        <p:cTn id="1" dur="indefinite" restart="never" nodeType="tmRoot"/>
+      </p:par>
+    </p:tnLst>
+  </p:timing>
 </p:sld>
 </file>
 
@@ -5397,6 +5759,13 @@
   <p:transition>
     <p:fade/>
   </p:transition>
+  <p:timing>
+    <p:tnLst>
+      <p:par>
+        <p:cTn id="1" dur="indefinite" restart="never" nodeType="tmRoot"/>
+      </p:par>
+    </p:tnLst>
+  </p:timing>
 </p:sld>
 </file>
 
@@ -5588,14 +5957,6 @@
               </a:rPr>
               <a:t>. </a:t>
             </a:r>
-            <a:endParaRPr lang="en-CA" dirty="0" smtClean="0">
-              <a:solidFill>
-                <a:schemeClr val="tx1"/>
-              </a:solidFill>
-              <a:latin typeface="+mn-lt"/>
-              <a:ea typeface="+mn-ea"/>
-              <a:cs typeface="+mn-cs"/>
-            </a:endParaRPr>
           </a:p>
         </p:txBody>
       </p:sp>
@@ -5607,6 +5968,13 @@
   <p:transition>
     <p:fade/>
   </p:transition>
+  <p:timing>
+    <p:tnLst>
+      <p:par>
+        <p:cTn id="1" dur="indefinite" restart="never" nodeType="tmRoot"/>
+      </p:par>
+    </p:tnLst>
+  </p:timing>
 </p:sld>
 </file>
 
@@ -5668,11 +6036,7 @@
           <a:p>
             <a:r>
               <a:rPr lang="en-US" dirty="0" smtClean="0"/>
-              <a:t>Solution - System </a:t>
-            </a:r>
-            <a:r>
-              <a:rPr lang="en-US" dirty="0" smtClean="0"/>
-              <a:t>Architecture</a:t>
+              <a:t>Solution - System Architecture</a:t>
             </a:r>
             <a:endParaRPr lang="en-US" dirty="0"/>
           </a:p>
@@ -5687,7 +6051,7 @@
           <p:nvPr/>
         </p:nvPicPr>
         <p:blipFill>
-          <a:blip r:embed="rId2" cstate="print"/>
+          <a:blip r:embed="rId3" cstate="print"/>
           <a:stretch>
             <a:fillRect/>
           </a:stretch>
@@ -5710,6 +6074,13 @@
   <p:transition>
     <p:fade/>
   </p:transition>
+  <p:timing>
+    <p:tnLst>
+      <p:par>
+        <p:cTn id="1" dur="indefinite" restart="never" nodeType="tmRoot"/>
+      </p:par>
+    </p:tnLst>
+  </p:timing>
 </p:sld>
 </file>
 
@@ -6173,6 +6544,13 @@
   <p:transition>
     <p:fade/>
   </p:transition>
+  <p:timing>
+    <p:tnLst>
+      <p:par>
+        <p:cTn id="1" dur="indefinite" restart="never" nodeType="tmRoot"/>
+      </p:par>
+    </p:tnLst>
+  </p:timing>
 </p:sld>
 </file>
 
@@ -6442,6 +6820,13 @@
   <p:transition>
     <p:fade/>
   </p:transition>
+  <p:timing>
+    <p:tnLst>
+      <p:par>
+        <p:cTn id="1" dur="indefinite" restart="never" nodeType="tmRoot"/>
+      </p:par>
+    </p:tnLst>
+  </p:timing>
 </p:sld>
 </file>
 
@@ -6764,6 +7149,13 @@
   <p:transition>
     <p:fade/>
   </p:transition>
+  <p:timing>
+    <p:tnLst>
+      <p:par>
+        <p:cTn id="1" dur="indefinite" restart="never" nodeType="tmRoot"/>
+      </p:par>
+    </p:tnLst>
+  </p:timing>
 </p:sld>
 </file>
 
@@ -7024,6 +7416,13 @@
   <p:transition>
     <p:fade/>
   </p:transition>
+  <p:timing>
+    <p:tnLst>
+      <p:par>
+        <p:cTn id="1" dur="indefinite" restart="never" nodeType="tmRoot"/>
+      </p:par>
+    </p:tnLst>
+  </p:timing>
 </p:sld>
 </file>
 
